--- a/Notes/TypeScript.pptx
+++ b/Notes/TypeScript.pptx
@@ -26,7 +26,17 @@
     <p:sldId id="291" r:id="rId20"/>
     <p:sldId id="315" r:id="rId21"/>
     <p:sldId id="310" r:id="rId22"/>
-    <p:sldId id="301" r:id="rId23"/>
+    <p:sldId id="311" r:id="rId23"/>
+    <p:sldId id="312" r:id="rId24"/>
+    <p:sldId id="288" r:id="rId25"/>
+    <p:sldId id="289" r:id="rId26"/>
+    <p:sldId id="346" r:id="rId27"/>
+    <p:sldId id="347" r:id="rId28"/>
+    <p:sldId id="316" r:id="rId29"/>
+    <p:sldId id="314" r:id="rId30"/>
+    <p:sldId id="277" r:id="rId31"/>
+    <p:sldId id="348" r:id="rId32"/>
+    <p:sldId id="301" r:id="rId33"/>
   </p:sldIdLst>
   <p:sldSz cx="12192000" cy="6858000"/>
   <p:notesSz cx="6858000" cy="9144000"/>
@@ -136,7 +146,7 @@
 <file path=ppt/revisionInfo.xml><?xml version="1.0" encoding="utf-8"?>
 <p1510:revInfo xmlns:a="http://schemas.openxmlformats.org/drawingml/2006/main" xmlns:r="http://schemas.openxmlformats.org/officeDocument/2006/relationships" xmlns:p1510="http://schemas.microsoft.com/office/powerpoint/2015/10/main">
   <p1510:revLst>
-    <p1510:client id="{2BF1AFDE-0EC3-4D20-9ECF-8552883B8CAC}" v="21" dt="2022-07-09T08:15:55.922"/>
+    <p1510:client id="{2BF1AFDE-0EC3-4D20-9ECF-8552883B8CAC}" v="22" dt="2022-07-09T11:02:20.513"/>
   </p1510:revLst>
 </p1510:revInfo>
 </file>
@@ -17464,6 +17474,1276 @@
     </pc:docChg>
   </pc:docChgLst>
   <pc:docChgLst>
+    <pc:chgData name="Manish Sharma" userId="b799adb9ba789c8f" providerId="LiveId" clId="{D10C37F9-2D08-4B3E-9F98-9E9E5C636EAE}"/>
+    <pc:docChg chg="undo custSel addSld delSld modSld">
+      <pc:chgData name="Manish Sharma" userId="b799adb9ba789c8f" providerId="LiveId" clId="{D10C37F9-2D08-4B3E-9F98-9E9E5C636EAE}" dt="2022-06-10T11:29:44.202" v="696"/>
+      <pc:docMkLst>
+        <pc:docMk/>
+      </pc:docMkLst>
+      <pc:sldChg chg="add">
+        <pc:chgData name="Manish Sharma" userId="b799adb9ba789c8f" providerId="LiveId" clId="{D10C37F9-2D08-4B3E-9F98-9E9E5C636EAE}" dt="2022-06-09T06:57:28.076" v="35"/>
+        <pc:sldMkLst>
+          <pc:docMk/>
+          <pc:sldMk cId="0" sldId="269"/>
+        </pc:sldMkLst>
+      </pc:sldChg>
+      <pc:sldChg chg="add">
+        <pc:chgData name="Manish Sharma" userId="b799adb9ba789c8f" providerId="LiveId" clId="{D10C37F9-2D08-4B3E-9F98-9E9E5C636EAE}" dt="2022-06-09T06:57:28.076" v="35"/>
+        <pc:sldMkLst>
+          <pc:docMk/>
+          <pc:sldMk cId="354889720" sldId="272"/>
+        </pc:sldMkLst>
+      </pc:sldChg>
+      <pc:sldChg chg="add">
+        <pc:chgData name="Manish Sharma" userId="b799adb9ba789c8f" providerId="LiveId" clId="{D10C37F9-2D08-4B3E-9F98-9E9E5C636EAE}" dt="2022-06-09T06:57:28.076" v="35"/>
+        <pc:sldMkLst>
+          <pc:docMk/>
+          <pc:sldMk cId="1041794992" sldId="274"/>
+        </pc:sldMkLst>
+      </pc:sldChg>
+      <pc:sldChg chg="add">
+        <pc:chgData name="Manish Sharma" userId="b799adb9ba789c8f" providerId="LiveId" clId="{D10C37F9-2D08-4B3E-9F98-9E9E5C636EAE}" dt="2022-06-09T06:57:28.076" v="35"/>
+        <pc:sldMkLst>
+          <pc:docMk/>
+          <pc:sldMk cId="1929096108" sldId="275"/>
+        </pc:sldMkLst>
+      </pc:sldChg>
+      <pc:sldChg chg="add">
+        <pc:chgData name="Manish Sharma" userId="b799adb9ba789c8f" providerId="LiveId" clId="{D10C37F9-2D08-4B3E-9F98-9E9E5C636EAE}" dt="2022-06-09T06:57:28.076" v="35"/>
+        <pc:sldMkLst>
+          <pc:docMk/>
+          <pc:sldMk cId="1327294765" sldId="276"/>
+        </pc:sldMkLst>
+      </pc:sldChg>
+      <pc:sldChg chg="add">
+        <pc:chgData name="Manish Sharma" userId="b799adb9ba789c8f" providerId="LiveId" clId="{D10C37F9-2D08-4B3E-9F98-9E9E5C636EAE}" dt="2022-06-09T11:02:07.984" v="40"/>
+        <pc:sldMkLst>
+          <pc:docMk/>
+          <pc:sldMk cId="1476634141" sldId="277"/>
+        </pc:sldMkLst>
+      </pc:sldChg>
+      <pc:sldChg chg="add">
+        <pc:chgData name="Manish Sharma" userId="b799adb9ba789c8f" providerId="LiveId" clId="{D10C37F9-2D08-4B3E-9F98-9E9E5C636EAE}" dt="2022-06-10T04:08:26.944" v="242"/>
+        <pc:sldMkLst>
+          <pc:docMk/>
+          <pc:sldMk cId="3742683978" sldId="278"/>
+        </pc:sldMkLst>
+      </pc:sldChg>
+      <pc:sldChg chg="add">
+        <pc:chgData name="Manish Sharma" userId="b799adb9ba789c8f" providerId="LiveId" clId="{D10C37F9-2D08-4B3E-9F98-9E9E5C636EAE}" dt="2022-06-09T06:57:28.076" v="35"/>
+        <pc:sldMkLst>
+          <pc:docMk/>
+          <pc:sldMk cId="3722122107" sldId="280"/>
+        </pc:sldMkLst>
+      </pc:sldChg>
+      <pc:sldChg chg="add">
+        <pc:chgData name="Manish Sharma" userId="b799adb9ba789c8f" providerId="LiveId" clId="{D10C37F9-2D08-4B3E-9F98-9E9E5C636EAE}" dt="2022-06-09T06:57:28.076" v="35"/>
+        <pc:sldMkLst>
+          <pc:docMk/>
+          <pc:sldMk cId="1870224024" sldId="281"/>
+        </pc:sldMkLst>
+      </pc:sldChg>
+      <pc:sldChg chg="add">
+        <pc:chgData name="Manish Sharma" userId="b799adb9ba789c8f" providerId="LiveId" clId="{D10C37F9-2D08-4B3E-9F98-9E9E5C636EAE}" dt="2022-06-10T05:04:24.004" v="243"/>
+        <pc:sldMkLst>
+          <pc:docMk/>
+          <pc:sldMk cId="4112244625" sldId="283"/>
+        </pc:sldMkLst>
+      </pc:sldChg>
+      <pc:sldChg chg="add">
+        <pc:chgData name="Manish Sharma" userId="b799adb9ba789c8f" providerId="LiveId" clId="{D10C37F9-2D08-4B3E-9F98-9E9E5C636EAE}" dt="2022-06-10T05:04:24.004" v="243"/>
+        <pc:sldMkLst>
+          <pc:docMk/>
+          <pc:sldMk cId="3526466874" sldId="284"/>
+        </pc:sldMkLst>
+      </pc:sldChg>
+      <pc:sldChg chg="addSp delSp add mod setBg delDesignElem">
+        <pc:chgData name="Manish Sharma" userId="b799adb9ba789c8f" providerId="LiveId" clId="{D10C37F9-2D08-4B3E-9F98-9E9E5C636EAE}" dt="2022-06-10T05:05:06.837" v="246" actId="26606"/>
+        <pc:sldMkLst>
+          <pc:docMk/>
+          <pc:sldMk cId="1121659111" sldId="286"/>
+        </pc:sldMkLst>
+        <pc:spChg chg="del">
+          <ac:chgData name="Manish Sharma" userId="b799adb9ba789c8f" providerId="LiveId" clId="{D10C37F9-2D08-4B3E-9F98-9E9E5C636EAE}" dt="2022-06-10T05:04:55.176" v="245"/>
+          <ac:spMkLst>
+            <pc:docMk/>
+            <pc:sldMk cId="1121659111" sldId="286"/>
+            <ac:spMk id="11" creationId="{D4771268-CB57-404A-9271-370EB28F6090}"/>
+          </ac:spMkLst>
+        </pc:spChg>
+        <pc:spChg chg="add">
+          <ac:chgData name="Manish Sharma" userId="b799adb9ba789c8f" providerId="LiveId" clId="{D10C37F9-2D08-4B3E-9F98-9E9E5C636EAE}" dt="2022-06-10T05:05:06.837" v="246" actId="26606"/>
+          <ac:spMkLst>
+            <pc:docMk/>
+            <pc:sldMk cId="1121659111" sldId="286"/>
+            <ac:spMk id="12" creationId="{D4771268-CB57-404A-9271-370EB28F6090}"/>
+          </ac:spMkLst>
+        </pc:spChg>
+      </pc:sldChg>
+      <pc:sldChg chg="add">
+        <pc:chgData name="Manish Sharma" userId="b799adb9ba789c8f" providerId="LiveId" clId="{D10C37F9-2D08-4B3E-9F98-9E9E5C636EAE}" dt="2022-06-09T10:12:54.778" v="38"/>
+        <pc:sldMkLst>
+          <pc:docMk/>
+          <pc:sldMk cId="4016984177" sldId="288"/>
+        </pc:sldMkLst>
+      </pc:sldChg>
+      <pc:sldChg chg="addSp delSp add mod setBg delDesignElem">
+        <pc:chgData name="Manish Sharma" userId="b799adb9ba789c8f" providerId="LiveId" clId="{D10C37F9-2D08-4B3E-9F98-9E9E5C636EAE}" dt="2022-06-09T10:13:06.324" v="39" actId="26606"/>
+        <pc:sldMkLst>
+          <pc:docMk/>
+          <pc:sldMk cId="4019827636" sldId="289"/>
+        </pc:sldMkLst>
+        <pc:spChg chg="del">
+          <ac:chgData name="Manish Sharma" userId="b799adb9ba789c8f" providerId="LiveId" clId="{D10C37F9-2D08-4B3E-9F98-9E9E5C636EAE}" dt="2022-06-09T10:12:54.778" v="38"/>
+          <ac:spMkLst>
+            <pc:docMk/>
+            <pc:sldMk cId="4019827636" sldId="289"/>
+            <ac:spMk id="7" creationId="{D4771268-CB57-404A-9271-370EB28F6090}"/>
+          </ac:spMkLst>
+        </pc:spChg>
+        <pc:spChg chg="add">
+          <ac:chgData name="Manish Sharma" userId="b799adb9ba789c8f" providerId="LiveId" clId="{D10C37F9-2D08-4B3E-9F98-9E9E5C636EAE}" dt="2022-06-09T10:13:06.324" v="39" actId="26606"/>
+          <ac:spMkLst>
+            <pc:docMk/>
+            <pc:sldMk cId="4019827636" sldId="289"/>
+            <ac:spMk id="8" creationId="{D4771268-CB57-404A-9271-370EB28F6090}"/>
+          </ac:spMkLst>
+        </pc:spChg>
+      </pc:sldChg>
+      <pc:sldChg chg="add">
+        <pc:chgData name="Manish Sharma" userId="b799adb9ba789c8f" providerId="LiveId" clId="{D10C37F9-2D08-4B3E-9F98-9E9E5C636EAE}" dt="2022-06-09T06:57:28.076" v="35"/>
+        <pc:sldMkLst>
+          <pc:docMk/>
+          <pc:sldMk cId="4234741750" sldId="290"/>
+        </pc:sldMkLst>
+      </pc:sldChg>
+      <pc:sldChg chg="add">
+        <pc:chgData name="Manish Sharma" userId="b799adb9ba789c8f" providerId="LiveId" clId="{D10C37F9-2D08-4B3E-9F98-9E9E5C636EAE}" dt="2022-06-09T06:57:28.076" v="35"/>
+        <pc:sldMkLst>
+          <pc:docMk/>
+          <pc:sldMk cId="3252480271" sldId="291"/>
+        </pc:sldMkLst>
+      </pc:sldChg>
+      <pc:sldChg chg="add">
+        <pc:chgData name="Manish Sharma" userId="b799adb9ba789c8f" providerId="LiveId" clId="{D10C37F9-2D08-4B3E-9F98-9E9E5C636EAE}" dt="2022-06-09T10:12:54.778" v="38"/>
+        <pc:sldMkLst>
+          <pc:docMk/>
+          <pc:sldMk cId="3578439419" sldId="310"/>
+        </pc:sldMkLst>
+      </pc:sldChg>
+      <pc:sldChg chg="add">
+        <pc:chgData name="Manish Sharma" userId="b799adb9ba789c8f" providerId="LiveId" clId="{D10C37F9-2D08-4B3E-9F98-9E9E5C636EAE}" dt="2022-06-09T10:12:54.778" v="38"/>
+        <pc:sldMkLst>
+          <pc:docMk/>
+          <pc:sldMk cId="2483723510" sldId="311"/>
+        </pc:sldMkLst>
+      </pc:sldChg>
+      <pc:sldChg chg="add">
+        <pc:chgData name="Manish Sharma" userId="b799adb9ba789c8f" providerId="LiveId" clId="{D10C37F9-2D08-4B3E-9F98-9E9E5C636EAE}" dt="2022-06-09T10:12:54.778" v="38"/>
+        <pc:sldMkLst>
+          <pc:docMk/>
+          <pc:sldMk cId="2383157330" sldId="312"/>
+        </pc:sldMkLst>
+      </pc:sldChg>
+      <pc:sldChg chg="add">
+        <pc:chgData name="Manish Sharma" userId="b799adb9ba789c8f" providerId="LiveId" clId="{D10C37F9-2D08-4B3E-9F98-9E9E5C636EAE}" dt="2022-06-09T11:02:07.984" v="40"/>
+        <pc:sldMkLst>
+          <pc:docMk/>
+          <pc:sldMk cId="1771078964" sldId="314"/>
+        </pc:sldMkLst>
+      </pc:sldChg>
+      <pc:sldChg chg="add">
+        <pc:chgData name="Manish Sharma" userId="b799adb9ba789c8f" providerId="LiveId" clId="{D10C37F9-2D08-4B3E-9F98-9E9E5C636EAE}" dt="2022-06-09T07:09:02.403" v="36"/>
+        <pc:sldMkLst>
+          <pc:docMk/>
+          <pc:sldMk cId="2175462724" sldId="315"/>
+        </pc:sldMkLst>
+      </pc:sldChg>
+      <pc:sldChg chg="add">
+        <pc:chgData name="Manish Sharma" userId="b799adb9ba789c8f" providerId="LiveId" clId="{D10C37F9-2D08-4B3E-9F98-9E9E5C636EAE}" dt="2022-06-09T11:02:07.984" v="40"/>
+        <pc:sldMkLst>
+          <pc:docMk/>
+          <pc:sldMk cId="1542734719" sldId="316"/>
+        </pc:sldMkLst>
+      </pc:sldChg>
+      <pc:sldChg chg="add">
+        <pc:chgData name="Manish Sharma" userId="b799adb9ba789c8f" providerId="LiveId" clId="{D10C37F9-2D08-4B3E-9F98-9E9E5C636EAE}" dt="2022-06-10T03:47:55.402" v="241"/>
+        <pc:sldMkLst>
+          <pc:docMk/>
+          <pc:sldMk cId="2020432023" sldId="317"/>
+        </pc:sldMkLst>
+      </pc:sldChg>
+      <pc:sldChg chg="add">
+        <pc:chgData name="Manish Sharma" userId="b799adb9ba789c8f" providerId="LiveId" clId="{D10C37F9-2D08-4B3E-9F98-9E9E5C636EAE}" dt="2022-06-10T04:08:26.944" v="242"/>
+        <pc:sldMkLst>
+          <pc:docMk/>
+          <pc:sldMk cId="992083087" sldId="318"/>
+        </pc:sldMkLst>
+      </pc:sldChg>
+      <pc:sldChg chg="add">
+        <pc:chgData name="Manish Sharma" userId="b799adb9ba789c8f" providerId="LiveId" clId="{D10C37F9-2D08-4B3E-9F98-9E9E5C636EAE}" dt="2022-06-10T05:04:24.004" v="243"/>
+        <pc:sldMkLst>
+          <pc:docMk/>
+          <pc:sldMk cId="2677077442" sldId="319"/>
+        </pc:sldMkLst>
+      </pc:sldChg>
+      <pc:sldChg chg="add">
+        <pc:chgData name="Manish Sharma" userId="b799adb9ba789c8f" providerId="LiveId" clId="{D10C37F9-2D08-4B3E-9F98-9E9E5C636EAE}" dt="2022-06-10T07:14:45.471" v="247"/>
+        <pc:sldMkLst>
+          <pc:docMk/>
+          <pc:sldMk cId="976549785" sldId="320"/>
+        </pc:sldMkLst>
+      </pc:sldChg>
+      <pc:sldChg chg="add">
+        <pc:chgData name="Manish Sharma" userId="b799adb9ba789c8f" providerId="LiveId" clId="{D10C37F9-2D08-4B3E-9F98-9E9E5C636EAE}" dt="2022-06-10T07:14:45.471" v="247"/>
+        <pc:sldMkLst>
+          <pc:docMk/>
+          <pc:sldMk cId="1393763600" sldId="321"/>
+        </pc:sldMkLst>
+      </pc:sldChg>
+      <pc:sldChg chg="add">
+        <pc:chgData name="Manish Sharma" userId="b799adb9ba789c8f" providerId="LiveId" clId="{D10C37F9-2D08-4B3E-9F98-9E9E5C636EAE}" dt="2022-06-10T09:16:08.716" v="250"/>
+        <pc:sldMkLst>
+          <pc:docMk/>
+          <pc:sldMk cId="2086204329" sldId="322"/>
+        </pc:sldMkLst>
+      </pc:sldChg>
+      <pc:sldChg chg="add">
+        <pc:chgData name="Manish Sharma" userId="b799adb9ba789c8f" providerId="LiveId" clId="{D10C37F9-2D08-4B3E-9F98-9E9E5C636EAE}" dt="2022-06-10T10:00:53.516" v="252"/>
+        <pc:sldMkLst>
+          <pc:docMk/>
+          <pc:sldMk cId="4024640257" sldId="323"/>
+        </pc:sldMkLst>
+      </pc:sldChg>
+      <pc:sldChg chg="add">
+        <pc:chgData name="Manish Sharma" userId="b799adb9ba789c8f" providerId="LiveId" clId="{D10C37F9-2D08-4B3E-9F98-9E9E5C636EAE}" dt="2022-06-10T07:46:17.869" v="249"/>
+        <pc:sldMkLst>
+          <pc:docMk/>
+          <pc:sldMk cId="869922491" sldId="324"/>
+        </pc:sldMkLst>
+      </pc:sldChg>
+      <pc:sldChg chg="add">
+        <pc:chgData name="Manish Sharma" userId="b799adb9ba789c8f" providerId="LiveId" clId="{D10C37F9-2D08-4B3E-9F98-9E9E5C636EAE}" dt="2022-06-10T07:46:17.869" v="249"/>
+        <pc:sldMkLst>
+          <pc:docMk/>
+          <pc:sldMk cId="743372294" sldId="326"/>
+        </pc:sldMkLst>
+      </pc:sldChg>
+      <pc:sldChg chg="add">
+        <pc:chgData name="Manish Sharma" userId="b799adb9ba789c8f" providerId="LiveId" clId="{D10C37F9-2D08-4B3E-9F98-9E9E5C636EAE}" dt="2022-06-10T07:33:30.365" v="248"/>
+        <pc:sldMkLst>
+          <pc:docMk/>
+          <pc:sldMk cId="1562318406" sldId="327"/>
+        </pc:sldMkLst>
+      </pc:sldChg>
+      <pc:sldChg chg="addSp delSp modSp new mod">
+        <pc:chgData name="Manish Sharma" userId="b799adb9ba789c8f" providerId="LiveId" clId="{D10C37F9-2D08-4B3E-9F98-9E9E5C636EAE}" dt="2022-06-09T04:19:10.209" v="16" actId="20577"/>
+        <pc:sldMkLst>
+          <pc:docMk/>
+          <pc:sldMk cId="2542386510" sldId="340"/>
+        </pc:sldMkLst>
+        <pc:spChg chg="del">
+          <ac:chgData name="Manish Sharma" userId="b799adb9ba789c8f" providerId="LiveId" clId="{D10C37F9-2D08-4B3E-9F98-9E9E5C636EAE}" dt="2022-06-09T04:14:12.737" v="1" actId="478"/>
+          <ac:spMkLst>
+            <pc:docMk/>
+            <pc:sldMk cId="2542386510" sldId="340"/>
+            <ac:spMk id="2" creationId="{A7638B50-66F5-8AEB-A898-44AAA0050198}"/>
+          </ac:spMkLst>
+        </pc:spChg>
+        <pc:spChg chg="del">
+          <ac:chgData name="Manish Sharma" userId="b799adb9ba789c8f" providerId="LiveId" clId="{D10C37F9-2D08-4B3E-9F98-9E9E5C636EAE}" dt="2022-06-09T04:14:12.737" v="1" actId="478"/>
+          <ac:spMkLst>
+            <pc:docMk/>
+            <pc:sldMk cId="2542386510" sldId="340"/>
+            <ac:spMk id="3" creationId="{212C062D-D251-3387-A757-1FFEF5A3A085}"/>
+          </ac:spMkLst>
+        </pc:spChg>
+        <pc:spChg chg="add mod">
+          <ac:chgData name="Manish Sharma" userId="b799adb9ba789c8f" providerId="LiveId" clId="{D10C37F9-2D08-4B3E-9F98-9E9E5C636EAE}" dt="2022-06-09T04:14:29.593" v="2"/>
+          <ac:spMkLst>
+            <pc:docMk/>
+            <pc:sldMk cId="2542386510" sldId="340"/>
+            <ac:spMk id="4" creationId="{65D8CE02-C335-A048-1917-8DF37455E64D}"/>
+          </ac:spMkLst>
+        </pc:spChg>
+        <pc:spChg chg="add mod">
+          <ac:chgData name="Manish Sharma" userId="b799adb9ba789c8f" providerId="LiveId" clId="{D10C37F9-2D08-4B3E-9F98-9E9E5C636EAE}" dt="2022-06-09T04:14:29.593" v="2"/>
+          <ac:spMkLst>
+            <pc:docMk/>
+            <pc:sldMk cId="2542386510" sldId="340"/>
+            <ac:spMk id="5" creationId="{0B8D099C-486C-9AD1-751C-65E626F3411C}"/>
+          </ac:spMkLst>
+        </pc:spChg>
+        <pc:spChg chg="add mod">
+          <ac:chgData name="Manish Sharma" userId="b799adb9ba789c8f" providerId="LiveId" clId="{D10C37F9-2D08-4B3E-9F98-9E9E5C636EAE}" dt="2022-06-09T04:14:45.985" v="3"/>
+          <ac:spMkLst>
+            <pc:docMk/>
+            <pc:sldMk cId="2542386510" sldId="340"/>
+            <ac:spMk id="6" creationId="{7B64340C-3E91-8BD7-1A13-025C6370C94F}"/>
+          </ac:spMkLst>
+        </pc:spChg>
+        <pc:spChg chg="add mod">
+          <ac:chgData name="Manish Sharma" userId="b799adb9ba789c8f" providerId="LiveId" clId="{D10C37F9-2D08-4B3E-9F98-9E9E5C636EAE}" dt="2022-06-09T04:15:07.370" v="4"/>
+          <ac:spMkLst>
+            <pc:docMk/>
+            <pc:sldMk cId="2542386510" sldId="340"/>
+            <ac:spMk id="7" creationId="{15BC1A1C-A8AC-D910-981B-4E083AC97677}"/>
+          </ac:spMkLst>
+        </pc:spChg>
+        <pc:spChg chg="add mod">
+          <ac:chgData name="Manish Sharma" userId="b799adb9ba789c8f" providerId="LiveId" clId="{D10C37F9-2D08-4B3E-9F98-9E9E5C636EAE}" dt="2022-06-09T04:15:07.370" v="4"/>
+          <ac:spMkLst>
+            <pc:docMk/>
+            <pc:sldMk cId="2542386510" sldId="340"/>
+            <ac:spMk id="8" creationId="{08F485ED-7E6F-CBE5-74C8-F7022DB40492}"/>
+          </ac:spMkLst>
+        </pc:spChg>
+        <pc:spChg chg="add mod">
+          <ac:chgData name="Manish Sharma" userId="b799adb9ba789c8f" providerId="LiveId" clId="{D10C37F9-2D08-4B3E-9F98-9E9E5C636EAE}" dt="2022-06-09T04:15:07.370" v="4"/>
+          <ac:spMkLst>
+            <pc:docMk/>
+            <pc:sldMk cId="2542386510" sldId="340"/>
+            <ac:spMk id="9" creationId="{D6A390ED-EB6F-9284-5CA8-1C16E3A6FFC2}"/>
+          </ac:spMkLst>
+        </pc:spChg>
+        <pc:spChg chg="add mod">
+          <ac:chgData name="Manish Sharma" userId="b799adb9ba789c8f" providerId="LiveId" clId="{D10C37F9-2D08-4B3E-9F98-9E9E5C636EAE}" dt="2022-06-09T04:18:08.086" v="9" actId="1076"/>
+          <ac:spMkLst>
+            <pc:docMk/>
+            <pc:sldMk cId="2542386510" sldId="340"/>
+            <ac:spMk id="10" creationId="{23141CFE-355F-7F7F-BA27-257DEA5ED009}"/>
+          </ac:spMkLst>
+        </pc:spChg>
+        <pc:spChg chg="add mod">
+          <ac:chgData name="Manish Sharma" userId="b799adb9ba789c8f" providerId="LiveId" clId="{D10C37F9-2D08-4B3E-9F98-9E9E5C636EAE}" dt="2022-06-09T04:18:08.086" v="9" actId="1076"/>
+          <ac:spMkLst>
+            <pc:docMk/>
+            <pc:sldMk cId="2542386510" sldId="340"/>
+            <ac:spMk id="11" creationId="{54B4A7F8-4D16-9FEA-D593-1DDC978A475B}"/>
+          </ac:spMkLst>
+        </pc:spChg>
+        <pc:spChg chg="add mod">
+          <ac:chgData name="Manish Sharma" userId="b799adb9ba789c8f" providerId="LiveId" clId="{D10C37F9-2D08-4B3E-9F98-9E9E5C636EAE}" dt="2022-06-09T04:18:08.086" v="9" actId="1076"/>
+          <ac:spMkLst>
+            <pc:docMk/>
+            <pc:sldMk cId="2542386510" sldId="340"/>
+            <ac:spMk id="12" creationId="{5E1A6188-E919-15CE-5159-A363635BD440}"/>
+          </ac:spMkLst>
+        </pc:spChg>
+        <pc:spChg chg="add mod">
+          <ac:chgData name="Manish Sharma" userId="b799adb9ba789c8f" providerId="LiveId" clId="{D10C37F9-2D08-4B3E-9F98-9E9E5C636EAE}" dt="2022-06-09T04:18:08.086" v="9" actId="1076"/>
+          <ac:spMkLst>
+            <pc:docMk/>
+            <pc:sldMk cId="2542386510" sldId="340"/>
+            <ac:spMk id="13" creationId="{3ABA86A9-90B5-59C3-0EEB-F1FAC3B8223C}"/>
+          </ac:spMkLst>
+        </pc:spChg>
+        <pc:spChg chg="add mod">
+          <ac:chgData name="Manish Sharma" userId="b799adb9ba789c8f" providerId="LiveId" clId="{D10C37F9-2D08-4B3E-9F98-9E9E5C636EAE}" dt="2022-06-09T04:18:02.467" v="8" actId="1076"/>
+          <ac:spMkLst>
+            <pc:docMk/>
+            <pc:sldMk cId="2542386510" sldId="340"/>
+            <ac:spMk id="14" creationId="{3DD25454-63C6-2300-8ABC-CADA468F2561}"/>
+          </ac:spMkLst>
+        </pc:spChg>
+        <pc:spChg chg="add mod">
+          <ac:chgData name="Manish Sharma" userId="b799adb9ba789c8f" providerId="LiveId" clId="{D10C37F9-2D08-4B3E-9F98-9E9E5C636EAE}" dt="2022-06-09T04:18:02.467" v="8" actId="1076"/>
+          <ac:spMkLst>
+            <pc:docMk/>
+            <pc:sldMk cId="2542386510" sldId="340"/>
+            <ac:spMk id="15" creationId="{D70E1BAD-21D6-E76C-18A0-BCC20C11956E}"/>
+          </ac:spMkLst>
+        </pc:spChg>
+        <pc:spChg chg="add mod">
+          <ac:chgData name="Manish Sharma" userId="b799adb9ba789c8f" providerId="LiveId" clId="{D10C37F9-2D08-4B3E-9F98-9E9E5C636EAE}" dt="2022-06-09T04:18:02.467" v="8" actId="1076"/>
+          <ac:spMkLst>
+            <pc:docMk/>
+            <pc:sldMk cId="2542386510" sldId="340"/>
+            <ac:spMk id="16" creationId="{71832FED-AA4D-54AF-ACC7-42BAD0453546}"/>
+          </ac:spMkLst>
+        </pc:spChg>
+        <pc:spChg chg="add mod">
+          <ac:chgData name="Manish Sharma" userId="b799adb9ba789c8f" providerId="LiveId" clId="{D10C37F9-2D08-4B3E-9F98-9E9E5C636EAE}" dt="2022-06-09T04:18:02.467" v="8" actId="1076"/>
+          <ac:spMkLst>
+            <pc:docMk/>
+            <pc:sldMk cId="2542386510" sldId="340"/>
+            <ac:spMk id="17" creationId="{72461230-E7FB-1DBF-F9AA-D1999E5D7B48}"/>
+          </ac:spMkLst>
+        </pc:spChg>
+        <pc:spChg chg="add mod">
+          <ac:chgData name="Manish Sharma" userId="b799adb9ba789c8f" providerId="LiveId" clId="{D10C37F9-2D08-4B3E-9F98-9E9E5C636EAE}" dt="2022-06-09T04:19:10.209" v="16" actId="20577"/>
+          <ac:spMkLst>
+            <pc:docMk/>
+            <pc:sldMk cId="2542386510" sldId="340"/>
+            <ac:spMk id="18" creationId="{33987765-33C8-84D5-8FC6-448D0033E546}"/>
+          </ac:spMkLst>
+        </pc:spChg>
+        <pc:spChg chg="add mod">
+          <ac:chgData name="Manish Sharma" userId="b799adb9ba789c8f" providerId="LiveId" clId="{D10C37F9-2D08-4B3E-9F98-9E9E5C636EAE}" dt="2022-06-09T04:19:05.540" v="13" actId="20577"/>
+          <ac:spMkLst>
+            <pc:docMk/>
+            <pc:sldMk cId="2542386510" sldId="340"/>
+            <ac:spMk id="19" creationId="{CB04A768-4D4A-845C-2A5C-A16513A5DE82}"/>
+          </ac:spMkLst>
+        </pc:spChg>
+      </pc:sldChg>
+      <pc:sldChg chg="addSp delSp modSp new mod">
+        <pc:chgData name="Manish Sharma" userId="b799adb9ba789c8f" providerId="LiveId" clId="{D10C37F9-2D08-4B3E-9F98-9E9E5C636EAE}" dt="2022-06-09T05:33:16.229" v="34" actId="1076"/>
+        <pc:sldMkLst>
+          <pc:docMk/>
+          <pc:sldMk cId="2561073876" sldId="341"/>
+        </pc:sldMkLst>
+        <pc:spChg chg="del">
+          <ac:chgData name="Manish Sharma" userId="b799adb9ba789c8f" providerId="LiveId" clId="{D10C37F9-2D08-4B3E-9F98-9E9E5C636EAE}" dt="2022-06-09T04:19:43.757" v="18" actId="478"/>
+          <ac:spMkLst>
+            <pc:docMk/>
+            <pc:sldMk cId="2561073876" sldId="341"/>
+            <ac:spMk id="2" creationId="{3E188D09-D595-3D78-79F3-4D0C41B47D77}"/>
+          </ac:spMkLst>
+        </pc:spChg>
+        <pc:spChg chg="del">
+          <ac:chgData name="Manish Sharma" userId="b799adb9ba789c8f" providerId="LiveId" clId="{D10C37F9-2D08-4B3E-9F98-9E9E5C636EAE}" dt="2022-06-09T04:19:43.757" v="18" actId="478"/>
+          <ac:spMkLst>
+            <pc:docMk/>
+            <pc:sldMk cId="2561073876" sldId="341"/>
+            <ac:spMk id="3" creationId="{1070B6F0-849E-8DFD-B651-7525AE889243}"/>
+          </ac:spMkLst>
+        </pc:spChg>
+        <pc:spChg chg="add mod">
+          <ac:chgData name="Manish Sharma" userId="b799adb9ba789c8f" providerId="LiveId" clId="{D10C37F9-2D08-4B3E-9F98-9E9E5C636EAE}" dt="2022-06-09T04:19:51.360" v="19"/>
+          <ac:spMkLst>
+            <pc:docMk/>
+            <pc:sldMk cId="2561073876" sldId="341"/>
+            <ac:spMk id="4" creationId="{1A8A9570-651B-51A9-2572-4DEE7338C84E}"/>
+          </ac:spMkLst>
+        </pc:spChg>
+        <pc:spChg chg="add mod">
+          <ac:chgData name="Manish Sharma" userId="b799adb9ba789c8f" providerId="LiveId" clId="{D10C37F9-2D08-4B3E-9F98-9E9E5C636EAE}" dt="2022-06-09T04:19:51.360" v="19"/>
+          <ac:spMkLst>
+            <pc:docMk/>
+            <pc:sldMk cId="2561073876" sldId="341"/>
+            <ac:spMk id="5" creationId="{69B3AB90-3C66-5020-7919-1A163EE66A49}"/>
+          </ac:spMkLst>
+        </pc:spChg>
+        <pc:spChg chg="add mod">
+          <ac:chgData name="Manish Sharma" userId="b799adb9ba789c8f" providerId="LiveId" clId="{D10C37F9-2D08-4B3E-9F98-9E9E5C636EAE}" dt="2022-06-09T04:19:51.360" v="19"/>
+          <ac:spMkLst>
+            <pc:docMk/>
+            <pc:sldMk cId="2561073876" sldId="341"/>
+            <ac:spMk id="6" creationId="{C20AEC92-9DC7-6DA8-6A3C-6F1A01C4C11A}"/>
+          </ac:spMkLst>
+        </pc:spChg>
+        <pc:spChg chg="add mod">
+          <ac:chgData name="Manish Sharma" userId="b799adb9ba789c8f" providerId="LiveId" clId="{D10C37F9-2D08-4B3E-9F98-9E9E5C636EAE}" dt="2022-06-09T04:19:51.360" v="19"/>
+          <ac:spMkLst>
+            <pc:docMk/>
+            <pc:sldMk cId="2561073876" sldId="341"/>
+            <ac:spMk id="7" creationId="{8DC1056F-ECCA-C864-830F-FA10804BB085}"/>
+          </ac:spMkLst>
+        </pc:spChg>
+        <pc:spChg chg="add mod">
+          <ac:chgData name="Manish Sharma" userId="b799adb9ba789c8f" providerId="LiveId" clId="{D10C37F9-2D08-4B3E-9F98-9E9E5C636EAE}" dt="2022-06-09T04:19:51.360" v="19"/>
+          <ac:spMkLst>
+            <pc:docMk/>
+            <pc:sldMk cId="2561073876" sldId="341"/>
+            <ac:spMk id="9" creationId="{EA00F428-2955-212B-2421-3FE7559E53CD}"/>
+          </ac:spMkLst>
+        </pc:spChg>
+        <pc:spChg chg="add mod">
+          <ac:chgData name="Manish Sharma" userId="b799adb9ba789c8f" providerId="LiveId" clId="{D10C37F9-2D08-4B3E-9F98-9E9E5C636EAE}" dt="2022-06-09T04:19:51.360" v="19"/>
+          <ac:spMkLst>
+            <pc:docMk/>
+            <pc:sldMk cId="2561073876" sldId="341"/>
+            <ac:spMk id="11" creationId="{DBDD2ACA-2415-FFC1-B43E-E5FE1EF79747}"/>
+          </ac:spMkLst>
+        </pc:spChg>
+        <pc:spChg chg="add mod">
+          <ac:chgData name="Manish Sharma" userId="b799adb9ba789c8f" providerId="LiveId" clId="{D10C37F9-2D08-4B3E-9F98-9E9E5C636EAE}" dt="2022-06-09T04:19:51.360" v="19"/>
+          <ac:spMkLst>
+            <pc:docMk/>
+            <pc:sldMk cId="2561073876" sldId="341"/>
+            <ac:spMk id="13" creationId="{B8DCBF08-9AC9-20AE-7EFF-47B61B3C3E25}"/>
+          </ac:spMkLst>
+        </pc:spChg>
+        <pc:spChg chg="add mod">
+          <ac:chgData name="Manish Sharma" userId="b799adb9ba789c8f" providerId="LiveId" clId="{D10C37F9-2D08-4B3E-9F98-9E9E5C636EAE}" dt="2022-06-09T04:19:51.360" v="19"/>
+          <ac:spMkLst>
+            <pc:docMk/>
+            <pc:sldMk cId="2561073876" sldId="341"/>
+            <ac:spMk id="14" creationId="{5FEAA005-7A4F-5843-8FE4-4702E641CCE5}"/>
+          </ac:spMkLst>
+        </pc:spChg>
+        <pc:spChg chg="add mod">
+          <ac:chgData name="Manish Sharma" userId="b799adb9ba789c8f" providerId="LiveId" clId="{D10C37F9-2D08-4B3E-9F98-9E9E5C636EAE}" dt="2022-06-09T04:19:51.360" v="19"/>
+          <ac:spMkLst>
+            <pc:docMk/>
+            <pc:sldMk cId="2561073876" sldId="341"/>
+            <ac:spMk id="16" creationId="{0B9B6ABE-46E0-CF32-A7D6-2020A3806BB9}"/>
+          </ac:spMkLst>
+        </pc:spChg>
+        <pc:spChg chg="add mod">
+          <ac:chgData name="Manish Sharma" userId="b799adb9ba789c8f" providerId="LiveId" clId="{D10C37F9-2D08-4B3E-9F98-9E9E5C636EAE}" dt="2022-06-09T05:33:16.229" v="34" actId="1076"/>
+          <ac:spMkLst>
+            <pc:docMk/>
+            <pc:sldMk cId="2561073876" sldId="341"/>
+            <ac:spMk id="17" creationId="{68903E04-6BA9-7414-486B-A54B8EB3345E}"/>
+          </ac:spMkLst>
+        </pc:spChg>
+        <pc:spChg chg="add mod">
+          <ac:chgData name="Manish Sharma" userId="b799adb9ba789c8f" providerId="LiveId" clId="{D10C37F9-2D08-4B3E-9F98-9E9E5C636EAE}" dt="2022-06-09T05:33:16.229" v="34" actId="1076"/>
+          <ac:spMkLst>
+            <pc:docMk/>
+            <pc:sldMk cId="2561073876" sldId="341"/>
+            <ac:spMk id="18" creationId="{16338F6C-8633-F0DB-8297-223CC84E74BE}"/>
+          </ac:spMkLst>
+        </pc:spChg>
+        <pc:spChg chg="add mod">
+          <ac:chgData name="Manish Sharma" userId="b799adb9ba789c8f" providerId="LiveId" clId="{D10C37F9-2D08-4B3E-9F98-9E9E5C636EAE}" dt="2022-06-09T05:33:16.229" v="34" actId="1076"/>
+          <ac:spMkLst>
+            <pc:docMk/>
+            <pc:sldMk cId="2561073876" sldId="341"/>
+            <ac:spMk id="19" creationId="{F5944A70-AFBE-9F5B-D2ED-BF8FC0296251}"/>
+          </ac:spMkLst>
+        </pc:spChg>
+        <pc:spChg chg="add mod">
+          <ac:chgData name="Manish Sharma" userId="b799adb9ba789c8f" providerId="LiveId" clId="{D10C37F9-2D08-4B3E-9F98-9E9E5C636EAE}" dt="2022-06-09T05:33:16.229" v="34" actId="1076"/>
+          <ac:spMkLst>
+            <pc:docMk/>
+            <pc:sldMk cId="2561073876" sldId="341"/>
+            <ac:spMk id="20" creationId="{CA85AD28-10A5-25FF-F21E-95A4665AC8AD}"/>
+          </ac:spMkLst>
+        </pc:spChg>
+        <pc:spChg chg="add mod">
+          <ac:chgData name="Manish Sharma" userId="b799adb9ba789c8f" providerId="LiveId" clId="{D10C37F9-2D08-4B3E-9F98-9E9E5C636EAE}" dt="2022-06-09T05:33:16.229" v="34" actId="1076"/>
+          <ac:spMkLst>
+            <pc:docMk/>
+            <pc:sldMk cId="2561073876" sldId="341"/>
+            <ac:spMk id="22" creationId="{904DE00A-6BE0-4ADD-598E-DAC8F2341621}"/>
+          </ac:spMkLst>
+        </pc:spChg>
+        <pc:spChg chg="add mod">
+          <ac:chgData name="Manish Sharma" userId="b799adb9ba789c8f" providerId="LiveId" clId="{D10C37F9-2D08-4B3E-9F98-9E9E5C636EAE}" dt="2022-06-09T05:33:16.229" v="34" actId="1076"/>
+          <ac:spMkLst>
+            <pc:docMk/>
+            <pc:sldMk cId="2561073876" sldId="341"/>
+            <ac:spMk id="24" creationId="{468593D2-5E22-D2AB-54FE-3A103A0D4C51}"/>
+          </ac:spMkLst>
+        </pc:spChg>
+        <pc:spChg chg="add mod">
+          <ac:chgData name="Manish Sharma" userId="b799adb9ba789c8f" providerId="LiveId" clId="{D10C37F9-2D08-4B3E-9F98-9E9E5C636EAE}" dt="2022-06-09T05:33:16.229" v="34" actId="1076"/>
+          <ac:spMkLst>
+            <pc:docMk/>
+            <pc:sldMk cId="2561073876" sldId="341"/>
+            <ac:spMk id="26" creationId="{4614B5DC-C52F-3BE2-250B-DF48CA27B758}"/>
+          </ac:spMkLst>
+        </pc:spChg>
+        <pc:spChg chg="add mod">
+          <ac:chgData name="Manish Sharma" userId="b799adb9ba789c8f" providerId="LiveId" clId="{D10C37F9-2D08-4B3E-9F98-9E9E5C636EAE}" dt="2022-06-09T05:33:16.229" v="34" actId="1076"/>
+          <ac:spMkLst>
+            <pc:docMk/>
+            <pc:sldMk cId="2561073876" sldId="341"/>
+            <ac:spMk id="27" creationId="{35A3A814-84EA-4531-3199-BC00E099685D}"/>
+          </ac:spMkLst>
+        </pc:spChg>
+        <pc:spChg chg="add mod">
+          <ac:chgData name="Manish Sharma" userId="b799adb9ba789c8f" providerId="LiveId" clId="{D10C37F9-2D08-4B3E-9F98-9E9E5C636EAE}" dt="2022-06-09T05:33:16.229" v="34" actId="1076"/>
+          <ac:spMkLst>
+            <pc:docMk/>
+            <pc:sldMk cId="2561073876" sldId="341"/>
+            <ac:spMk id="29" creationId="{0BBBD26F-C4FC-AF86-FDF9-834DE29EFD7D}"/>
+          </ac:spMkLst>
+        </pc:spChg>
+        <pc:spChg chg="add mod">
+          <ac:chgData name="Manish Sharma" userId="b799adb9ba789c8f" providerId="LiveId" clId="{D10C37F9-2D08-4B3E-9F98-9E9E5C636EAE}" dt="2022-06-09T05:33:16.229" v="34" actId="1076"/>
+          <ac:spMkLst>
+            <pc:docMk/>
+            <pc:sldMk cId="2561073876" sldId="341"/>
+            <ac:spMk id="30" creationId="{224993EB-F85F-B568-3750-8F1DC8228F01}"/>
+          </ac:spMkLst>
+        </pc:spChg>
+        <pc:spChg chg="add mod">
+          <ac:chgData name="Manish Sharma" userId="b799adb9ba789c8f" providerId="LiveId" clId="{D10C37F9-2D08-4B3E-9F98-9E9E5C636EAE}" dt="2022-06-09T05:33:00.363" v="33"/>
+          <ac:spMkLst>
+            <pc:docMk/>
+            <pc:sldMk cId="2561073876" sldId="341"/>
+            <ac:spMk id="31" creationId="{22075DC4-F2CD-500C-7E71-6174B64A5203}"/>
+          </ac:spMkLst>
+        </pc:spChg>
+        <pc:cxnChg chg="add mod">
+          <ac:chgData name="Manish Sharma" userId="b799adb9ba789c8f" providerId="LiveId" clId="{D10C37F9-2D08-4B3E-9F98-9E9E5C636EAE}" dt="2022-06-09T04:19:51.360" v="19"/>
+          <ac:cxnSpMkLst>
+            <pc:docMk/>
+            <pc:sldMk cId="2561073876" sldId="341"/>
+            <ac:cxnSpMk id="8" creationId="{AF0D2276-5F1E-2918-0C9F-3FB6ECA7EAC4}"/>
+          </ac:cxnSpMkLst>
+        </pc:cxnChg>
+        <pc:cxnChg chg="add mod">
+          <ac:chgData name="Manish Sharma" userId="b799adb9ba789c8f" providerId="LiveId" clId="{D10C37F9-2D08-4B3E-9F98-9E9E5C636EAE}" dt="2022-06-09T04:19:51.360" v="19"/>
+          <ac:cxnSpMkLst>
+            <pc:docMk/>
+            <pc:sldMk cId="2561073876" sldId="341"/>
+            <ac:cxnSpMk id="10" creationId="{7D2D035D-4D05-A8A6-9625-2355BE7B93EE}"/>
+          </ac:cxnSpMkLst>
+        </pc:cxnChg>
+        <pc:cxnChg chg="add mod">
+          <ac:chgData name="Manish Sharma" userId="b799adb9ba789c8f" providerId="LiveId" clId="{D10C37F9-2D08-4B3E-9F98-9E9E5C636EAE}" dt="2022-06-09T04:19:51.360" v="19"/>
+          <ac:cxnSpMkLst>
+            <pc:docMk/>
+            <pc:sldMk cId="2561073876" sldId="341"/>
+            <ac:cxnSpMk id="12" creationId="{98BAFE4B-321D-6491-E5B5-F6C6444BFA5E}"/>
+          </ac:cxnSpMkLst>
+        </pc:cxnChg>
+        <pc:cxnChg chg="add mod">
+          <ac:chgData name="Manish Sharma" userId="b799adb9ba789c8f" providerId="LiveId" clId="{D10C37F9-2D08-4B3E-9F98-9E9E5C636EAE}" dt="2022-06-09T04:19:51.360" v="19"/>
+          <ac:cxnSpMkLst>
+            <pc:docMk/>
+            <pc:sldMk cId="2561073876" sldId="341"/>
+            <ac:cxnSpMk id="15" creationId="{48EF03A6-FCA4-0F6A-5714-C117B114442F}"/>
+          </ac:cxnSpMkLst>
+        </pc:cxnChg>
+        <pc:cxnChg chg="add mod">
+          <ac:chgData name="Manish Sharma" userId="b799adb9ba789c8f" providerId="LiveId" clId="{D10C37F9-2D08-4B3E-9F98-9E9E5C636EAE}" dt="2022-06-09T05:33:16.229" v="34" actId="1076"/>
+          <ac:cxnSpMkLst>
+            <pc:docMk/>
+            <pc:sldMk cId="2561073876" sldId="341"/>
+            <ac:cxnSpMk id="21" creationId="{D6D44A9F-EAD4-EE1C-9AF7-440DE3BF63B9}"/>
+          </ac:cxnSpMkLst>
+        </pc:cxnChg>
+        <pc:cxnChg chg="add mod">
+          <ac:chgData name="Manish Sharma" userId="b799adb9ba789c8f" providerId="LiveId" clId="{D10C37F9-2D08-4B3E-9F98-9E9E5C636EAE}" dt="2022-06-09T05:33:16.229" v="34" actId="1076"/>
+          <ac:cxnSpMkLst>
+            <pc:docMk/>
+            <pc:sldMk cId="2561073876" sldId="341"/>
+            <ac:cxnSpMk id="23" creationId="{0D06FF48-5E8B-B598-6F8D-0D9E2E6DD724}"/>
+          </ac:cxnSpMkLst>
+        </pc:cxnChg>
+        <pc:cxnChg chg="add mod">
+          <ac:chgData name="Manish Sharma" userId="b799adb9ba789c8f" providerId="LiveId" clId="{D10C37F9-2D08-4B3E-9F98-9E9E5C636EAE}" dt="2022-06-09T05:33:16.229" v="34" actId="1076"/>
+          <ac:cxnSpMkLst>
+            <pc:docMk/>
+            <pc:sldMk cId="2561073876" sldId="341"/>
+            <ac:cxnSpMk id="25" creationId="{E750D84E-1ECB-27AF-4959-3DF56F5DE20D}"/>
+          </ac:cxnSpMkLst>
+        </pc:cxnChg>
+        <pc:cxnChg chg="add mod">
+          <ac:chgData name="Manish Sharma" userId="b799adb9ba789c8f" providerId="LiveId" clId="{D10C37F9-2D08-4B3E-9F98-9E9E5C636EAE}" dt="2022-06-09T05:33:16.229" v="34" actId="1076"/>
+          <ac:cxnSpMkLst>
+            <pc:docMk/>
+            <pc:sldMk cId="2561073876" sldId="341"/>
+            <ac:cxnSpMk id="28" creationId="{77C32497-9746-6758-D095-4B61181D89CB}"/>
+          </ac:cxnSpMkLst>
+        </pc:cxnChg>
+      </pc:sldChg>
+      <pc:sldChg chg="modSp new mod">
+        <pc:chgData name="Manish Sharma" userId="b799adb9ba789c8f" providerId="LiveId" clId="{D10C37F9-2D08-4B3E-9F98-9E9E5C636EAE}" dt="2022-06-09T04:45:11.116" v="23"/>
+        <pc:sldMkLst>
+          <pc:docMk/>
+          <pc:sldMk cId="2776938112" sldId="342"/>
+        </pc:sldMkLst>
+        <pc:spChg chg="mod">
+          <ac:chgData name="Manish Sharma" userId="b799adb9ba789c8f" providerId="LiveId" clId="{D10C37F9-2D08-4B3E-9F98-9E9E5C636EAE}" dt="2022-06-09T04:29:35.577" v="21"/>
+          <ac:spMkLst>
+            <pc:docMk/>
+            <pc:sldMk cId="2776938112" sldId="342"/>
+            <ac:spMk id="2" creationId="{62FC18C4-3290-3D2C-C5CA-47CA5FE00614}"/>
+          </ac:spMkLst>
+        </pc:spChg>
+        <pc:spChg chg="mod">
+          <ac:chgData name="Manish Sharma" userId="b799adb9ba789c8f" providerId="LiveId" clId="{D10C37F9-2D08-4B3E-9F98-9E9E5C636EAE}" dt="2022-06-09T04:45:11.116" v="23"/>
+          <ac:spMkLst>
+            <pc:docMk/>
+            <pc:sldMk cId="2776938112" sldId="342"/>
+            <ac:spMk id="3" creationId="{202C4CA0-1793-4C22-9606-A23F8E597CE6}"/>
+          </ac:spMkLst>
+        </pc:spChg>
+      </pc:sldChg>
+      <pc:sldChg chg="add">
+        <pc:chgData name="Manish Sharma" userId="b799adb9ba789c8f" providerId="LiveId" clId="{D10C37F9-2D08-4B3E-9F98-9E9E5C636EAE}" dt="2022-06-09T05:07:46.631" v="24"/>
+        <pc:sldMkLst>
+          <pc:docMk/>
+          <pc:sldMk cId="3993440468" sldId="343"/>
+        </pc:sldMkLst>
+      </pc:sldChg>
+      <pc:sldChg chg="new del">
+        <pc:chgData name="Manish Sharma" userId="b799adb9ba789c8f" providerId="LiveId" clId="{D10C37F9-2D08-4B3E-9F98-9E9E5C636EAE}" dt="2022-06-09T05:09:27.624" v="27" actId="47"/>
+        <pc:sldMkLst>
+          <pc:docMk/>
+          <pc:sldMk cId="723900887" sldId="344"/>
+        </pc:sldMkLst>
+      </pc:sldChg>
+      <pc:sldChg chg="add">
+        <pc:chgData name="Manish Sharma" userId="b799adb9ba789c8f" providerId="LiveId" clId="{D10C37F9-2D08-4B3E-9F98-9E9E5C636EAE}" dt="2022-06-09T05:09:25.628" v="26"/>
+        <pc:sldMkLst>
+          <pc:docMk/>
+          <pc:sldMk cId="4180571744" sldId="345"/>
+        </pc:sldMkLst>
+      </pc:sldChg>
+      <pc:sldChg chg="add">
+        <pc:chgData name="Manish Sharma" userId="b799adb9ba789c8f" providerId="LiveId" clId="{D10C37F9-2D08-4B3E-9F98-9E9E5C636EAE}" dt="2022-06-09T10:12:54.778" v="38"/>
+        <pc:sldMkLst>
+          <pc:docMk/>
+          <pc:sldMk cId="995173291" sldId="346"/>
+        </pc:sldMkLst>
+      </pc:sldChg>
+      <pc:sldChg chg="add">
+        <pc:chgData name="Manish Sharma" userId="b799adb9ba789c8f" providerId="LiveId" clId="{D10C37F9-2D08-4B3E-9F98-9E9E5C636EAE}" dt="2022-06-09T10:12:54.778" v="38"/>
+        <pc:sldMkLst>
+          <pc:docMk/>
+          <pc:sldMk cId="2033417303" sldId="347"/>
+        </pc:sldMkLst>
+      </pc:sldChg>
+      <pc:sldChg chg="modSp new mod">
+        <pc:chgData name="Manish Sharma" userId="b799adb9ba789c8f" providerId="LiveId" clId="{D10C37F9-2D08-4B3E-9F98-9E9E5C636EAE}" dt="2022-06-09T11:05:18.403" v="240" actId="20577"/>
+        <pc:sldMkLst>
+          <pc:docMk/>
+          <pc:sldMk cId="3813401604" sldId="348"/>
+        </pc:sldMkLst>
+        <pc:spChg chg="mod">
+          <ac:chgData name="Manish Sharma" userId="b799adb9ba789c8f" providerId="LiveId" clId="{D10C37F9-2D08-4B3E-9F98-9E9E5C636EAE}" dt="2022-06-09T11:02:40.426" v="98" actId="20577"/>
+          <ac:spMkLst>
+            <pc:docMk/>
+            <pc:sldMk cId="3813401604" sldId="348"/>
+            <ac:spMk id="2" creationId="{66961DA8-83BA-A6B5-2C08-E6AFA0E71421}"/>
+          </ac:spMkLst>
+        </pc:spChg>
+        <pc:spChg chg="mod">
+          <ac:chgData name="Manish Sharma" userId="b799adb9ba789c8f" providerId="LiveId" clId="{D10C37F9-2D08-4B3E-9F98-9E9E5C636EAE}" dt="2022-06-09T11:05:18.403" v="240" actId="20577"/>
+          <ac:spMkLst>
+            <pc:docMk/>
+            <pc:sldMk cId="3813401604" sldId="348"/>
+            <ac:spMk id="3" creationId="{5D85F295-DC90-6AAF-F01D-5F34C3200302}"/>
+          </ac:spMkLst>
+        </pc:spChg>
+      </pc:sldChg>
+      <pc:sldChg chg="add">
+        <pc:chgData name="Manish Sharma" userId="b799adb9ba789c8f" providerId="LiveId" clId="{D10C37F9-2D08-4B3E-9F98-9E9E5C636EAE}" dt="2022-06-10T10:18:21.793" v="253"/>
+        <pc:sldMkLst>
+          <pc:docMk/>
+          <pc:sldMk cId="3787089593" sldId="358"/>
+        </pc:sldMkLst>
+      </pc:sldChg>
+      <pc:sldChg chg="add">
+        <pc:chgData name="Manish Sharma" userId="b799adb9ba789c8f" providerId="LiveId" clId="{D10C37F9-2D08-4B3E-9F98-9E9E5C636EAE}" dt="2022-06-10T10:18:21.793" v="253"/>
+        <pc:sldMkLst>
+          <pc:docMk/>
+          <pc:sldMk cId="945998607" sldId="359"/>
+        </pc:sldMkLst>
+      </pc:sldChg>
+      <pc:sldChg chg="modSp add mod">
+        <pc:chgData name="Manish Sharma" userId="b799adb9ba789c8f" providerId="LiveId" clId="{D10C37F9-2D08-4B3E-9F98-9E9E5C636EAE}" dt="2022-06-10T10:20:15.050" v="255" actId="113"/>
+        <pc:sldMkLst>
+          <pc:docMk/>
+          <pc:sldMk cId="972214110" sldId="360"/>
+        </pc:sldMkLst>
+        <pc:spChg chg="mod">
+          <ac:chgData name="Manish Sharma" userId="b799adb9ba789c8f" providerId="LiveId" clId="{D10C37F9-2D08-4B3E-9F98-9E9E5C636EAE}" dt="2022-06-10T10:20:15.050" v="255" actId="113"/>
+          <ac:spMkLst>
+            <pc:docMk/>
+            <pc:sldMk cId="972214110" sldId="360"/>
+            <ac:spMk id="3" creationId="{2041B854-E941-442F-BCFC-BDC1F7F4FC04}"/>
+          </ac:spMkLst>
+        </pc:spChg>
+      </pc:sldChg>
+      <pc:sldChg chg="add">
+        <pc:chgData name="Manish Sharma" userId="b799adb9ba789c8f" providerId="LiveId" clId="{D10C37F9-2D08-4B3E-9F98-9E9E5C636EAE}" dt="2022-06-10T10:42:01.397" v="256"/>
+        <pc:sldMkLst>
+          <pc:docMk/>
+          <pc:sldMk cId="3959681348" sldId="362"/>
+        </pc:sldMkLst>
+      </pc:sldChg>
+      <pc:sldChg chg="add">
+        <pc:chgData name="Manish Sharma" userId="b799adb9ba789c8f" providerId="LiveId" clId="{D10C37F9-2D08-4B3E-9F98-9E9E5C636EAE}" dt="2022-06-10T11:29:44.202" v="696"/>
+        <pc:sldMkLst>
+          <pc:docMk/>
+          <pc:sldMk cId="3963583470" sldId="363"/>
+        </pc:sldMkLst>
+      </pc:sldChg>
+      <pc:sldChg chg="add">
+        <pc:chgData name="Manish Sharma" userId="b799adb9ba789c8f" providerId="LiveId" clId="{D10C37F9-2D08-4B3E-9F98-9E9E5C636EAE}" dt="2022-06-10T10:00:30.594" v="251"/>
+        <pc:sldMkLst>
+          <pc:docMk/>
+          <pc:sldMk cId="3826694408" sldId="430"/>
+        </pc:sldMkLst>
+      </pc:sldChg>
+      <pc:sldChg chg="addSp delSp modSp new mod">
+        <pc:chgData name="Manish Sharma" userId="b799adb9ba789c8f" providerId="LiveId" clId="{D10C37F9-2D08-4B3E-9F98-9E9E5C636EAE}" dt="2022-06-10T10:46:46.169" v="305" actId="1076"/>
+        <pc:sldMkLst>
+          <pc:docMk/>
+          <pc:sldMk cId="1918785350" sldId="431"/>
+        </pc:sldMkLst>
+        <pc:spChg chg="del">
+          <ac:chgData name="Manish Sharma" userId="b799adb9ba789c8f" providerId="LiveId" clId="{D10C37F9-2D08-4B3E-9F98-9E9E5C636EAE}" dt="2022-06-10T10:42:51.386" v="258" actId="478"/>
+          <ac:spMkLst>
+            <pc:docMk/>
+            <pc:sldMk cId="1918785350" sldId="431"/>
+            <ac:spMk id="2" creationId="{E2500D22-BF1A-424A-B9EE-90375D326BEB}"/>
+          </ac:spMkLst>
+        </pc:spChg>
+        <pc:spChg chg="del">
+          <ac:chgData name="Manish Sharma" userId="b799adb9ba789c8f" providerId="LiveId" clId="{D10C37F9-2D08-4B3E-9F98-9E9E5C636EAE}" dt="2022-06-10T10:42:51.386" v="258" actId="478"/>
+          <ac:spMkLst>
+            <pc:docMk/>
+            <pc:sldMk cId="1918785350" sldId="431"/>
+            <ac:spMk id="3" creationId="{E35F8BCB-29B9-4455-46A2-53335082FC1A}"/>
+          </ac:spMkLst>
+        </pc:spChg>
+        <pc:spChg chg="add mod">
+          <ac:chgData name="Manish Sharma" userId="b799adb9ba789c8f" providerId="LiveId" clId="{D10C37F9-2D08-4B3E-9F98-9E9E5C636EAE}" dt="2022-06-10T10:43:01.819" v="259"/>
+          <ac:spMkLst>
+            <pc:docMk/>
+            <pc:sldMk cId="1918785350" sldId="431"/>
+            <ac:spMk id="4" creationId="{4FBEC540-ECDC-DB58-6BE9-0BA37EAFB19C}"/>
+          </ac:spMkLst>
+        </pc:spChg>
+        <pc:spChg chg="add mod">
+          <ac:chgData name="Manish Sharma" userId="b799adb9ba789c8f" providerId="LiveId" clId="{D10C37F9-2D08-4B3E-9F98-9E9E5C636EAE}" dt="2022-06-10T10:43:01.819" v="259"/>
+          <ac:spMkLst>
+            <pc:docMk/>
+            <pc:sldMk cId="1918785350" sldId="431"/>
+            <ac:spMk id="6" creationId="{2A250A11-8B3D-F95B-9ABB-98B8797B5B29}"/>
+          </ac:spMkLst>
+        </pc:spChg>
+        <pc:spChg chg="add mod">
+          <ac:chgData name="Manish Sharma" userId="b799adb9ba789c8f" providerId="LiveId" clId="{D10C37F9-2D08-4B3E-9F98-9E9E5C636EAE}" dt="2022-06-10T10:43:01.819" v="259"/>
+          <ac:spMkLst>
+            <pc:docMk/>
+            <pc:sldMk cId="1918785350" sldId="431"/>
+            <ac:spMk id="7" creationId="{6C04B194-D337-8C3C-6B45-3C1DA0244243}"/>
+          </ac:spMkLst>
+        </pc:spChg>
+        <pc:spChg chg="add mod">
+          <ac:chgData name="Manish Sharma" userId="b799adb9ba789c8f" providerId="LiveId" clId="{D10C37F9-2D08-4B3E-9F98-9E9E5C636EAE}" dt="2022-06-10T10:43:32.925" v="275" actId="1076"/>
+          <ac:spMkLst>
+            <pc:docMk/>
+            <pc:sldMk cId="1918785350" sldId="431"/>
+            <ac:spMk id="8" creationId="{A8448817-2EF7-DED5-C31D-F8AB70584B43}"/>
+          </ac:spMkLst>
+        </pc:spChg>
+        <pc:spChg chg="add mod">
+          <ac:chgData name="Manish Sharma" userId="b799adb9ba789c8f" providerId="LiveId" clId="{D10C37F9-2D08-4B3E-9F98-9E9E5C636EAE}" dt="2022-06-10T10:43:43.552" v="276"/>
+          <ac:spMkLst>
+            <pc:docMk/>
+            <pc:sldMk cId="1918785350" sldId="431"/>
+            <ac:spMk id="10" creationId="{61DD16CA-E6BB-F5B2-6F3D-EE96EF1B33A8}"/>
+          </ac:spMkLst>
+        </pc:spChg>
+        <pc:spChg chg="add mod">
+          <ac:chgData name="Manish Sharma" userId="b799adb9ba789c8f" providerId="LiveId" clId="{D10C37F9-2D08-4B3E-9F98-9E9E5C636EAE}" dt="2022-06-10T10:43:43.552" v="276"/>
+          <ac:spMkLst>
+            <pc:docMk/>
+            <pc:sldMk cId="1918785350" sldId="431"/>
+            <ac:spMk id="11" creationId="{A37DCC47-003D-60F6-1A9F-7FD373E79B4A}"/>
+          </ac:spMkLst>
+        </pc:spChg>
+        <pc:spChg chg="add mod">
+          <ac:chgData name="Manish Sharma" userId="b799adb9ba789c8f" providerId="LiveId" clId="{D10C37F9-2D08-4B3E-9F98-9E9E5C636EAE}" dt="2022-06-10T10:44:05.282" v="277"/>
+          <ac:spMkLst>
+            <pc:docMk/>
+            <pc:sldMk cId="1918785350" sldId="431"/>
+            <ac:spMk id="13" creationId="{51DEEF53-7F00-A82E-6175-0B62954FE448}"/>
+          </ac:spMkLst>
+        </pc:spChg>
+        <pc:spChg chg="add mod">
+          <ac:chgData name="Manish Sharma" userId="b799adb9ba789c8f" providerId="LiveId" clId="{D10C37F9-2D08-4B3E-9F98-9E9E5C636EAE}" dt="2022-06-10T10:44:05.282" v="277"/>
+          <ac:spMkLst>
+            <pc:docMk/>
+            <pc:sldMk cId="1918785350" sldId="431"/>
+            <ac:spMk id="14" creationId="{0FDF58FD-2BB0-7C1C-2247-F1CBE3EA98B0}"/>
+          </ac:spMkLst>
+        </pc:spChg>
+        <pc:spChg chg="add mod">
+          <ac:chgData name="Manish Sharma" userId="b799adb9ba789c8f" providerId="LiveId" clId="{D10C37F9-2D08-4B3E-9F98-9E9E5C636EAE}" dt="2022-06-10T10:44:16.592" v="278"/>
+          <ac:spMkLst>
+            <pc:docMk/>
+            <pc:sldMk cId="1918785350" sldId="431"/>
+            <ac:spMk id="15" creationId="{9DBF22B1-656D-8258-0252-BEB79F913831}"/>
+          </ac:spMkLst>
+        </pc:spChg>
+        <pc:spChg chg="add mod">
+          <ac:chgData name="Manish Sharma" userId="b799adb9ba789c8f" providerId="LiveId" clId="{D10C37F9-2D08-4B3E-9F98-9E9E5C636EAE}" dt="2022-06-10T10:44:29.521" v="279"/>
+          <ac:spMkLst>
+            <pc:docMk/>
+            <pc:sldMk cId="1918785350" sldId="431"/>
+            <ac:spMk id="17" creationId="{6C872A65-67A4-F8CC-60D6-645EEBD2F831}"/>
+          </ac:spMkLst>
+        </pc:spChg>
+        <pc:spChg chg="add mod">
+          <ac:chgData name="Manish Sharma" userId="b799adb9ba789c8f" providerId="LiveId" clId="{D10C37F9-2D08-4B3E-9F98-9E9E5C636EAE}" dt="2022-06-10T10:44:29.521" v="279"/>
+          <ac:spMkLst>
+            <pc:docMk/>
+            <pc:sldMk cId="1918785350" sldId="431"/>
+            <ac:spMk id="19" creationId="{D63D2DCE-89B6-CF9E-80F2-283B44B81D65}"/>
+          </ac:spMkLst>
+        </pc:spChg>
+        <pc:spChg chg="add mod">
+          <ac:chgData name="Manish Sharma" userId="b799adb9ba789c8f" providerId="LiveId" clId="{D10C37F9-2D08-4B3E-9F98-9E9E5C636EAE}" dt="2022-06-10T10:44:41.139" v="280"/>
+          <ac:spMkLst>
+            <pc:docMk/>
+            <pc:sldMk cId="1918785350" sldId="431"/>
+            <ac:spMk id="20" creationId="{DD807064-7A4D-8563-F87A-69DE44D16511}"/>
+          </ac:spMkLst>
+        </pc:spChg>
+        <pc:spChg chg="add mod">
+          <ac:chgData name="Manish Sharma" userId="b799adb9ba789c8f" providerId="LiveId" clId="{D10C37F9-2D08-4B3E-9F98-9E9E5C636EAE}" dt="2022-06-10T10:45:19.178" v="281"/>
+          <ac:spMkLst>
+            <pc:docMk/>
+            <pc:sldMk cId="1918785350" sldId="431"/>
+            <ac:spMk id="24" creationId="{A08B9B41-0D92-630C-7246-8868D2049291}"/>
+          </ac:spMkLst>
+        </pc:spChg>
+        <pc:spChg chg="add mod">
+          <ac:chgData name="Manish Sharma" userId="b799adb9ba789c8f" providerId="LiveId" clId="{D10C37F9-2D08-4B3E-9F98-9E9E5C636EAE}" dt="2022-06-10T10:45:24.856" v="282" actId="1076"/>
+          <ac:spMkLst>
+            <pc:docMk/>
+            <pc:sldMk cId="1918785350" sldId="431"/>
+            <ac:spMk id="25" creationId="{52E09495-81D5-0B31-3486-BA1DD5BE42D8}"/>
+          </ac:spMkLst>
+        </pc:spChg>
+        <pc:spChg chg="add mod">
+          <ac:chgData name="Manish Sharma" userId="b799adb9ba789c8f" providerId="LiveId" clId="{D10C37F9-2D08-4B3E-9F98-9E9E5C636EAE}" dt="2022-06-10T10:45:35.888" v="283"/>
+          <ac:spMkLst>
+            <pc:docMk/>
+            <pc:sldMk cId="1918785350" sldId="431"/>
+            <ac:spMk id="27" creationId="{472AC864-0712-F79B-4055-6F1713D5E698}"/>
+          </ac:spMkLst>
+        </pc:spChg>
+        <pc:spChg chg="add mod">
+          <ac:chgData name="Manish Sharma" userId="b799adb9ba789c8f" providerId="LiveId" clId="{D10C37F9-2D08-4B3E-9F98-9E9E5C636EAE}" dt="2022-06-10T10:45:35.888" v="283"/>
+          <ac:spMkLst>
+            <pc:docMk/>
+            <pc:sldMk cId="1918785350" sldId="431"/>
+            <ac:spMk id="28" creationId="{62BC6ECE-3C84-DCBA-E974-BF40C16CC7E4}"/>
+          </ac:spMkLst>
+        </pc:spChg>
+        <pc:spChg chg="add mod">
+          <ac:chgData name="Manish Sharma" userId="b799adb9ba789c8f" providerId="LiveId" clId="{D10C37F9-2D08-4B3E-9F98-9E9E5C636EAE}" dt="2022-06-10T10:45:51.300" v="284"/>
+          <ac:spMkLst>
+            <pc:docMk/>
+            <pc:sldMk cId="1918785350" sldId="431"/>
+            <ac:spMk id="29" creationId="{B5B300AB-C65E-0E83-A39D-9080DA0A42DE}"/>
+          </ac:spMkLst>
+        </pc:spChg>
+        <pc:spChg chg="add mod">
+          <ac:chgData name="Manish Sharma" userId="b799adb9ba789c8f" providerId="LiveId" clId="{D10C37F9-2D08-4B3E-9F98-9E9E5C636EAE}" dt="2022-06-10T10:46:09.121" v="286" actId="1076"/>
+          <ac:spMkLst>
+            <pc:docMk/>
+            <pc:sldMk cId="1918785350" sldId="431"/>
+            <ac:spMk id="30" creationId="{4D1F6E07-C942-F689-5392-BB33099AF484}"/>
+          </ac:spMkLst>
+        </pc:spChg>
+        <pc:spChg chg="add mod">
+          <ac:chgData name="Manish Sharma" userId="b799adb9ba789c8f" providerId="LiveId" clId="{D10C37F9-2D08-4B3E-9F98-9E9E5C636EAE}" dt="2022-06-10T10:46:46.169" v="305" actId="1076"/>
+          <ac:spMkLst>
+            <pc:docMk/>
+            <pc:sldMk cId="1918785350" sldId="431"/>
+            <ac:spMk id="31" creationId="{20539268-E880-CC77-2D08-237B16D16425}"/>
+          </ac:spMkLst>
+        </pc:spChg>
+        <pc:cxnChg chg="add mod">
+          <ac:chgData name="Manish Sharma" userId="b799adb9ba789c8f" providerId="LiveId" clId="{D10C37F9-2D08-4B3E-9F98-9E9E5C636EAE}" dt="2022-06-10T10:43:01.819" v="259"/>
+          <ac:cxnSpMkLst>
+            <pc:docMk/>
+            <pc:sldMk cId="1918785350" sldId="431"/>
+            <ac:cxnSpMk id="5" creationId="{714BEAEE-73DF-7E83-6939-EEEC823EBB5C}"/>
+          </ac:cxnSpMkLst>
+        </pc:cxnChg>
+        <pc:cxnChg chg="add mod">
+          <ac:chgData name="Manish Sharma" userId="b799adb9ba789c8f" providerId="LiveId" clId="{D10C37F9-2D08-4B3E-9F98-9E9E5C636EAE}" dt="2022-06-10T10:43:43.552" v="276"/>
+          <ac:cxnSpMkLst>
+            <pc:docMk/>
+            <pc:sldMk cId="1918785350" sldId="431"/>
+            <ac:cxnSpMk id="9" creationId="{EF601F36-5CD2-5F61-A4B8-7E71AA84500E}"/>
+          </ac:cxnSpMkLst>
+        </pc:cxnChg>
+        <pc:cxnChg chg="add mod">
+          <ac:chgData name="Manish Sharma" userId="b799adb9ba789c8f" providerId="LiveId" clId="{D10C37F9-2D08-4B3E-9F98-9E9E5C636EAE}" dt="2022-06-10T10:44:05.282" v="277"/>
+          <ac:cxnSpMkLst>
+            <pc:docMk/>
+            <pc:sldMk cId="1918785350" sldId="431"/>
+            <ac:cxnSpMk id="12" creationId="{CCEFC444-1519-03DC-D4D2-EAA866F438C3}"/>
+          </ac:cxnSpMkLst>
+        </pc:cxnChg>
+        <pc:cxnChg chg="add mod">
+          <ac:chgData name="Manish Sharma" userId="b799adb9ba789c8f" providerId="LiveId" clId="{D10C37F9-2D08-4B3E-9F98-9E9E5C636EAE}" dt="2022-06-10T10:44:16.592" v="278"/>
+          <ac:cxnSpMkLst>
+            <pc:docMk/>
+            <pc:sldMk cId="1918785350" sldId="431"/>
+            <ac:cxnSpMk id="16" creationId="{35419643-A5DD-6275-81A5-166698038CC2}"/>
+          </ac:cxnSpMkLst>
+        </pc:cxnChg>
+        <pc:cxnChg chg="add mod">
+          <ac:chgData name="Manish Sharma" userId="b799adb9ba789c8f" providerId="LiveId" clId="{D10C37F9-2D08-4B3E-9F98-9E9E5C636EAE}" dt="2022-06-10T10:44:29.521" v="279"/>
+          <ac:cxnSpMkLst>
+            <pc:docMk/>
+            <pc:sldMk cId="1918785350" sldId="431"/>
+            <ac:cxnSpMk id="18" creationId="{A6AD221F-131D-7836-1A86-0F5FB5FE51DE}"/>
+          </ac:cxnSpMkLst>
+        </pc:cxnChg>
+        <pc:cxnChg chg="add mod">
+          <ac:chgData name="Manish Sharma" userId="b799adb9ba789c8f" providerId="LiveId" clId="{D10C37F9-2D08-4B3E-9F98-9E9E5C636EAE}" dt="2022-06-10T10:44:41.139" v="280"/>
+          <ac:cxnSpMkLst>
+            <pc:docMk/>
+            <pc:sldMk cId="1918785350" sldId="431"/>
+            <ac:cxnSpMk id="21" creationId="{95AB0466-B755-6624-2379-D34651915E24}"/>
+          </ac:cxnSpMkLst>
+        </pc:cxnChg>
+        <pc:cxnChg chg="add mod">
+          <ac:chgData name="Manish Sharma" userId="b799adb9ba789c8f" providerId="LiveId" clId="{D10C37F9-2D08-4B3E-9F98-9E9E5C636EAE}" dt="2022-06-10T10:44:41.139" v="280"/>
+          <ac:cxnSpMkLst>
+            <pc:docMk/>
+            <pc:sldMk cId="1918785350" sldId="431"/>
+            <ac:cxnSpMk id="22" creationId="{B90BF20F-3B75-03D7-6B21-2A948A6054E0}"/>
+          </ac:cxnSpMkLst>
+        </pc:cxnChg>
+        <pc:cxnChg chg="add mod">
+          <ac:chgData name="Manish Sharma" userId="b799adb9ba789c8f" providerId="LiveId" clId="{D10C37F9-2D08-4B3E-9F98-9E9E5C636EAE}" dt="2022-06-10T10:44:41.139" v="280"/>
+          <ac:cxnSpMkLst>
+            <pc:docMk/>
+            <pc:sldMk cId="1918785350" sldId="431"/>
+            <ac:cxnSpMk id="23" creationId="{9C24BDD7-B22D-C82C-AD1A-38F96AC35271}"/>
+          </ac:cxnSpMkLst>
+        </pc:cxnChg>
+        <pc:cxnChg chg="add mod">
+          <ac:chgData name="Manish Sharma" userId="b799adb9ba789c8f" providerId="LiveId" clId="{D10C37F9-2D08-4B3E-9F98-9E9E5C636EAE}" dt="2022-06-10T10:45:35.888" v="283"/>
+          <ac:cxnSpMkLst>
+            <pc:docMk/>
+            <pc:sldMk cId="1918785350" sldId="431"/>
+            <ac:cxnSpMk id="26" creationId="{66D85EC8-7FB7-9FB9-9149-C5B04F1DCA38}"/>
+          </ac:cxnSpMkLst>
+        </pc:cxnChg>
+      </pc:sldChg>
+      <pc:sldChg chg="addSp delSp modSp new mod">
+        <pc:chgData name="Manish Sharma" userId="b799adb9ba789c8f" providerId="LiveId" clId="{D10C37F9-2D08-4B3E-9F98-9E9E5C636EAE}" dt="2022-06-10T11:18:40.201" v="369" actId="14100"/>
+        <pc:sldMkLst>
+          <pc:docMk/>
+          <pc:sldMk cId="1279698673" sldId="432"/>
+        </pc:sldMkLst>
+        <pc:spChg chg="del">
+          <ac:chgData name="Manish Sharma" userId="b799adb9ba789c8f" providerId="LiveId" clId="{D10C37F9-2D08-4B3E-9F98-9E9E5C636EAE}" dt="2022-06-10T11:17:58.414" v="307" actId="478"/>
+          <ac:spMkLst>
+            <pc:docMk/>
+            <pc:sldMk cId="1279698673" sldId="432"/>
+            <ac:spMk id="2" creationId="{11D1DF32-08BF-86F4-706D-3C635FC2F24D}"/>
+          </ac:spMkLst>
+        </pc:spChg>
+        <pc:spChg chg="del">
+          <ac:chgData name="Manish Sharma" userId="b799adb9ba789c8f" providerId="LiveId" clId="{D10C37F9-2D08-4B3E-9F98-9E9E5C636EAE}" dt="2022-06-10T11:17:58.414" v="307" actId="478"/>
+          <ac:spMkLst>
+            <pc:docMk/>
+            <pc:sldMk cId="1279698673" sldId="432"/>
+            <ac:spMk id="3" creationId="{1B3502E9-247A-F36E-14D9-B999903682B7}"/>
+          </ac:spMkLst>
+        </pc:spChg>
+        <pc:spChg chg="add mod">
+          <ac:chgData name="Manish Sharma" userId="b799adb9ba789c8f" providerId="LiveId" clId="{D10C37F9-2D08-4B3E-9F98-9E9E5C636EAE}" dt="2022-06-10T11:18:04.606" v="367" actId="1037"/>
+          <ac:spMkLst>
+            <pc:docMk/>
+            <pc:sldMk cId="1279698673" sldId="432"/>
+            <ac:spMk id="4" creationId="{28FBE83E-422F-E7EA-CF0D-B114D3743ECF}"/>
+          </ac:spMkLst>
+        </pc:spChg>
+        <pc:spChg chg="add mod">
+          <ac:chgData name="Manish Sharma" userId="b799adb9ba789c8f" providerId="LiveId" clId="{D10C37F9-2D08-4B3E-9F98-9E9E5C636EAE}" dt="2022-06-10T11:18:04.606" v="367" actId="1037"/>
+          <ac:spMkLst>
+            <pc:docMk/>
+            <pc:sldMk cId="1279698673" sldId="432"/>
+            <ac:spMk id="5" creationId="{BA3E854C-1A5E-8FA7-8162-F5DD50B75E48}"/>
+          </ac:spMkLst>
+        </pc:spChg>
+        <pc:spChg chg="add mod">
+          <ac:chgData name="Manish Sharma" userId="b799adb9ba789c8f" providerId="LiveId" clId="{D10C37F9-2D08-4B3E-9F98-9E9E5C636EAE}" dt="2022-06-10T11:18:04.606" v="367" actId="1037"/>
+          <ac:spMkLst>
+            <pc:docMk/>
+            <pc:sldMk cId="1279698673" sldId="432"/>
+            <ac:spMk id="6" creationId="{BCF4E889-65AD-0D77-9EAF-0B3C8713B07F}"/>
+          </ac:spMkLst>
+        </pc:spChg>
+        <pc:spChg chg="add mod">
+          <ac:chgData name="Manish Sharma" userId="b799adb9ba789c8f" providerId="LiveId" clId="{D10C37F9-2D08-4B3E-9F98-9E9E5C636EAE}" dt="2022-06-10T11:18:04.606" v="367" actId="1037"/>
+          <ac:spMkLst>
+            <pc:docMk/>
+            <pc:sldMk cId="1279698673" sldId="432"/>
+            <ac:spMk id="7" creationId="{B4196B72-B7AC-3F87-1BFC-8B870D811285}"/>
+          </ac:spMkLst>
+        </pc:spChg>
+        <pc:spChg chg="add mod">
+          <ac:chgData name="Manish Sharma" userId="b799adb9ba789c8f" providerId="LiveId" clId="{D10C37F9-2D08-4B3E-9F98-9E9E5C636EAE}" dt="2022-06-10T11:18:04.606" v="367" actId="1037"/>
+          <ac:spMkLst>
+            <pc:docMk/>
+            <pc:sldMk cId="1279698673" sldId="432"/>
+            <ac:spMk id="9" creationId="{16EE4326-D430-F774-C357-BD2F42CDD269}"/>
+          </ac:spMkLst>
+        </pc:spChg>
+        <pc:spChg chg="add mod">
+          <ac:chgData name="Manish Sharma" userId="b799adb9ba789c8f" providerId="LiveId" clId="{D10C37F9-2D08-4B3E-9F98-9E9E5C636EAE}" dt="2022-06-10T11:18:04.606" v="367" actId="1037"/>
+          <ac:spMkLst>
+            <pc:docMk/>
+            <pc:sldMk cId="1279698673" sldId="432"/>
+            <ac:spMk id="11" creationId="{1D5ED55F-9D2B-B5C9-92C3-8DB8B2327C42}"/>
+          </ac:spMkLst>
+        </pc:spChg>
+        <pc:spChg chg="add mod">
+          <ac:chgData name="Manish Sharma" userId="b799adb9ba789c8f" providerId="LiveId" clId="{D10C37F9-2D08-4B3E-9F98-9E9E5C636EAE}" dt="2022-06-10T11:18:04.606" v="367" actId="1037"/>
+          <ac:spMkLst>
+            <pc:docMk/>
+            <pc:sldMk cId="1279698673" sldId="432"/>
+            <ac:spMk id="13" creationId="{01EDE3AC-41F1-4787-0C1B-D56FF64FE5E7}"/>
+          </ac:spMkLst>
+        </pc:spChg>
+        <pc:spChg chg="add mod">
+          <ac:chgData name="Manish Sharma" userId="b799adb9ba789c8f" providerId="LiveId" clId="{D10C37F9-2D08-4B3E-9F98-9E9E5C636EAE}" dt="2022-06-10T11:18:04.606" v="367" actId="1037"/>
+          <ac:spMkLst>
+            <pc:docMk/>
+            <pc:sldMk cId="1279698673" sldId="432"/>
+            <ac:spMk id="14" creationId="{6FE04A0B-FE1D-E1C8-A7AB-C38FBAF7A26F}"/>
+          </ac:spMkLst>
+        </pc:spChg>
+        <pc:spChg chg="add mod">
+          <ac:chgData name="Manish Sharma" userId="b799adb9ba789c8f" providerId="LiveId" clId="{D10C37F9-2D08-4B3E-9F98-9E9E5C636EAE}" dt="2022-06-10T11:18:04.606" v="367" actId="1037"/>
+          <ac:spMkLst>
+            <pc:docMk/>
+            <pc:sldMk cId="1279698673" sldId="432"/>
+            <ac:spMk id="16" creationId="{292C4557-55BF-9851-B499-4874B5563A13}"/>
+          </ac:spMkLst>
+        </pc:spChg>
+        <pc:spChg chg="add mod">
+          <ac:chgData name="Manish Sharma" userId="b799adb9ba789c8f" providerId="LiveId" clId="{D10C37F9-2D08-4B3E-9F98-9E9E5C636EAE}" dt="2022-06-10T11:18:40.201" v="369" actId="14100"/>
+          <ac:spMkLst>
+            <pc:docMk/>
+            <pc:sldMk cId="1279698673" sldId="432"/>
+            <ac:spMk id="17" creationId="{0BF4A39F-C91F-9A03-F0EF-8F56DF29478B}"/>
+          </ac:spMkLst>
+        </pc:spChg>
+        <pc:spChg chg="add del mod">
+          <ac:chgData name="Manish Sharma" userId="b799adb9ba789c8f" providerId="LiveId" clId="{D10C37F9-2D08-4B3E-9F98-9E9E5C636EAE}" dt="2022-06-10T11:18:34.412" v="368" actId="478"/>
+          <ac:spMkLst>
+            <pc:docMk/>
+            <pc:sldMk cId="1279698673" sldId="432"/>
+            <ac:spMk id="18" creationId="{BCDDB52E-418F-0EAF-0DB9-93BBB7FDFEC0}"/>
+          </ac:spMkLst>
+        </pc:spChg>
+        <pc:cxnChg chg="add mod">
+          <ac:chgData name="Manish Sharma" userId="b799adb9ba789c8f" providerId="LiveId" clId="{D10C37F9-2D08-4B3E-9F98-9E9E5C636EAE}" dt="2022-06-10T11:18:04.606" v="367" actId="1037"/>
+          <ac:cxnSpMkLst>
+            <pc:docMk/>
+            <pc:sldMk cId="1279698673" sldId="432"/>
+            <ac:cxnSpMk id="8" creationId="{AEEA1D08-135F-2212-62DF-703A5F3637B0}"/>
+          </ac:cxnSpMkLst>
+        </pc:cxnChg>
+        <pc:cxnChg chg="add mod">
+          <ac:chgData name="Manish Sharma" userId="b799adb9ba789c8f" providerId="LiveId" clId="{D10C37F9-2D08-4B3E-9F98-9E9E5C636EAE}" dt="2022-06-10T11:18:04.606" v="367" actId="1037"/>
+          <ac:cxnSpMkLst>
+            <pc:docMk/>
+            <pc:sldMk cId="1279698673" sldId="432"/>
+            <ac:cxnSpMk id="10" creationId="{58729AA9-D37F-26C2-B634-64E84123A764}"/>
+          </ac:cxnSpMkLst>
+        </pc:cxnChg>
+        <pc:cxnChg chg="add mod">
+          <ac:chgData name="Manish Sharma" userId="b799adb9ba789c8f" providerId="LiveId" clId="{D10C37F9-2D08-4B3E-9F98-9E9E5C636EAE}" dt="2022-06-10T11:18:04.606" v="367" actId="1037"/>
+          <ac:cxnSpMkLst>
+            <pc:docMk/>
+            <pc:sldMk cId="1279698673" sldId="432"/>
+            <ac:cxnSpMk id="12" creationId="{1F39ED11-9FCD-0E9C-AB64-82B3784DC569}"/>
+          </ac:cxnSpMkLst>
+        </pc:cxnChg>
+        <pc:cxnChg chg="add mod">
+          <ac:chgData name="Manish Sharma" userId="b799adb9ba789c8f" providerId="LiveId" clId="{D10C37F9-2D08-4B3E-9F98-9E9E5C636EAE}" dt="2022-06-10T11:18:04.606" v="367" actId="1037"/>
+          <ac:cxnSpMkLst>
+            <pc:docMk/>
+            <pc:sldMk cId="1279698673" sldId="432"/>
+            <ac:cxnSpMk id="15" creationId="{8C33C046-9808-AEA5-BA47-2BC0E236638B}"/>
+          </ac:cxnSpMkLst>
+        </pc:cxnChg>
+      </pc:sldChg>
+      <pc:sldChg chg="modSp new mod">
+        <pc:chgData name="Manish Sharma" userId="b799adb9ba789c8f" providerId="LiveId" clId="{D10C37F9-2D08-4B3E-9F98-9E9E5C636EAE}" dt="2022-06-10T11:21:27.340" v="534" actId="20577"/>
+        <pc:sldMkLst>
+          <pc:docMk/>
+          <pc:sldMk cId="3075248080" sldId="433"/>
+        </pc:sldMkLst>
+        <pc:spChg chg="mod">
+          <ac:chgData name="Manish Sharma" userId="b799adb9ba789c8f" providerId="LiveId" clId="{D10C37F9-2D08-4B3E-9F98-9E9E5C636EAE}" dt="2022-06-10T11:19:31.151" v="380" actId="20577"/>
+          <ac:spMkLst>
+            <pc:docMk/>
+            <pc:sldMk cId="3075248080" sldId="433"/>
+            <ac:spMk id="2" creationId="{AFDDF969-D520-CF94-0631-D98E9E67B022}"/>
+          </ac:spMkLst>
+        </pc:spChg>
+        <pc:spChg chg="mod">
+          <ac:chgData name="Manish Sharma" userId="b799adb9ba789c8f" providerId="LiveId" clId="{D10C37F9-2D08-4B3E-9F98-9E9E5C636EAE}" dt="2022-06-10T11:21:27.340" v="534" actId="20577"/>
+          <ac:spMkLst>
+            <pc:docMk/>
+            <pc:sldMk cId="3075248080" sldId="433"/>
+            <ac:spMk id="3" creationId="{73CC495C-13B4-7025-22D6-8482CB3C3140}"/>
+          </ac:spMkLst>
+        </pc:spChg>
+      </pc:sldChg>
+      <pc:sldChg chg="addSp delSp modSp new del mod">
+        <pc:chgData name="Manish Sharma" userId="b799adb9ba789c8f" providerId="LiveId" clId="{D10C37F9-2D08-4B3E-9F98-9E9E5C636EAE}" dt="2022-06-10T11:27:04.318" v="695" actId="2696"/>
+        <pc:sldMkLst>
+          <pc:docMk/>
+          <pc:sldMk cId="3253209716" sldId="434"/>
+        </pc:sldMkLst>
+        <pc:spChg chg="del">
+          <ac:chgData name="Manish Sharma" userId="b799adb9ba789c8f" providerId="LiveId" clId="{D10C37F9-2D08-4B3E-9F98-9E9E5C636EAE}" dt="2022-06-10T11:22:36.295" v="536" actId="478"/>
+          <ac:spMkLst>
+            <pc:docMk/>
+            <pc:sldMk cId="3253209716" sldId="434"/>
+            <ac:spMk id="2" creationId="{0E15146D-278B-120F-7586-01480EA6D6D3}"/>
+          </ac:spMkLst>
+        </pc:spChg>
+        <pc:spChg chg="del">
+          <ac:chgData name="Manish Sharma" userId="b799adb9ba789c8f" providerId="LiveId" clId="{D10C37F9-2D08-4B3E-9F98-9E9E5C636EAE}" dt="2022-06-10T11:22:36.295" v="536" actId="478"/>
+          <ac:spMkLst>
+            <pc:docMk/>
+            <pc:sldMk cId="3253209716" sldId="434"/>
+            <ac:spMk id="3" creationId="{CBE896F5-5A23-F7F2-885A-409E6F12C129}"/>
+          </ac:spMkLst>
+        </pc:spChg>
+        <pc:spChg chg="add mod">
+          <ac:chgData name="Manish Sharma" userId="b799adb9ba789c8f" providerId="LiveId" clId="{D10C37F9-2D08-4B3E-9F98-9E9E5C636EAE}" dt="2022-06-10T11:26:47.753" v="694" actId="1076"/>
+          <ac:spMkLst>
+            <pc:docMk/>
+            <pc:sldMk cId="3253209716" sldId="434"/>
+            <ac:spMk id="4" creationId="{D8B177C4-D6F7-3A89-DE92-80B97B9658E8}"/>
+          </ac:spMkLst>
+        </pc:spChg>
+        <pc:spChg chg="add mod">
+          <ac:chgData name="Manish Sharma" userId="b799adb9ba789c8f" providerId="LiveId" clId="{D10C37F9-2D08-4B3E-9F98-9E9E5C636EAE}" dt="2022-06-10T11:23:52.876" v="609" actId="3064"/>
+          <ac:spMkLst>
+            <pc:docMk/>
+            <pc:sldMk cId="3253209716" sldId="434"/>
+            <ac:spMk id="5" creationId="{45402748-73E8-12EF-E524-55E2E3744E0B}"/>
+          </ac:spMkLst>
+        </pc:spChg>
+        <pc:spChg chg="add mod">
+          <ac:chgData name="Manish Sharma" userId="b799adb9ba789c8f" providerId="LiveId" clId="{D10C37F9-2D08-4B3E-9F98-9E9E5C636EAE}" dt="2022-06-10T11:25:08.730" v="670" actId="20577"/>
+          <ac:spMkLst>
+            <pc:docMk/>
+            <pc:sldMk cId="3253209716" sldId="434"/>
+            <ac:spMk id="6" creationId="{0DDAB08E-D5C0-633A-43CC-EA36920560A5}"/>
+          </ac:spMkLst>
+        </pc:spChg>
+        <pc:spChg chg="add del mod">
+          <ac:chgData name="Manish Sharma" userId="b799adb9ba789c8f" providerId="LiveId" clId="{D10C37F9-2D08-4B3E-9F98-9E9E5C636EAE}" dt="2022-06-10T11:25:23.010" v="672" actId="478"/>
+          <ac:spMkLst>
+            <pc:docMk/>
+            <pc:sldMk cId="3253209716" sldId="434"/>
+            <ac:spMk id="7" creationId="{7FDA9A5E-75D9-372E-59A3-79C81185058E}"/>
+          </ac:spMkLst>
+        </pc:spChg>
+        <pc:spChg chg="add mod">
+          <ac:chgData name="Manish Sharma" userId="b799adb9ba789c8f" providerId="LiveId" clId="{D10C37F9-2D08-4B3E-9F98-9E9E5C636EAE}" dt="2022-06-10T11:25:36.028" v="693" actId="20577"/>
+          <ac:spMkLst>
+            <pc:docMk/>
+            <pc:sldMk cId="3253209716" sldId="434"/>
+            <ac:spMk id="8" creationId="{B7F3F78C-6466-879A-6C9B-3E19953CDE5B}"/>
+          </ac:spMkLst>
+        </pc:spChg>
+      </pc:sldChg>
+    </pc:docChg>
+  </pc:docChgLst>
+  <pc:docChgLst>
     <pc:chgData name="Manish Sharma" userId="b799adb9ba789c8f" providerId="LiveId" clId="{EBEA4F15-CD72-47E1-A609-4F092BECF765}"/>
     <pc:docChg chg="undo redo custSel addSld delSld modSld sldOrd">
       <pc:chgData name="Manish Sharma" userId="b799adb9ba789c8f" providerId="LiveId" clId="{EBEA4F15-CD72-47E1-A609-4F092BECF765}" dt="2021-12-24T11:33:09.047" v="2055" actId="20577"/>
@@ -23068,1279 +24348,9 @@
     </pc:docChg>
   </pc:docChgLst>
   <pc:docChgLst>
-    <pc:chgData name="Manish Sharma" userId="b799adb9ba789c8f" providerId="LiveId" clId="{D10C37F9-2D08-4B3E-9F98-9E9E5C636EAE}"/>
-    <pc:docChg chg="undo custSel addSld delSld modSld">
-      <pc:chgData name="Manish Sharma" userId="b799adb9ba789c8f" providerId="LiveId" clId="{D10C37F9-2D08-4B3E-9F98-9E9E5C636EAE}" dt="2022-06-10T11:29:44.202" v="696"/>
-      <pc:docMkLst>
-        <pc:docMk/>
-      </pc:docMkLst>
-      <pc:sldChg chg="add">
-        <pc:chgData name="Manish Sharma" userId="b799adb9ba789c8f" providerId="LiveId" clId="{D10C37F9-2D08-4B3E-9F98-9E9E5C636EAE}" dt="2022-06-09T06:57:28.076" v="35"/>
-        <pc:sldMkLst>
-          <pc:docMk/>
-          <pc:sldMk cId="0" sldId="269"/>
-        </pc:sldMkLst>
-      </pc:sldChg>
-      <pc:sldChg chg="add">
-        <pc:chgData name="Manish Sharma" userId="b799adb9ba789c8f" providerId="LiveId" clId="{D10C37F9-2D08-4B3E-9F98-9E9E5C636EAE}" dt="2022-06-09T06:57:28.076" v="35"/>
-        <pc:sldMkLst>
-          <pc:docMk/>
-          <pc:sldMk cId="354889720" sldId="272"/>
-        </pc:sldMkLst>
-      </pc:sldChg>
-      <pc:sldChg chg="add">
-        <pc:chgData name="Manish Sharma" userId="b799adb9ba789c8f" providerId="LiveId" clId="{D10C37F9-2D08-4B3E-9F98-9E9E5C636EAE}" dt="2022-06-09T06:57:28.076" v="35"/>
-        <pc:sldMkLst>
-          <pc:docMk/>
-          <pc:sldMk cId="1041794992" sldId="274"/>
-        </pc:sldMkLst>
-      </pc:sldChg>
-      <pc:sldChg chg="add">
-        <pc:chgData name="Manish Sharma" userId="b799adb9ba789c8f" providerId="LiveId" clId="{D10C37F9-2D08-4B3E-9F98-9E9E5C636EAE}" dt="2022-06-09T06:57:28.076" v="35"/>
-        <pc:sldMkLst>
-          <pc:docMk/>
-          <pc:sldMk cId="1929096108" sldId="275"/>
-        </pc:sldMkLst>
-      </pc:sldChg>
-      <pc:sldChg chg="add">
-        <pc:chgData name="Manish Sharma" userId="b799adb9ba789c8f" providerId="LiveId" clId="{D10C37F9-2D08-4B3E-9F98-9E9E5C636EAE}" dt="2022-06-09T06:57:28.076" v="35"/>
-        <pc:sldMkLst>
-          <pc:docMk/>
-          <pc:sldMk cId="1327294765" sldId="276"/>
-        </pc:sldMkLst>
-      </pc:sldChg>
-      <pc:sldChg chg="add">
-        <pc:chgData name="Manish Sharma" userId="b799adb9ba789c8f" providerId="LiveId" clId="{D10C37F9-2D08-4B3E-9F98-9E9E5C636EAE}" dt="2022-06-09T11:02:07.984" v="40"/>
-        <pc:sldMkLst>
-          <pc:docMk/>
-          <pc:sldMk cId="1476634141" sldId="277"/>
-        </pc:sldMkLst>
-      </pc:sldChg>
-      <pc:sldChg chg="add">
-        <pc:chgData name="Manish Sharma" userId="b799adb9ba789c8f" providerId="LiveId" clId="{D10C37F9-2D08-4B3E-9F98-9E9E5C636EAE}" dt="2022-06-10T04:08:26.944" v="242"/>
-        <pc:sldMkLst>
-          <pc:docMk/>
-          <pc:sldMk cId="3742683978" sldId="278"/>
-        </pc:sldMkLst>
-      </pc:sldChg>
-      <pc:sldChg chg="add">
-        <pc:chgData name="Manish Sharma" userId="b799adb9ba789c8f" providerId="LiveId" clId="{D10C37F9-2D08-4B3E-9F98-9E9E5C636EAE}" dt="2022-06-09T06:57:28.076" v="35"/>
-        <pc:sldMkLst>
-          <pc:docMk/>
-          <pc:sldMk cId="3722122107" sldId="280"/>
-        </pc:sldMkLst>
-      </pc:sldChg>
-      <pc:sldChg chg="add">
-        <pc:chgData name="Manish Sharma" userId="b799adb9ba789c8f" providerId="LiveId" clId="{D10C37F9-2D08-4B3E-9F98-9E9E5C636EAE}" dt="2022-06-09T06:57:28.076" v="35"/>
-        <pc:sldMkLst>
-          <pc:docMk/>
-          <pc:sldMk cId="1870224024" sldId="281"/>
-        </pc:sldMkLst>
-      </pc:sldChg>
-      <pc:sldChg chg="add">
-        <pc:chgData name="Manish Sharma" userId="b799adb9ba789c8f" providerId="LiveId" clId="{D10C37F9-2D08-4B3E-9F98-9E9E5C636EAE}" dt="2022-06-10T05:04:24.004" v="243"/>
-        <pc:sldMkLst>
-          <pc:docMk/>
-          <pc:sldMk cId="4112244625" sldId="283"/>
-        </pc:sldMkLst>
-      </pc:sldChg>
-      <pc:sldChg chg="add">
-        <pc:chgData name="Manish Sharma" userId="b799adb9ba789c8f" providerId="LiveId" clId="{D10C37F9-2D08-4B3E-9F98-9E9E5C636EAE}" dt="2022-06-10T05:04:24.004" v="243"/>
-        <pc:sldMkLst>
-          <pc:docMk/>
-          <pc:sldMk cId="3526466874" sldId="284"/>
-        </pc:sldMkLst>
-      </pc:sldChg>
-      <pc:sldChg chg="addSp delSp add mod setBg delDesignElem">
-        <pc:chgData name="Manish Sharma" userId="b799adb9ba789c8f" providerId="LiveId" clId="{D10C37F9-2D08-4B3E-9F98-9E9E5C636EAE}" dt="2022-06-10T05:05:06.837" v="246" actId="26606"/>
-        <pc:sldMkLst>
-          <pc:docMk/>
-          <pc:sldMk cId="1121659111" sldId="286"/>
-        </pc:sldMkLst>
-        <pc:spChg chg="del">
-          <ac:chgData name="Manish Sharma" userId="b799adb9ba789c8f" providerId="LiveId" clId="{D10C37F9-2D08-4B3E-9F98-9E9E5C636EAE}" dt="2022-06-10T05:04:55.176" v="245"/>
-          <ac:spMkLst>
-            <pc:docMk/>
-            <pc:sldMk cId="1121659111" sldId="286"/>
-            <ac:spMk id="11" creationId="{D4771268-CB57-404A-9271-370EB28F6090}"/>
-          </ac:spMkLst>
-        </pc:spChg>
-        <pc:spChg chg="add">
-          <ac:chgData name="Manish Sharma" userId="b799adb9ba789c8f" providerId="LiveId" clId="{D10C37F9-2D08-4B3E-9F98-9E9E5C636EAE}" dt="2022-06-10T05:05:06.837" v="246" actId="26606"/>
-          <ac:spMkLst>
-            <pc:docMk/>
-            <pc:sldMk cId="1121659111" sldId="286"/>
-            <ac:spMk id="12" creationId="{D4771268-CB57-404A-9271-370EB28F6090}"/>
-          </ac:spMkLst>
-        </pc:spChg>
-      </pc:sldChg>
-      <pc:sldChg chg="add">
-        <pc:chgData name="Manish Sharma" userId="b799adb9ba789c8f" providerId="LiveId" clId="{D10C37F9-2D08-4B3E-9F98-9E9E5C636EAE}" dt="2022-06-09T10:12:54.778" v="38"/>
-        <pc:sldMkLst>
-          <pc:docMk/>
-          <pc:sldMk cId="4016984177" sldId="288"/>
-        </pc:sldMkLst>
-      </pc:sldChg>
-      <pc:sldChg chg="addSp delSp add mod setBg delDesignElem">
-        <pc:chgData name="Manish Sharma" userId="b799adb9ba789c8f" providerId="LiveId" clId="{D10C37F9-2D08-4B3E-9F98-9E9E5C636EAE}" dt="2022-06-09T10:13:06.324" v="39" actId="26606"/>
-        <pc:sldMkLst>
-          <pc:docMk/>
-          <pc:sldMk cId="4019827636" sldId="289"/>
-        </pc:sldMkLst>
-        <pc:spChg chg="del">
-          <ac:chgData name="Manish Sharma" userId="b799adb9ba789c8f" providerId="LiveId" clId="{D10C37F9-2D08-4B3E-9F98-9E9E5C636EAE}" dt="2022-06-09T10:12:54.778" v="38"/>
-          <ac:spMkLst>
-            <pc:docMk/>
-            <pc:sldMk cId="4019827636" sldId="289"/>
-            <ac:spMk id="7" creationId="{D4771268-CB57-404A-9271-370EB28F6090}"/>
-          </ac:spMkLst>
-        </pc:spChg>
-        <pc:spChg chg="add">
-          <ac:chgData name="Manish Sharma" userId="b799adb9ba789c8f" providerId="LiveId" clId="{D10C37F9-2D08-4B3E-9F98-9E9E5C636EAE}" dt="2022-06-09T10:13:06.324" v="39" actId="26606"/>
-          <ac:spMkLst>
-            <pc:docMk/>
-            <pc:sldMk cId="4019827636" sldId="289"/>
-            <ac:spMk id="8" creationId="{D4771268-CB57-404A-9271-370EB28F6090}"/>
-          </ac:spMkLst>
-        </pc:spChg>
-      </pc:sldChg>
-      <pc:sldChg chg="add">
-        <pc:chgData name="Manish Sharma" userId="b799adb9ba789c8f" providerId="LiveId" clId="{D10C37F9-2D08-4B3E-9F98-9E9E5C636EAE}" dt="2022-06-09T06:57:28.076" v="35"/>
-        <pc:sldMkLst>
-          <pc:docMk/>
-          <pc:sldMk cId="4234741750" sldId="290"/>
-        </pc:sldMkLst>
-      </pc:sldChg>
-      <pc:sldChg chg="add">
-        <pc:chgData name="Manish Sharma" userId="b799adb9ba789c8f" providerId="LiveId" clId="{D10C37F9-2D08-4B3E-9F98-9E9E5C636EAE}" dt="2022-06-09T06:57:28.076" v="35"/>
-        <pc:sldMkLst>
-          <pc:docMk/>
-          <pc:sldMk cId="3252480271" sldId="291"/>
-        </pc:sldMkLst>
-      </pc:sldChg>
-      <pc:sldChg chg="add">
-        <pc:chgData name="Manish Sharma" userId="b799adb9ba789c8f" providerId="LiveId" clId="{D10C37F9-2D08-4B3E-9F98-9E9E5C636EAE}" dt="2022-06-09T10:12:54.778" v="38"/>
-        <pc:sldMkLst>
-          <pc:docMk/>
-          <pc:sldMk cId="3578439419" sldId="310"/>
-        </pc:sldMkLst>
-      </pc:sldChg>
-      <pc:sldChg chg="add">
-        <pc:chgData name="Manish Sharma" userId="b799adb9ba789c8f" providerId="LiveId" clId="{D10C37F9-2D08-4B3E-9F98-9E9E5C636EAE}" dt="2022-06-09T10:12:54.778" v="38"/>
-        <pc:sldMkLst>
-          <pc:docMk/>
-          <pc:sldMk cId="2483723510" sldId="311"/>
-        </pc:sldMkLst>
-      </pc:sldChg>
-      <pc:sldChg chg="add">
-        <pc:chgData name="Manish Sharma" userId="b799adb9ba789c8f" providerId="LiveId" clId="{D10C37F9-2D08-4B3E-9F98-9E9E5C636EAE}" dt="2022-06-09T10:12:54.778" v="38"/>
-        <pc:sldMkLst>
-          <pc:docMk/>
-          <pc:sldMk cId="2383157330" sldId="312"/>
-        </pc:sldMkLst>
-      </pc:sldChg>
-      <pc:sldChg chg="add">
-        <pc:chgData name="Manish Sharma" userId="b799adb9ba789c8f" providerId="LiveId" clId="{D10C37F9-2D08-4B3E-9F98-9E9E5C636EAE}" dt="2022-06-09T11:02:07.984" v="40"/>
-        <pc:sldMkLst>
-          <pc:docMk/>
-          <pc:sldMk cId="1771078964" sldId="314"/>
-        </pc:sldMkLst>
-      </pc:sldChg>
-      <pc:sldChg chg="add">
-        <pc:chgData name="Manish Sharma" userId="b799adb9ba789c8f" providerId="LiveId" clId="{D10C37F9-2D08-4B3E-9F98-9E9E5C636EAE}" dt="2022-06-09T07:09:02.403" v="36"/>
-        <pc:sldMkLst>
-          <pc:docMk/>
-          <pc:sldMk cId="2175462724" sldId="315"/>
-        </pc:sldMkLst>
-      </pc:sldChg>
-      <pc:sldChg chg="add">
-        <pc:chgData name="Manish Sharma" userId="b799adb9ba789c8f" providerId="LiveId" clId="{D10C37F9-2D08-4B3E-9F98-9E9E5C636EAE}" dt="2022-06-09T11:02:07.984" v="40"/>
-        <pc:sldMkLst>
-          <pc:docMk/>
-          <pc:sldMk cId="1542734719" sldId="316"/>
-        </pc:sldMkLst>
-      </pc:sldChg>
-      <pc:sldChg chg="add">
-        <pc:chgData name="Manish Sharma" userId="b799adb9ba789c8f" providerId="LiveId" clId="{D10C37F9-2D08-4B3E-9F98-9E9E5C636EAE}" dt="2022-06-10T03:47:55.402" v="241"/>
-        <pc:sldMkLst>
-          <pc:docMk/>
-          <pc:sldMk cId="2020432023" sldId="317"/>
-        </pc:sldMkLst>
-      </pc:sldChg>
-      <pc:sldChg chg="add">
-        <pc:chgData name="Manish Sharma" userId="b799adb9ba789c8f" providerId="LiveId" clId="{D10C37F9-2D08-4B3E-9F98-9E9E5C636EAE}" dt="2022-06-10T04:08:26.944" v="242"/>
-        <pc:sldMkLst>
-          <pc:docMk/>
-          <pc:sldMk cId="992083087" sldId="318"/>
-        </pc:sldMkLst>
-      </pc:sldChg>
-      <pc:sldChg chg="add">
-        <pc:chgData name="Manish Sharma" userId="b799adb9ba789c8f" providerId="LiveId" clId="{D10C37F9-2D08-4B3E-9F98-9E9E5C636EAE}" dt="2022-06-10T05:04:24.004" v="243"/>
-        <pc:sldMkLst>
-          <pc:docMk/>
-          <pc:sldMk cId="2677077442" sldId="319"/>
-        </pc:sldMkLst>
-      </pc:sldChg>
-      <pc:sldChg chg="add">
-        <pc:chgData name="Manish Sharma" userId="b799adb9ba789c8f" providerId="LiveId" clId="{D10C37F9-2D08-4B3E-9F98-9E9E5C636EAE}" dt="2022-06-10T07:14:45.471" v="247"/>
-        <pc:sldMkLst>
-          <pc:docMk/>
-          <pc:sldMk cId="976549785" sldId="320"/>
-        </pc:sldMkLst>
-      </pc:sldChg>
-      <pc:sldChg chg="add">
-        <pc:chgData name="Manish Sharma" userId="b799adb9ba789c8f" providerId="LiveId" clId="{D10C37F9-2D08-4B3E-9F98-9E9E5C636EAE}" dt="2022-06-10T07:14:45.471" v="247"/>
-        <pc:sldMkLst>
-          <pc:docMk/>
-          <pc:sldMk cId="1393763600" sldId="321"/>
-        </pc:sldMkLst>
-      </pc:sldChg>
-      <pc:sldChg chg="add">
-        <pc:chgData name="Manish Sharma" userId="b799adb9ba789c8f" providerId="LiveId" clId="{D10C37F9-2D08-4B3E-9F98-9E9E5C636EAE}" dt="2022-06-10T09:16:08.716" v="250"/>
-        <pc:sldMkLst>
-          <pc:docMk/>
-          <pc:sldMk cId="2086204329" sldId="322"/>
-        </pc:sldMkLst>
-      </pc:sldChg>
-      <pc:sldChg chg="add">
-        <pc:chgData name="Manish Sharma" userId="b799adb9ba789c8f" providerId="LiveId" clId="{D10C37F9-2D08-4B3E-9F98-9E9E5C636EAE}" dt="2022-06-10T10:00:53.516" v="252"/>
-        <pc:sldMkLst>
-          <pc:docMk/>
-          <pc:sldMk cId="4024640257" sldId="323"/>
-        </pc:sldMkLst>
-      </pc:sldChg>
-      <pc:sldChg chg="add">
-        <pc:chgData name="Manish Sharma" userId="b799adb9ba789c8f" providerId="LiveId" clId="{D10C37F9-2D08-4B3E-9F98-9E9E5C636EAE}" dt="2022-06-10T07:46:17.869" v="249"/>
-        <pc:sldMkLst>
-          <pc:docMk/>
-          <pc:sldMk cId="869922491" sldId="324"/>
-        </pc:sldMkLst>
-      </pc:sldChg>
-      <pc:sldChg chg="add">
-        <pc:chgData name="Manish Sharma" userId="b799adb9ba789c8f" providerId="LiveId" clId="{D10C37F9-2D08-4B3E-9F98-9E9E5C636EAE}" dt="2022-06-10T07:46:17.869" v="249"/>
-        <pc:sldMkLst>
-          <pc:docMk/>
-          <pc:sldMk cId="743372294" sldId="326"/>
-        </pc:sldMkLst>
-      </pc:sldChg>
-      <pc:sldChg chg="add">
-        <pc:chgData name="Manish Sharma" userId="b799adb9ba789c8f" providerId="LiveId" clId="{D10C37F9-2D08-4B3E-9F98-9E9E5C636EAE}" dt="2022-06-10T07:33:30.365" v="248"/>
-        <pc:sldMkLst>
-          <pc:docMk/>
-          <pc:sldMk cId="1562318406" sldId="327"/>
-        </pc:sldMkLst>
-      </pc:sldChg>
-      <pc:sldChg chg="addSp delSp modSp new mod">
-        <pc:chgData name="Manish Sharma" userId="b799adb9ba789c8f" providerId="LiveId" clId="{D10C37F9-2D08-4B3E-9F98-9E9E5C636EAE}" dt="2022-06-09T04:19:10.209" v="16" actId="20577"/>
-        <pc:sldMkLst>
-          <pc:docMk/>
-          <pc:sldMk cId="2542386510" sldId="340"/>
-        </pc:sldMkLst>
-        <pc:spChg chg="del">
-          <ac:chgData name="Manish Sharma" userId="b799adb9ba789c8f" providerId="LiveId" clId="{D10C37F9-2D08-4B3E-9F98-9E9E5C636EAE}" dt="2022-06-09T04:14:12.737" v="1" actId="478"/>
-          <ac:spMkLst>
-            <pc:docMk/>
-            <pc:sldMk cId="2542386510" sldId="340"/>
-            <ac:spMk id="2" creationId="{A7638B50-66F5-8AEB-A898-44AAA0050198}"/>
-          </ac:spMkLst>
-        </pc:spChg>
-        <pc:spChg chg="del">
-          <ac:chgData name="Manish Sharma" userId="b799adb9ba789c8f" providerId="LiveId" clId="{D10C37F9-2D08-4B3E-9F98-9E9E5C636EAE}" dt="2022-06-09T04:14:12.737" v="1" actId="478"/>
-          <ac:spMkLst>
-            <pc:docMk/>
-            <pc:sldMk cId="2542386510" sldId="340"/>
-            <ac:spMk id="3" creationId="{212C062D-D251-3387-A757-1FFEF5A3A085}"/>
-          </ac:spMkLst>
-        </pc:spChg>
-        <pc:spChg chg="add mod">
-          <ac:chgData name="Manish Sharma" userId="b799adb9ba789c8f" providerId="LiveId" clId="{D10C37F9-2D08-4B3E-9F98-9E9E5C636EAE}" dt="2022-06-09T04:14:29.593" v="2"/>
-          <ac:spMkLst>
-            <pc:docMk/>
-            <pc:sldMk cId="2542386510" sldId="340"/>
-            <ac:spMk id="4" creationId="{65D8CE02-C335-A048-1917-8DF37455E64D}"/>
-          </ac:spMkLst>
-        </pc:spChg>
-        <pc:spChg chg="add mod">
-          <ac:chgData name="Manish Sharma" userId="b799adb9ba789c8f" providerId="LiveId" clId="{D10C37F9-2D08-4B3E-9F98-9E9E5C636EAE}" dt="2022-06-09T04:14:29.593" v="2"/>
-          <ac:spMkLst>
-            <pc:docMk/>
-            <pc:sldMk cId="2542386510" sldId="340"/>
-            <ac:spMk id="5" creationId="{0B8D099C-486C-9AD1-751C-65E626F3411C}"/>
-          </ac:spMkLst>
-        </pc:spChg>
-        <pc:spChg chg="add mod">
-          <ac:chgData name="Manish Sharma" userId="b799adb9ba789c8f" providerId="LiveId" clId="{D10C37F9-2D08-4B3E-9F98-9E9E5C636EAE}" dt="2022-06-09T04:14:45.985" v="3"/>
-          <ac:spMkLst>
-            <pc:docMk/>
-            <pc:sldMk cId="2542386510" sldId="340"/>
-            <ac:spMk id="6" creationId="{7B64340C-3E91-8BD7-1A13-025C6370C94F}"/>
-          </ac:spMkLst>
-        </pc:spChg>
-        <pc:spChg chg="add mod">
-          <ac:chgData name="Manish Sharma" userId="b799adb9ba789c8f" providerId="LiveId" clId="{D10C37F9-2D08-4B3E-9F98-9E9E5C636EAE}" dt="2022-06-09T04:15:07.370" v="4"/>
-          <ac:spMkLst>
-            <pc:docMk/>
-            <pc:sldMk cId="2542386510" sldId="340"/>
-            <ac:spMk id="7" creationId="{15BC1A1C-A8AC-D910-981B-4E083AC97677}"/>
-          </ac:spMkLst>
-        </pc:spChg>
-        <pc:spChg chg="add mod">
-          <ac:chgData name="Manish Sharma" userId="b799adb9ba789c8f" providerId="LiveId" clId="{D10C37F9-2D08-4B3E-9F98-9E9E5C636EAE}" dt="2022-06-09T04:15:07.370" v="4"/>
-          <ac:spMkLst>
-            <pc:docMk/>
-            <pc:sldMk cId="2542386510" sldId="340"/>
-            <ac:spMk id="8" creationId="{08F485ED-7E6F-CBE5-74C8-F7022DB40492}"/>
-          </ac:spMkLst>
-        </pc:spChg>
-        <pc:spChg chg="add mod">
-          <ac:chgData name="Manish Sharma" userId="b799adb9ba789c8f" providerId="LiveId" clId="{D10C37F9-2D08-4B3E-9F98-9E9E5C636EAE}" dt="2022-06-09T04:15:07.370" v="4"/>
-          <ac:spMkLst>
-            <pc:docMk/>
-            <pc:sldMk cId="2542386510" sldId="340"/>
-            <ac:spMk id="9" creationId="{D6A390ED-EB6F-9284-5CA8-1C16E3A6FFC2}"/>
-          </ac:spMkLst>
-        </pc:spChg>
-        <pc:spChg chg="add mod">
-          <ac:chgData name="Manish Sharma" userId="b799adb9ba789c8f" providerId="LiveId" clId="{D10C37F9-2D08-4B3E-9F98-9E9E5C636EAE}" dt="2022-06-09T04:18:08.086" v="9" actId="1076"/>
-          <ac:spMkLst>
-            <pc:docMk/>
-            <pc:sldMk cId="2542386510" sldId="340"/>
-            <ac:spMk id="10" creationId="{23141CFE-355F-7F7F-BA27-257DEA5ED009}"/>
-          </ac:spMkLst>
-        </pc:spChg>
-        <pc:spChg chg="add mod">
-          <ac:chgData name="Manish Sharma" userId="b799adb9ba789c8f" providerId="LiveId" clId="{D10C37F9-2D08-4B3E-9F98-9E9E5C636EAE}" dt="2022-06-09T04:18:08.086" v="9" actId="1076"/>
-          <ac:spMkLst>
-            <pc:docMk/>
-            <pc:sldMk cId="2542386510" sldId="340"/>
-            <ac:spMk id="11" creationId="{54B4A7F8-4D16-9FEA-D593-1DDC978A475B}"/>
-          </ac:spMkLst>
-        </pc:spChg>
-        <pc:spChg chg="add mod">
-          <ac:chgData name="Manish Sharma" userId="b799adb9ba789c8f" providerId="LiveId" clId="{D10C37F9-2D08-4B3E-9F98-9E9E5C636EAE}" dt="2022-06-09T04:18:08.086" v="9" actId="1076"/>
-          <ac:spMkLst>
-            <pc:docMk/>
-            <pc:sldMk cId="2542386510" sldId="340"/>
-            <ac:spMk id="12" creationId="{5E1A6188-E919-15CE-5159-A363635BD440}"/>
-          </ac:spMkLst>
-        </pc:spChg>
-        <pc:spChg chg="add mod">
-          <ac:chgData name="Manish Sharma" userId="b799adb9ba789c8f" providerId="LiveId" clId="{D10C37F9-2D08-4B3E-9F98-9E9E5C636EAE}" dt="2022-06-09T04:18:08.086" v="9" actId="1076"/>
-          <ac:spMkLst>
-            <pc:docMk/>
-            <pc:sldMk cId="2542386510" sldId="340"/>
-            <ac:spMk id="13" creationId="{3ABA86A9-90B5-59C3-0EEB-F1FAC3B8223C}"/>
-          </ac:spMkLst>
-        </pc:spChg>
-        <pc:spChg chg="add mod">
-          <ac:chgData name="Manish Sharma" userId="b799adb9ba789c8f" providerId="LiveId" clId="{D10C37F9-2D08-4B3E-9F98-9E9E5C636EAE}" dt="2022-06-09T04:18:02.467" v="8" actId="1076"/>
-          <ac:spMkLst>
-            <pc:docMk/>
-            <pc:sldMk cId="2542386510" sldId="340"/>
-            <ac:spMk id="14" creationId="{3DD25454-63C6-2300-8ABC-CADA468F2561}"/>
-          </ac:spMkLst>
-        </pc:spChg>
-        <pc:spChg chg="add mod">
-          <ac:chgData name="Manish Sharma" userId="b799adb9ba789c8f" providerId="LiveId" clId="{D10C37F9-2D08-4B3E-9F98-9E9E5C636EAE}" dt="2022-06-09T04:18:02.467" v="8" actId="1076"/>
-          <ac:spMkLst>
-            <pc:docMk/>
-            <pc:sldMk cId="2542386510" sldId="340"/>
-            <ac:spMk id="15" creationId="{D70E1BAD-21D6-E76C-18A0-BCC20C11956E}"/>
-          </ac:spMkLst>
-        </pc:spChg>
-        <pc:spChg chg="add mod">
-          <ac:chgData name="Manish Sharma" userId="b799adb9ba789c8f" providerId="LiveId" clId="{D10C37F9-2D08-4B3E-9F98-9E9E5C636EAE}" dt="2022-06-09T04:18:02.467" v="8" actId="1076"/>
-          <ac:spMkLst>
-            <pc:docMk/>
-            <pc:sldMk cId="2542386510" sldId="340"/>
-            <ac:spMk id="16" creationId="{71832FED-AA4D-54AF-ACC7-42BAD0453546}"/>
-          </ac:spMkLst>
-        </pc:spChg>
-        <pc:spChg chg="add mod">
-          <ac:chgData name="Manish Sharma" userId="b799adb9ba789c8f" providerId="LiveId" clId="{D10C37F9-2D08-4B3E-9F98-9E9E5C636EAE}" dt="2022-06-09T04:18:02.467" v="8" actId="1076"/>
-          <ac:spMkLst>
-            <pc:docMk/>
-            <pc:sldMk cId="2542386510" sldId="340"/>
-            <ac:spMk id="17" creationId="{72461230-E7FB-1DBF-F9AA-D1999E5D7B48}"/>
-          </ac:spMkLst>
-        </pc:spChg>
-        <pc:spChg chg="add mod">
-          <ac:chgData name="Manish Sharma" userId="b799adb9ba789c8f" providerId="LiveId" clId="{D10C37F9-2D08-4B3E-9F98-9E9E5C636EAE}" dt="2022-06-09T04:19:10.209" v="16" actId="20577"/>
-          <ac:spMkLst>
-            <pc:docMk/>
-            <pc:sldMk cId="2542386510" sldId="340"/>
-            <ac:spMk id="18" creationId="{33987765-33C8-84D5-8FC6-448D0033E546}"/>
-          </ac:spMkLst>
-        </pc:spChg>
-        <pc:spChg chg="add mod">
-          <ac:chgData name="Manish Sharma" userId="b799adb9ba789c8f" providerId="LiveId" clId="{D10C37F9-2D08-4B3E-9F98-9E9E5C636EAE}" dt="2022-06-09T04:19:05.540" v="13" actId="20577"/>
-          <ac:spMkLst>
-            <pc:docMk/>
-            <pc:sldMk cId="2542386510" sldId="340"/>
-            <ac:spMk id="19" creationId="{CB04A768-4D4A-845C-2A5C-A16513A5DE82}"/>
-          </ac:spMkLst>
-        </pc:spChg>
-      </pc:sldChg>
-      <pc:sldChg chg="addSp delSp modSp new mod">
-        <pc:chgData name="Manish Sharma" userId="b799adb9ba789c8f" providerId="LiveId" clId="{D10C37F9-2D08-4B3E-9F98-9E9E5C636EAE}" dt="2022-06-09T05:33:16.229" v="34" actId="1076"/>
-        <pc:sldMkLst>
-          <pc:docMk/>
-          <pc:sldMk cId="2561073876" sldId="341"/>
-        </pc:sldMkLst>
-        <pc:spChg chg="del">
-          <ac:chgData name="Manish Sharma" userId="b799adb9ba789c8f" providerId="LiveId" clId="{D10C37F9-2D08-4B3E-9F98-9E9E5C636EAE}" dt="2022-06-09T04:19:43.757" v="18" actId="478"/>
-          <ac:spMkLst>
-            <pc:docMk/>
-            <pc:sldMk cId="2561073876" sldId="341"/>
-            <ac:spMk id="2" creationId="{3E188D09-D595-3D78-79F3-4D0C41B47D77}"/>
-          </ac:spMkLst>
-        </pc:spChg>
-        <pc:spChg chg="del">
-          <ac:chgData name="Manish Sharma" userId="b799adb9ba789c8f" providerId="LiveId" clId="{D10C37F9-2D08-4B3E-9F98-9E9E5C636EAE}" dt="2022-06-09T04:19:43.757" v="18" actId="478"/>
-          <ac:spMkLst>
-            <pc:docMk/>
-            <pc:sldMk cId="2561073876" sldId="341"/>
-            <ac:spMk id="3" creationId="{1070B6F0-849E-8DFD-B651-7525AE889243}"/>
-          </ac:spMkLst>
-        </pc:spChg>
-        <pc:spChg chg="add mod">
-          <ac:chgData name="Manish Sharma" userId="b799adb9ba789c8f" providerId="LiveId" clId="{D10C37F9-2D08-4B3E-9F98-9E9E5C636EAE}" dt="2022-06-09T04:19:51.360" v="19"/>
-          <ac:spMkLst>
-            <pc:docMk/>
-            <pc:sldMk cId="2561073876" sldId="341"/>
-            <ac:spMk id="4" creationId="{1A8A9570-651B-51A9-2572-4DEE7338C84E}"/>
-          </ac:spMkLst>
-        </pc:spChg>
-        <pc:spChg chg="add mod">
-          <ac:chgData name="Manish Sharma" userId="b799adb9ba789c8f" providerId="LiveId" clId="{D10C37F9-2D08-4B3E-9F98-9E9E5C636EAE}" dt="2022-06-09T04:19:51.360" v="19"/>
-          <ac:spMkLst>
-            <pc:docMk/>
-            <pc:sldMk cId="2561073876" sldId="341"/>
-            <ac:spMk id="5" creationId="{69B3AB90-3C66-5020-7919-1A163EE66A49}"/>
-          </ac:spMkLst>
-        </pc:spChg>
-        <pc:spChg chg="add mod">
-          <ac:chgData name="Manish Sharma" userId="b799adb9ba789c8f" providerId="LiveId" clId="{D10C37F9-2D08-4B3E-9F98-9E9E5C636EAE}" dt="2022-06-09T04:19:51.360" v="19"/>
-          <ac:spMkLst>
-            <pc:docMk/>
-            <pc:sldMk cId="2561073876" sldId="341"/>
-            <ac:spMk id="6" creationId="{C20AEC92-9DC7-6DA8-6A3C-6F1A01C4C11A}"/>
-          </ac:spMkLst>
-        </pc:spChg>
-        <pc:spChg chg="add mod">
-          <ac:chgData name="Manish Sharma" userId="b799adb9ba789c8f" providerId="LiveId" clId="{D10C37F9-2D08-4B3E-9F98-9E9E5C636EAE}" dt="2022-06-09T04:19:51.360" v="19"/>
-          <ac:spMkLst>
-            <pc:docMk/>
-            <pc:sldMk cId="2561073876" sldId="341"/>
-            <ac:spMk id="7" creationId="{8DC1056F-ECCA-C864-830F-FA10804BB085}"/>
-          </ac:spMkLst>
-        </pc:spChg>
-        <pc:spChg chg="add mod">
-          <ac:chgData name="Manish Sharma" userId="b799adb9ba789c8f" providerId="LiveId" clId="{D10C37F9-2D08-4B3E-9F98-9E9E5C636EAE}" dt="2022-06-09T04:19:51.360" v="19"/>
-          <ac:spMkLst>
-            <pc:docMk/>
-            <pc:sldMk cId="2561073876" sldId="341"/>
-            <ac:spMk id="9" creationId="{EA00F428-2955-212B-2421-3FE7559E53CD}"/>
-          </ac:spMkLst>
-        </pc:spChg>
-        <pc:spChg chg="add mod">
-          <ac:chgData name="Manish Sharma" userId="b799adb9ba789c8f" providerId="LiveId" clId="{D10C37F9-2D08-4B3E-9F98-9E9E5C636EAE}" dt="2022-06-09T04:19:51.360" v="19"/>
-          <ac:spMkLst>
-            <pc:docMk/>
-            <pc:sldMk cId="2561073876" sldId="341"/>
-            <ac:spMk id="11" creationId="{DBDD2ACA-2415-FFC1-B43E-E5FE1EF79747}"/>
-          </ac:spMkLst>
-        </pc:spChg>
-        <pc:spChg chg="add mod">
-          <ac:chgData name="Manish Sharma" userId="b799adb9ba789c8f" providerId="LiveId" clId="{D10C37F9-2D08-4B3E-9F98-9E9E5C636EAE}" dt="2022-06-09T04:19:51.360" v="19"/>
-          <ac:spMkLst>
-            <pc:docMk/>
-            <pc:sldMk cId="2561073876" sldId="341"/>
-            <ac:spMk id="13" creationId="{B8DCBF08-9AC9-20AE-7EFF-47B61B3C3E25}"/>
-          </ac:spMkLst>
-        </pc:spChg>
-        <pc:spChg chg="add mod">
-          <ac:chgData name="Manish Sharma" userId="b799adb9ba789c8f" providerId="LiveId" clId="{D10C37F9-2D08-4B3E-9F98-9E9E5C636EAE}" dt="2022-06-09T04:19:51.360" v="19"/>
-          <ac:spMkLst>
-            <pc:docMk/>
-            <pc:sldMk cId="2561073876" sldId="341"/>
-            <ac:spMk id="14" creationId="{5FEAA005-7A4F-5843-8FE4-4702E641CCE5}"/>
-          </ac:spMkLst>
-        </pc:spChg>
-        <pc:spChg chg="add mod">
-          <ac:chgData name="Manish Sharma" userId="b799adb9ba789c8f" providerId="LiveId" clId="{D10C37F9-2D08-4B3E-9F98-9E9E5C636EAE}" dt="2022-06-09T04:19:51.360" v="19"/>
-          <ac:spMkLst>
-            <pc:docMk/>
-            <pc:sldMk cId="2561073876" sldId="341"/>
-            <ac:spMk id="16" creationId="{0B9B6ABE-46E0-CF32-A7D6-2020A3806BB9}"/>
-          </ac:spMkLst>
-        </pc:spChg>
-        <pc:spChg chg="add mod">
-          <ac:chgData name="Manish Sharma" userId="b799adb9ba789c8f" providerId="LiveId" clId="{D10C37F9-2D08-4B3E-9F98-9E9E5C636EAE}" dt="2022-06-09T05:33:16.229" v="34" actId="1076"/>
-          <ac:spMkLst>
-            <pc:docMk/>
-            <pc:sldMk cId="2561073876" sldId="341"/>
-            <ac:spMk id="17" creationId="{68903E04-6BA9-7414-486B-A54B8EB3345E}"/>
-          </ac:spMkLst>
-        </pc:spChg>
-        <pc:spChg chg="add mod">
-          <ac:chgData name="Manish Sharma" userId="b799adb9ba789c8f" providerId="LiveId" clId="{D10C37F9-2D08-4B3E-9F98-9E9E5C636EAE}" dt="2022-06-09T05:33:16.229" v="34" actId="1076"/>
-          <ac:spMkLst>
-            <pc:docMk/>
-            <pc:sldMk cId="2561073876" sldId="341"/>
-            <ac:spMk id="18" creationId="{16338F6C-8633-F0DB-8297-223CC84E74BE}"/>
-          </ac:spMkLst>
-        </pc:spChg>
-        <pc:spChg chg="add mod">
-          <ac:chgData name="Manish Sharma" userId="b799adb9ba789c8f" providerId="LiveId" clId="{D10C37F9-2D08-4B3E-9F98-9E9E5C636EAE}" dt="2022-06-09T05:33:16.229" v="34" actId="1076"/>
-          <ac:spMkLst>
-            <pc:docMk/>
-            <pc:sldMk cId="2561073876" sldId="341"/>
-            <ac:spMk id="19" creationId="{F5944A70-AFBE-9F5B-D2ED-BF8FC0296251}"/>
-          </ac:spMkLst>
-        </pc:spChg>
-        <pc:spChg chg="add mod">
-          <ac:chgData name="Manish Sharma" userId="b799adb9ba789c8f" providerId="LiveId" clId="{D10C37F9-2D08-4B3E-9F98-9E9E5C636EAE}" dt="2022-06-09T05:33:16.229" v="34" actId="1076"/>
-          <ac:spMkLst>
-            <pc:docMk/>
-            <pc:sldMk cId="2561073876" sldId="341"/>
-            <ac:spMk id="20" creationId="{CA85AD28-10A5-25FF-F21E-95A4665AC8AD}"/>
-          </ac:spMkLst>
-        </pc:spChg>
-        <pc:spChg chg="add mod">
-          <ac:chgData name="Manish Sharma" userId="b799adb9ba789c8f" providerId="LiveId" clId="{D10C37F9-2D08-4B3E-9F98-9E9E5C636EAE}" dt="2022-06-09T05:33:16.229" v="34" actId="1076"/>
-          <ac:spMkLst>
-            <pc:docMk/>
-            <pc:sldMk cId="2561073876" sldId="341"/>
-            <ac:spMk id="22" creationId="{904DE00A-6BE0-4ADD-598E-DAC8F2341621}"/>
-          </ac:spMkLst>
-        </pc:spChg>
-        <pc:spChg chg="add mod">
-          <ac:chgData name="Manish Sharma" userId="b799adb9ba789c8f" providerId="LiveId" clId="{D10C37F9-2D08-4B3E-9F98-9E9E5C636EAE}" dt="2022-06-09T05:33:16.229" v="34" actId="1076"/>
-          <ac:spMkLst>
-            <pc:docMk/>
-            <pc:sldMk cId="2561073876" sldId="341"/>
-            <ac:spMk id="24" creationId="{468593D2-5E22-D2AB-54FE-3A103A0D4C51}"/>
-          </ac:spMkLst>
-        </pc:spChg>
-        <pc:spChg chg="add mod">
-          <ac:chgData name="Manish Sharma" userId="b799adb9ba789c8f" providerId="LiveId" clId="{D10C37F9-2D08-4B3E-9F98-9E9E5C636EAE}" dt="2022-06-09T05:33:16.229" v="34" actId="1076"/>
-          <ac:spMkLst>
-            <pc:docMk/>
-            <pc:sldMk cId="2561073876" sldId="341"/>
-            <ac:spMk id="26" creationId="{4614B5DC-C52F-3BE2-250B-DF48CA27B758}"/>
-          </ac:spMkLst>
-        </pc:spChg>
-        <pc:spChg chg="add mod">
-          <ac:chgData name="Manish Sharma" userId="b799adb9ba789c8f" providerId="LiveId" clId="{D10C37F9-2D08-4B3E-9F98-9E9E5C636EAE}" dt="2022-06-09T05:33:16.229" v="34" actId="1076"/>
-          <ac:spMkLst>
-            <pc:docMk/>
-            <pc:sldMk cId="2561073876" sldId="341"/>
-            <ac:spMk id="27" creationId="{35A3A814-84EA-4531-3199-BC00E099685D}"/>
-          </ac:spMkLst>
-        </pc:spChg>
-        <pc:spChg chg="add mod">
-          <ac:chgData name="Manish Sharma" userId="b799adb9ba789c8f" providerId="LiveId" clId="{D10C37F9-2D08-4B3E-9F98-9E9E5C636EAE}" dt="2022-06-09T05:33:16.229" v="34" actId="1076"/>
-          <ac:spMkLst>
-            <pc:docMk/>
-            <pc:sldMk cId="2561073876" sldId="341"/>
-            <ac:spMk id="29" creationId="{0BBBD26F-C4FC-AF86-FDF9-834DE29EFD7D}"/>
-          </ac:spMkLst>
-        </pc:spChg>
-        <pc:spChg chg="add mod">
-          <ac:chgData name="Manish Sharma" userId="b799adb9ba789c8f" providerId="LiveId" clId="{D10C37F9-2D08-4B3E-9F98-9E9E5C636EAE}" dt="2022-06-09T05:33:16.229" v="34" actId="1076"/>
-          <ac:spMkLst>
-            <pc:docMk/>
-            <pc:sldMk cId="2561073876" sldId="341"/>
-            <ac:spMk id="30" creationId="{224993EB-F85F-B568-3750-8F1DC8228F01}"/>
-          </ac:spMkLst>
-        </pc:spChg>
-        <pc:spChg chg="add mod">
-          <ac:chgData name="Manish Sharma" userId="b799adb9ba789c8f" providerId="LiveId" clId="{D10C37F9-2D08-4B3E-9F98-9E9E5C636EAE}" dt="2022-06-09T05:33:00.363" v="33"/>
-          <ac:spMkLst>
-            <pc:docMk/>
-            <pc:sldMk cId="2561073876" sldId="341"/>
-            <ac:spMk id="31" creationId="{22075DC4-F2CD-500C-7E71-6174B64A5203}"/>
-          </ac:spMkLst>
-        </pc:spChg>
-        <pc:cxnChg chg="add mod">
-          <ac:chgData name="Manish Sharma" userId="b799adb9ba789c8f" providerId="LiveId" clId="{D10C37F9-2D08-4B3E-9F98-9E9E5C636EAE}" dt="2022-06-09T04:19:51.360" v="19"/>
-          <ac:cxnSpMkLst>
-            <pc:docMk/>
-            <pc:sldMk cId="2561073876" sldId="341"/>
-            <ac:cxnSpMk id="8" creationId="{AF0D2276-5F1E-2918-0C9F-3FB6ECA7EAC4}"/>
-          </ac:cxnSpMkLst>
-        </pc:cxnChg>
-        <pc:cxnChg chg="add mod">
-          <ac:chgData name="Manish Sharma" userId="b799adb9ba789c8f" providerId="LiveId" clId="{D10C37F9-2D08-4B3E-9F98-9E9E5C636EAE}" dt="2022-06-09T04:19:51.360" v="19"/>
-          <ac:cxnSpMkLst>
-            <pc:docMk/>
-            <pc:sldMk cId="2561073876" sldId="341"/>
-            <ac:cxnSpMk id="10" creationId="{7D2D035D-4D05-A8A6-9625-2355BE7B93EE}"/>
-          </ac:cxnSpMkLst>
-        </pc:cxnChg>
-        <pc:cxnChg chg="add mod">
-          <ac:chgData name="Manish Sharma" userId="b799adb9ba789c8f" providerId="LiveId" clId="{D10C37F9-2D08-4B3E-9F98-9E9E5C636EAE}" dt="2022-06-09T04:19:51.360" v="19"/>
-          <ac:cxnSpMkLst>
-            <pc:docMk/>
-            <pc:sldMk cId="2561073876" sldId="341"/>
-            <ac:cxnSpMk id="12" creationId="{98BAFE4B-321D-6491-E5B5-F6C6444BFA5E}"/>
-          </ac:cxnSpMkLst>
-        </pc:cxnChg>
-        <pc:cxnChg chg="add mod">
-          <ac:chgData name="Manish Sharma" userId="b799adb9ba789c8f" providerId="LiveId" clId="{D10C37F9-2D08-4B3E-9F98-9E9E5C636EAE}" dt="2022-06-09T04:19:51.360" v="19"/>
-          <ac:cxnSpMkLst>
-            <pc:docMk/>
-            <pc:sldMk cId="2561073876" sldId="341"/>
-            <ac:cxnSpMk id="15" creationId="{48EF03A6-FCA4-0F6A-5714-C117B114442F}"/>
-          </ac:cxnSpMkLst>
-        </pc:cxnChg>
-        <pc:cxnChg chg="add mod">
-          <ac:chgData name="Manish Sharma" userId="b799adb9ba789c8f" providerId="LiveId" clId="{D10C37F9-2D08-4B3E-9F98-9E9E5C636EAE}" dt="2022-06-09T05:33:16.229" v="34" actId="1076"/>
-          <ac:cxnSpMkLst>
-            <pc:docMk/>
-            <pc:sldMk cId="2561073876" sldId="341"/>
-            <ac:cxnSpMk id="21" creationId="{D6D44A9F-EAD4-EE1C-9AF7-440DE3BF63B9}"/>
-          </ac:cxnSpMkLst>
-        </pc:cxnChg>
-        <pc:cxnChg chg="add mod">
-          <ac:chgData name="Manish Sharma" userId="b799adb9ba789c8f" providerId="LiveId" clId="{D10C37F9-2D08-4B3E-9F98-9E9E5C636EAE}" dt="2022-06-09T05:33:16.229" v="34" actId="1076"/>
-          <ac:cxnSpMkLst>
-            <pc:docMk/>
-            <pc:sldMk cId="2561073876" sldId="341"/>
-            <ac:cxnSpMk id="23" creationId="{0D06FF48-5E8B-B598-6F8D-0D9E2E6DD724}"/>
-          </ac:cxnSpMkLst>
-        </pc:cxnChg>
-        <pc:cxnChg chg="add mod">
-          <ac:chgData name="Manish Sharma" userId="b799adb9ba789c8f" providerId="LiveId" clId="{D10C37F9-2D08-4B3E-9F98-9E9E5C636EAE}" dt="2022-06-09T05:33:16.229" v="34" actId="1076"/>
-          <ac:cxnSpMkLst>
-            <pc:docMk/>
-            <pc:sldMk cId="2561073876" sldId="341"/>
-            <ac:cxnSpMk id="25" creationId="{E750D84E-1ECB-27AF-4959-3DF56F5DE20D}"/>
-          </ac:cxnSpMkLst>
-        </pc:cxnChg>
-        <pc:cxnChg chg="add mod">
-          <ac:chgData name="Manish Sharma" userId="b799adb9ba789c8f" providerId="LiveId" clId="{D10C37F9-2D08-4B3E-9F98-9E9E5C636EAE}" dt="2022-06-09T05:33:16.229" v="34" actId="1076"/>
-          <ac:cxnSpMkLst>
-            <pc:docMk/>
-            <pc:sldMk cId="2561073876" sldId="341"/>
-            <ac:cxnSpMk id="28" creationId="{77C32497-9746-6758-D095-4B61181D89CB}"/>
-          </ac:cxnSpMkLst>
-        </pc:cxnChg>
-      </pc:sldChg>
-      <pc:sldChg chg="modSp new mod">
-        <pc:chgData name="Manish Sharma" userId="b799adb9ba789c8f" providerId="LiveId" clId="{D10C37F9-2D08-4B3E-9F98-9E9E5C636EAE}" dt="2022-06-09T04:45:11.116" v="23"/>
-        <pc:sldMkLst>
-          <pc:docMk/>
-          <pc:sldMk cId="2776938112" sldId="342"/>
-        </pc:sldMkLst>
-        <pc:spChg chg="mod">
-          <ac:chgData name="Manish Sharma" userId="b799adb9ba789c8f" providerId="LiveId" clId="{D10C37F9-2D08-4B3E-9F98-9E9E5C636EAE}" dt="2022-06-09T04:29:35.577" v="21"/>
-          <ac:spMkLst>
-            <pc:docMk/>
-            <pc:sldMk cId="2776938112" sldId="342"/>
-            <ac:spMk id="2" creationId="{62FC18C4-3290-3D2C-C5CA-47CA5FE00614}"/>
-          </ac:spMkLst>
-        </pc:spChg>
-        <pc:spChg chg="mod">
-          <ac:chgData name="Manish Sharma" userId="b799adb9ba789c8f" providerId="LiveId" clId="{D10C37F9-2D08-4B3E-9F98-9E9E5C636EAE}" dt="2022-06-09T04:45:11.116" v="23"/>
-          <ac:spMkLst>
-            <pc:docMk/>
-            <pc:sldMk cId="2776938112" sldId="342"/>
-            <ac:spMk id="3" creationId="{202C4CA0-1793-4C22-9606-A23F8E597CE6}"/>
-          </ac:spMkLst>
-        </pc:spChg>
-      </pc:sldChg>
-      <pc:sldChg chg="add">
-        <pc:chgData name="Manish Sharma" userId="b799adb9ba789c8f" providerId="LiveId" clId="{D10C37F9-2D08-4B3E-9F98-9E9E5C636EAE}" dt="2022-06-09T05:07:46.631" v="24"/>
-        <pc:sldMkLst>
-          <pc:docMk/>
-          <pc:sldMk cId="3993440468" sldId="343"/>
-        </pc:sldMkLst>
-      </pc:sldChg>
-      <pc:sldChg chg="new del">
-        <pc:chgData name="Manish Sharma" userId="b799adb9ba789c8f" providerId="LiveId" clId="{D10C37F9-2D08-4B3E-9F98-9E9E5C636EAE}" dt="2022-06-09T05:09:27.624" v="27" actId="47"/>
-        <pc:sldMkLst>
-          <pc:docMk/>
-          <pc:sldMk cId="723900887" sldId="344"/>
-        </pc:sldMkLst>
-      </pc:sldChg>
-      <pc:sldChg chg="add">
-        <pc:chgData name="Manish Sharma" userId="b799adb9ba789c8f" providerId="LiveId" clId="{D10C37F9-2D08-4B3E-9F98-9E9E5C636EAE}" dt="2022-06-09T05:09:25.628" v="26"/>
-        <pc:sldMkLst>
-          <pc:docMk/>
-          <pc:sldMk cId="4180571744" sldId="345"/>
-        </pc:sldMkLst>
-      </pc:sldChg>
-      <pc:sldChg chg="add">
-        <pc:chgData name="Manish Sharma" userId="b799adb9ba789c8f" providerId="LiveId" clId="{D10C37F9-2D08-4B3E-9F98-9E9E5C636EAE}" dt="2022-06-09T10:12:54.778" v="38"/>
-        <pc:sldMkLst>
-          <pc:docMk/>
-          <pc:sldMk cId="995173291" sldId="346"/>
-        </pc:sldMkLst>
-      </pc:sldChg>
-      <pc:sldChg chg="add">
-        <pc:chgData name="Manish Sharma" userId="b799adb9ba789c8f" providerId="LiveId" clId="{D10C37F9-2D08-4B3E-9F98-9E9E5C636EAE}" dt="2022-06-09T10:12:54.778" v="38"/>
-        <pc:sldMkLst>
-          <pc:docMk/>
-          <pc:sldMk cId="2033417303" sldId="347"/>
-        </pc:sldMkLst>
-      </pc:sldChg>
-      <pc:sldChg chg="modSp new mod">
-        <pc:chgData name="Manish Sharma" userId="b799adb9ba789c8f" providerId="LiveId" clId="{D10C37F9-2D08-4B3E-9F98-9E9E5C636EAE}" dt="2022-06-09T11:05:18.403" v="240" actId="20577"/>
-        <pc:sldMkLst>
-          <pc:docMk/>
-          <pc:sldMk cId="3813401604" sldId="348"/>
-        </pc:sldMkLst>
-        <pc:spChg chg="mod">
-          <ac:chgData name="Manish Sharma" userId="b799adb9ba789c8f" providerId="LiveId" clId="{D10C37F9-2D08-4B3E-9F98-9E9E5C636EAE}" dt="2022-06-09T11:02:40.426" v="98" actId="20577"/>
-          <ac:spMkLst>
-            <pc:docMk/>
-            <pc:sldMk cId="3813401604" sldId="348"/>
-            <ac:spMk id="2" creationId="{66961DA8-83BA-A6B5-2C08-E6AFA0E71421}"/>
-          </ac:spMkLst>
-        </pc:spChg>
-        <pc:spChg chg="mod">
-          <ac:chgData name="Manish Sharma" userId="b799adb9ba789c8f" providerId="LiveId" clId="{D10C37F9-2D08-4B3E-9F98-9E9E5C636EAE}" dt="2022-06-09T11:05:18.403" v="240" actId="20577"/>
-          <ac:spMkLst>
-            <pc:docMk/>
-            <pc:sldMk cId="3813401604" sldId="348"/>
-            <ac:spMk id="3" creationId="{5D85F295-DC90-6AAF-F01D-5F34C3200302}"/>
-          </ac:spMkLst>
-        </pc:spChg>
-      </pc:sldChg>
-      <pc:sldChg chg="add">
-        <pc:chgData name="Manish Sharma" userId="b799adb9ba789c8f" providerId="LiveId" clId="{D10C37F9-2D08-4B3E-9F98-9E9E5C636EAE}" dt="2022-06-10T10:18:21.793" v="253"/>
-        <pc:sldMkLst>
-          <pc:docMk/>
-          <pc:sldMk cId="3787089593" sldId="358"/>
-        </pc:sldMkLst>
-      </pc:sldChg>
-      <pc:sldChg chg="add">
-        <pc:chgData name="Manish Sharma" userId="b799adb9ba789c8f" providerId="LiveId" clId="{D10C37F9-2D08-4B3E-9F98-9E9E5C636EAE}" dt="2022-06-10T10:18:21.793" v="253"/>
-        <pc:sldMkLst>
-          <pc:docMk/>
-          <pc:sldMk cId="945998607" sldId="359"/>
-        </pc:sldMkLst>
-      </pc:sldChg>
-      <pc:sldChg chg="modSp add mod">
-        <pc:chgData name="Manish Sharma" userId="b799adb9ba789c8f" providerId="LiveId" clId="{D10C37F9-2D08-4B3E-9F98-9E9E5C636EAE}" dt="2022-06-10T10:20:15.050" v="255" actId="113"/>
-        <pc:sldMkLst>
-          <pc:docMk/>
-          <pc:sldMk cId="972214110" sldId="360"/>
-        </pc:sldMkLst>
-        <pc:spChg chg="mod">
-          <ac:chgData name="Manish Sharma" userId="b799adb9ba789c8f" providerId="LiveId" clId="{D10C37F9-2D08-4B3E-9F98-9E9E5C636EAE}" dt="2022-06-10T10:20:15.050" v="255" actId="113"/>
-          <ac:spMkLst>
-            <pc:docMk/>
-            <pc:sldMk cId="972214110" sldId="360"/>
-            <ac:spMk id="3" creationId="{2041B854-E941-442F-BCFC-BDC1F7F4FC04}"/>
-          </ac:spMkLst>
-        </pc:spChg>
-      </pc:sldChg>
-      <pc:sldChg chg="add">
-        <pc:chgData name="Manish Sharma" userId="b799adb9ba789c8f" providerId="LiveId" clId="{D10C37F9-2D08-4B3E-9F98-9E9E5C636EAE}" dt="2022-06-10T10:42:01.397" v="256"/>
-        <pc:sldMkLst>
-          <pc:docMk/>
-          <pc:sldMk cId="3959681348" sldId="362"/>
-        </pc:sldMkLst>
-      </pc:sldChg>
-      <pc:sldChg chg="add">
-        <pc:chgData name="Manish Sharma" userId="b799adb9ba789c8f" providerId="LiveId" clId="{D10C37F9-2D08-4B3E-9F98-9E9E5C636EAE}" dt="2022-06-10T11:29:44.202" v="696"/>
-        <pc:sldMkLst>
-          <pc:docMk/>
-          <pc:sldMk cId="3963583470" sldId="363"/>
-        </pc:sldMkLst>
-      </pc:sldChg>
-      <pc:sldChg chg="add">
-        <pc:chgData name="Manish Sharma" userId="b799adb9ba789c8f" providerId="LiveId" clId="{D10C37F9-2D08-4B3E-9F98-9E9E5C636EAE}" dt="2022-06-10T10:00:30.594" v="251"/>
-        <pc:sldMkLst>
-          <pc:docMk/>
-          <pc:sldMk cId="3826694408" sldId="430"/>
-        </pc:sldMkLst>
-      </pc:sldChg>
-      <pc:sldChg chg="addSp delSp modSp new mod">
-        <pc:chgData name="Manish Sharma" userId="b799adb9ba789c8f" providerId="LiveId" clId="{D10C37F9-2D08-4B3E-9F98-9E9E5C636EAE}" dt="2022-06-10T10:46:46.169" v="305" actId="1076"/>
-        <pc:sldMkLst>
-          <pc:docMk/>
-          <pc:sldMk cId="1918785350" sldId="431"/>
-        </pc:sldMkLst>
-        <pc:spChg chg="del">
-          <ac:chgData name="Manish Sharma" userId="b799adb9ba789c8f" providerId="LiveId" clId="{D10C37F9-2D08-4B3E-9F98-9E9E5C636EAE}" dt="2022-06-10T10:42:51.386" v="258" actId="478"/>
-          <ac:spMkLst>
-            <pc:docMk/>
-            <pc:sldMk cId="1918785350" sldId="431"/>
-            <ac:spMk id="2" creationId="{E2500D22-BF1A-424A-B9EE-90375D326BEB}"/>
-          </ac:spMkLst>
-        </pc:spChg>
-        <pc:spChg chg="del">
-          <ac:chgData name="Manish Sharma" userId="b799adb9ba789c8f" providerId="LiveId" clId="{D10C37F9-2D08-4B3E-9F98-9E9E5C636EAE}" dt="2022-06-10T10:42:51.386" v="258" actId="478"/>
-          <ac:spMkLst>
-            <pc:docMk/>
-            <pc:sldMk cId="1918785350" sldId="431"/>
-            <ac:spMk id="3" creationId="{E35F8BCB-29B9-4455-46A2-53335082FC1A}"/>
-          </ac:spMkLst>
-        </pc:spChg>
-        <pc:spChg chg="add mod">
-          <ac:chgData name="Manish Sharma" userId="b799adb9ba789c8f" providerId="LiveId" clId="{D10C37F9-2D08-4B3E-9F98-9E9E5C636EAE}" dt="2022-06-10T10:43:01.819" v="259"/>
-          <ac:spMkLst>
-            <pc:docMk/>
-            <pc:sldMk cId="1918785350" sldId="431"/>
-            <ac:spMk id="4" creationId="{4FBEC540-ECDC-DB58-6BE9-0BA37EAFB19C}"/>
-          </ac:spMkLst>
-        </pc:spChg>
-        <pc:spChg chg="add mod">
-          <ac:chgData name="Manish Sharma" userId="b799adb9ba789c8f" providerId="LiveId" clId="{D10C37F9-2D08-4B3E-9F98-9E9E5C636EAE}" dt="2022-06-10T10:43:01.819" v="259"/>
-          <ac:spMkLst>
-            <pc:docMk/>
-            <pc:sldMk cId="1918785350" sldId="431"/>
-            <ac:spMk id="6" creationId="{2A250A11-8B3D-F95B-9ABB-98B8797B5B29}"/>
-          </ac:spMkLst>
-        </pc:spChg>
-        <pc:spChg chg="add mod">
-          <ac:chgData name="Manish Sharma" userId="b799adb9ba789c8f" providerId="LiveId" clId="{D10C37F9-2D08-4B3E-9F98-9E9E5C636EAE}" dt="2022-06-10T10:43:01.819" v="259"/>
-          <ac:spMkLst>
-            <pc:docMk/>
-            <pc:sldMk cId="1918785350" sldId="431"/>
-            <ac:spMk id="7" creationId="{6C04B194-D337-8C3C-6B45-3C1DA0244243}"/>
-          </ac:spMkLst>
-        </pc:spChg>
-        <pc:spChg chg="add mod">
-          <ac:chgData name="Manish Sharma" userId="b799adb9ba789c8f" providerId="LiveId" clId="{D10C37F9-2D08-4B3E-9F98-9E9E5C636EAE}" dt="2022-06-10T10:43:32.925" v="275" actId="1076"/>
-          <ac:spMkLst>
-            <pc:docMk/>
-            <pc:sldMk cId="1918785350" sldId="431"/>
-            <ac:spMk id="8" creationId="{A8448817-2EF7-DED5-C31D-F8AB70584B43}"/>
-          </ac:spMkLst>
-        </pc:spChg>
-        <pc:spChg chg="add mod">
-          <ac:chgData name="Manish Sharma" userId="b799adb9ba789c8f" providerId="LiveId" clId="{D10C37F9-2D08-4B3E-9F98-9E9E5C636EAE}" dt="2022-06-10T10:43:43.552" v="276"/>
-          <ac:spMkLst>
-            <pc:docMk/>
-            <pc:sldMk cId="1918785350" sldId="431"/>
-            <ac:spMk id="10" creationId="{61DD16CA-E6BB-F5B2-6F3D-EE96EF1B33A8}"/>
-          </ac:spMkLst>
-        </pc:spChg>
-        <pc:spChg chg="add mod">
-          <ac:chgData name="Manish Sharma" userId="b799adb9ba789c8f" providerId="LiveId" clId="{D10C37F9-2D08-4B3E-9F98-9E9E5C636EAE}" dt="2022-06-10T10:43:43.552" v="276"/>
-          <ac:spMkLst>
-            <pc:docMk/>
-            <pc:sldMk cId="1918785350" sldId="431"/>
-            <ac:spMk id="11" creationId="{A37DCC47-003D-60F6-1A9F-7FD373E79B4A}"/>
-          </ac:spMkLst>
-        </pc:spChg>
-        <pc:spChg chg="add mod">
-          <ac:chgData name="Manish Sharma" userId="b799adb9ba789c8f" providerId="LiveId" clId="{D10C37F9-2D08-4B3E-9F98-9E9E5C636EAE}" dt="2022-06-10T10:44:05.282" v="277"/>
-          <ac:spMkLst>
-            <pc:docMk/>
-            <pc:sldMk cId="1918785350" sldId="431"/>
-            <ac:spMk id="13" creationId="{51DEEF53-7F00-A82E-6175-0B62954FE448}"/>
-          </ac:spMkLst>
-        </pc:spChg>
-        <pc:spChg chg="add mod">
-          <ac:chgData name="Manish Sharma" userId="b799adb9ba789c8f" providerId="LiveId" clId="{D10C37F9-2D08-4B3E-9F98-9E9E5C636EAE}" dt="2022-06-10T10:44:05.282" v="277"/>
-          <ac:spMkLst>
-            <pc:docMk/>
-            <pc:sldMk cId="1918785350" sldId="431"/>
-            <ac:spMk id="14" creationId="{0FDF58FD-2BB0-7C1C-2247-F1CBE3EA98B0}"/>
-          </ac:spMkLst>
-        </pc:spChg>
-        <pc:spChg chg="add mod">
-          <ac:chgData name="Manish Sharma" userId="b799adb9ba789c8f" providerId="LiveId" clId="{D10C37F9-2D08-4B3E-9F98-9E9E5C636EAE}" dt="2022-06-10T10:44:16.592" v="278"/>
-          <ac:spMkLst>
-            <pc:docMk/>
-            <pc:sldMk cId="1918785350" sldId="431"/>
-            <ac:spMk id="15" creationId="{9DBF22B1-656D-8258-0252-BEB79F913831}"/>
-          </ac:spMkLst>
-        </pc:spChg>
-        <pc:spChg chg="add mod">
-          <ac:chgData name="Manish Sharma" userId="b799adb9ba789c8f" providerId="LiveId" clId="{D10C37F9-2D08-4B3E-9F98-9E9E5C636EAE}" dt="2022-06-10T10:44:29.521" v="279"/>
-          <ac:spMkLst>
-            <pc:docMk/>
-            <pc:sldMk cId="1918785350" sldId="431"/>
-            <ac:spMk id="17" creationId="{6C872A65-67A4-F8CC-60D6-645EEBD2F831}"/>
-          </ac:spMkLst>
-        </pc:spChg>
-        <pc:spChg chg="add mod">
-          <ac:chgData name="Manish Sharma" userId="b799adb9ba789c8f" providerId="LiveId" clId="{D10C37F9-2D08-4B3E-9F98-9E9E5C636EAE}" dt="2022-06-10T10:44:29.521" v="279"/>
-          <ac:spMkLst>
-            <pc:docMk/>
-            <pc:sldMk cId="1918785350" sldId="431"/>
-            <ac:spMk id="19" creationId="{D63D2DCE-89B6-CF9E-80F2-283B44B81D65}"/>
-          </ac:spMkLst>
-        </pc:spChg>
-        <pc:spChg chg="add mod">
-          <ac:chgData name="Manish Sharma" userId="b799adb9ba789c8f" providerId="LiveId" clId="{D10C37F9-2D08-4B3E-9F98-9E9E5C636EAE}" dt="2022-06-10T10:44:41.139" v="280"/>
-          <ac:spMkLst>
-            <pc:docMk/>
-            <pc:sldMk cId="1918785350" sldId="431"/>
-            <ac:spMk id="20" creationId="{DD807064-7A4D-8563-F87A-69DE44D16511}"/>
-          </ac:spMkLst>
-        </pc:spChg>
-        <pc:spChg chg="add mod">
-          <ac:chgData name="Manish Sharma" userId="b799adb9ba789c8f" providerId="LiveId" clId="{D10C37F9-2D08-4B3E-9F98-9E9E5C636EAE}" dt="2022-06-10T10:45:19.178" v="281"/>
-          <ac:spMkLst>
-            <pc:docMk/>
-            <pc:sldMk cId="1918785350" sldId="431"/>
-            <ac:spMk id="24" creationId="{A08B9B41-0D92-630C-7246-8868D2049291}"/>
-          </ac:spMkLst>
-        </pc:spChg>
-        <pc:spChg chg="add mod">
-          <ac:chgData name="Manish Sharma" userId="b799adb9ba789c8f" providerId="LiveId" clId="{D10C37F9-2D08-4B3E-9F98-9E9E5C636EAE}" dt="2022-06-10T10:45:24.856" v="282" actId="1076"/>
-          <ac:spMkLst>
-            <pc:docMk/>
-            <pc:sldMk cId="1918785350" sldId="431"/>
-            <ac:spMk id="25" creationId="{52E09495-81D5-0B31-3486-BA1DD5BE42D8}"/>
-          </ac:spMkLst>
-        </pc:spChg>
-        <pc:spChg chg="add mod">
-          <ac:chgData name="Manish Sharma" userId="b799adb9ba789c8f" providerId="LiveId" clId="{D10C37F9-2D08-4B3E-9F98-9E9E5C636EAE}" dt="2022-06-10T10:45:35.888" v="283"/>
-          <ac:spMkLst>
-            <pc:docMk/>
-            <pc:sldMk cId="1918785350" sldId="431"/>
-            <ac:spMk id="27" creationId="{472AC864-0712-F79B-4055-6F1713D5E698}"/>
-          </ac:spMkLst>
-        </pc:spChg>
-        <pc:spChg chg="add mod">
-          <ac:chgData name="Manish Sharma" userId="b799adb9ba789c8f" providerId="LiveId" clId="{D10C37F9-2D08-4B3E-9F98-9E9E5C636EAE}" dt="2022-06-10T10:45:35.888" v="283"/>
-          <ac:spMkLst>
-            <pc:docMk/>
-            <pc:sldMk cId="1918785350" sldId="431"/>
-            <ac:spMk id="28" creationId="{62BC6ECE-3C84-DCBA-E974-BF40C16CC7E4}"/>
-          </ac:spMkLst>
-        </pc:spChg>
-        <pc:spChg chg="add mod">
-          <ac:chgData name="Manish Sharma" userId="b799adb9ba789c8f" providerId="LiveId" clId="{D10C37F9-2D08-4B3E-9F98-9E9E5C636EAE}" dt="2022-06-10T10:45:51.300" v="284"/>
-          <ac:spMkLst>
-            <pc:docMk/>
-            <pc:sldMk cId="1918785350" sldId="431"/>
-            <ac:spMk id="29" creationId="{B5B300AB-C65E-0E83-A39D-9080DA0A42DE}"/>
-          </ac:spMkLst>
-        </pc:spChg>
-        <pc:spChg chg="add mod">
-          <ac:chgData name="Manish Sharma" userId="b799adb9ba789c8f" providerId="LiveId" clId="{D10C37F9-2D08-4B3E-9F98-9E9E5C636EAE}" dt="2022-06-10T10:46:09.121" v="286" actId="1076"/>
-          <ac:spMkLst>
-            <pc:docMk/>
-            <pc:sldMk cId="1918785350" sldId="431"/>
-            <ac:spMk id="30" creationId="{4D1F6E07-C942-F689-5392-BB33099AF484}"/>
-          </ac:spMkLst>
-        </pc:spChg>
-        <pc:spChg chg="add mod">
-          <ac:chgData name="Manish Sharma" userId="b799adb9ba789c8f" providerId="LiveId" clId="{D10C37F9-2D08-4B3E-9F98-9E9E5C636EAE}" dt="2022-06-10T10:46:46.169" v="305" actId="1076"/>
-          <ac:spMkLst>
-            <pc:docMk/>
-            <pc:sldMk cId="1918785350" sldId="431"/>
-            <ac:spMk id="31" creationId="{20539268-E880-CC77-2D08-237B16D16425}"/>
-          </ac:spMkLst>
-        </pc:spChg>
-        <pc:cxnChg chg="add mod">
-          <ac:chgData name="Manish Sharma" userId="b799adb9ba789c8f" providerId="LiveId" clId="{D10C37F9-2D08-4B3E-9F98-9E9E5C636EAE}" dt="2022-06-10T10:43:01.819" v="259"/>
-          <ac:cxnSpMkLst>
-            <pc:docMk/>
-            <pc:sldMk cId="1918785350" sldId="431"/>
-            <ac:cxnSpMk id="5" creationId="{714BEAEE-73DF-7E83-6939-EEEC823EBB5C}"/>
-          </ac:cxnSpMkLst>
-        </pc:cxnChg>
-        <pc:cxnChg chg="add mod">
-          <ac:chgData name="Manish Sharma" userId="b799adb9ba789c8f" providerId="LiveId" clId="{D10C37F9-2D08-4B3E-9F98-9E9E5C636EAE}" dt="2022-06-10T10:43:43.552" v="276"/>
-          <ac:cxnSpMkLst>
-            <pc:docMk/>
-            <pc:sldMk cId="1918785350" sldId="431"/>
-            <ac:cxnSpMk id="9" creationId="{EF601F36-5CD2-5F61-A4B8-7E71AA84500E}"/>
-          </ac:cxnSpMkLst>
-        </pc:cxnChg>
-        <pc:cxnChg chg="add mod">
-          <ac:chgData name="Manish Sharma" userId="b799adb9ba789c8f" providerId="LiveId" clId="{D10C37F9-2D08-4B3E-9F98-9E9E5C636EAE}" dt="2022-06-10T10:44:05.282" v="277"/>
-          <ac:cxnSpMkLst>
-            <pc:docMk/>
-            <pc:sldMk cId="1918785350" sldId="431"/>
-            <ac:cxnSpMk id="12" creationId="{CCEFC444-1519-03DC-D4D2-EAA866F438C3}"/>
-          </ac:cxnSpMkLst>
-        </pc:cxnChg>
-        <pc:cxnChg chg="add mod">
-          <ac:chgData name="Manish Sharma" userId="b799adb9ba789c8f" providerId="LiveId" clId="{D10C37F9-2D08-4B3E-9F98-9E9E5C636EAE}" dt="2022-06-10T10:44:16.592" v="278"/>
-          <ac:cxnSpMkLst>
-            <pc:docMk/>
-            <pc:sldMk cId="1918785350" sldId="431"/>
-            <ac:cxnSpMk id="16" creationId="{35419643-A5DD-6275-81A5-166698038CC2}"/>
-          </ac:cxnSpMkLst>
-        </pc:cxnChg>
-        <pc:cxnChg chg="add mod">
-          <ac:chgData name="Manish Sharma" userId="b799adb9ba789c8f" providerId="LiveId" clId="{D10C37F9-2D08-4B3E-9F98-9E9E5C636EAE}" dt="2022-06-10T10:44:29.521" v="279"/>
-          <ac:cxnSpMkLst>
-            <pc:docMk/>
-            <pc:sldMk cId="1918785350" sldId="431"/>
-            <ac:cxnSpMk id="18" creationId="{A6AD221F-131D-7836-1A86-0F5FB5FE51DE}"/>
-          </ac:cxnSpMkLst>
-        </pc:cxnChg>
-        <pc:cxnChg chg="add mod">
-          <ac:chgData name="Manish Sharma" userId="b799adb9ba789c8f" providerId="LiveId" clId="{D10C37F9-2D08-4B3E-9F98-9E9E5C636EAE}" dt="2022-06-10T10:44:41.139" v="280"/>
-          <ac:cxnSpMkLst>
-            <pc:docMk/>
-            <pc:sldMk cId="1918785350" sldId="431"/>
-            <ac:cxnSpMk id="21" creationId="{95AB0466-B755-6624-2379-D34651915E24}"/>
-          </ac:cxnSpMkLst>
-        </pc:cxnChg>
-        <pc:cxnChg chg="add mod">
-          <ac:chgData name="Manish Sharma" userId="b799adb9ba789c8f" providerId="LiveId" clId="{D10C37F9-2D08-4B3E-9F98-9E9E5C636EAE}" dt="2022-06-10T10:44:41.139" v="280"/>
-          <ac:cxnSpMkLst>
-            <pc:docMk/>
-            <pc:sldMk cId="1918785350" sldId="431"/>
-            <ac:cxnSpMk id="22" creationId="{B90BF20F-3B75-03D7-6B21-2A948A6054E0}"/>
-          </ac:cxnSpMkLst>
-        </pc:cxnChg>
-        <pc:cxnChg chg="add mod">
-          <ac:chgData name="Manish Sharma" userId="b799adb9ba789c8f" providerId="LiveId" clId="{D10C37F9-2D08-4B3E-9F98-9E9E5C636EAE}" dt="2022-06-10T10:44:41.139" v="280"/>
-          <ac:cxnSpMkLst>
-            <pc:docMk/>
-            <pc:sldMk cId="1918785350" sldId="431"/>
-            <ac:cxnSpMk id="23" creationId="{9C24BDD7-B22D-C82C-AD1A-38F96AC35271}"/>
-          </ac:cxnSpMkLst>
-        </pc:cxnChg>
-        <pc:cxnChg chg="add mod">
-          <ac:chgData name="Manish Sharma" userId="b799adb9ba789c8f" providerId="LiveId" clId="{D10C37F9-2D08-4B3E-9F98-9E9E5C636EAE}" dt="2022-06-10T10:45:35.888" v="283"/>
-          <ac:cxnSpMkLst>
-            <pc:docMk/>
-            <pc:sldMk cId="1918785350" sldId="431"/>
-            <ac:cxnSpMk id="26" creationId="{66D85EC8-7FB7-9FB9-9149-C5B04F1DCA38}"/>
-          </ac:cxnSpMkLst>
-        </pc:cxnChg>
-      </pc:sldChg>
-      <pc:sldChg chg="addSp delSp modSp new mod">
-        <pc:chgData name="Manish Sharma" userId="b799adb9ba789c8f" providerId="LiveId" clId="{D10C37F9-2D08-4B3E-9F98-9E9E5C636EAE}" dt="2022-06-10T11:18:40.201" v="369" actId="14100"/>
-        <pc:sldMkLst>
-          <pc:docMk/>
-          <pc:sldMk cId="1279698673" sldId="432"/>
-        </pc:sldMkLst>
-        <pc:spChg chg="del">
-          <ac:chgData name="Manish Sharma" userId="b799adb9ba789c8f" providerId="LiveId" clId="{D10C37F9-2D08-4B3E-9F98-9E9E5C636EAE}" dt="2022-06-10T11:17:58.414" v="307" actId="478"/>
-          <ac:spMkLst>
-            <pc:docMk/>
-            <pc:sldMk cId="1279698673" sldId="432"/>
-            <ac:spMk id="2" creationId="{11D1DF32-08BF-86F4-706D-3C635FC2F24D}"/>
-          </ac:spMkLst>
-        </pc:spChg>
-        <pc:spChg chg="del">
-          <ac:chgData name="Manish Sharma" userId="b799adb9ba789c8f" providerId="LiveId" clId="{D10C37F9-2D08-4B3E-9F98-9E9E5C636EAE}" dt="2022-06-10T11:17:58.414" v="307" actId="478"/>
-          <ac:spMkLst>
-            <pc:docMk/>
-            <pc:sldMk cId="1279698673" sldId="432"/>
-            <ac:spMk id="3" creationId="{1B3502E9-247A-F36E-14D9-B999903682B7}"/>
-          </ac:spMkLst>
-        </pc:spChg>
-        <pc:spChg chg="add mod">
-          <ac:chgData name="Manish Sharma" userId="b799adb9ba789c8f" providerId="LiveId" clId="{D10C37F9-2D08-4B3E-9F98-9E9E5C636EAE}" dt="2022-06-10T11:18:04.606" v="367" actId="1037"/>
-          <ac:spMkLst>
-            <pc:docMk/>
-            <pc:sldMk cId="1279698673" sldId="432"/>
-            <ac:spMk id="4" creationId="{28FBE83E-422F-E7EA-CF0D-B114D3743ECF}"/>
-          </ac:spMkLst>
-        </pc:spChg>
-        <pc:spChg chg="add mod">
-          <ac:chgData name="Manish Sharma" userId="b799adb9ba789c8f" providerId="LiveId" clId="{D10C37F9-2D08-4B3E-9F98-9E9E5C636EAE}" dt="2022-06-10T11:18:04.606" v="367" actId="1037"/>
-          <ac:spMkLst>
-            <pc:docMk/>
-            <pc:sldMk cId="1279698673" sldId="432"/>
-            <ac:spMk id="5" creationId="{BA3E854C-1A5E-8FA7-8162-F5DD50B75E48}"/>
-          </ac:spMkLst>
-        </pc:spChg>
-        <pc:spChg chg="add mod">
-          <ac:chgData name="Manish Sharma" userId="b799adb9ba789c8f" providerId="LiveId" clId="{D10C37F9-2D08-4B3E-9F98-9E9E5C636EAE}" dt="2022-06-10T11:18:04.606" v="367" actId="1037"/>
-          <ac:spMkLst>
-            <pc:docMk/>
-            <pc:sldMk cId="1279698673" sldId="432"/>
-            <ac:spMk id="6" creationId="{BCF4E889-65AD-0D77-9EAF-0B3C8713B07F}"/>
-          </ac:spMkLst>
-        </pc:spChg>
-        <pc:spChg chg="add mod">
-          <ac:chgData name="Manish Sharma" userId="b799adb9ba789c8f" providerId="LiveId" clId="{D10C37F9-2D08-4B3E-9F98-9E9E5C636EAE}" dt="2022-06-10T11:18:04.606" v="367" actId="1037"/>
-          <ac:spMkLst>
-            <pc:docMk/>
-            <pc:sldMk cId="1279698673" sldId="432"/>
-            <ac:spMk id="7" creationId="{B4196B72-B7AC-3F87-1BFC-8B870D811285}"/>
-          </ac:spMkLst>
-        </pc:spChg>
-        <pc:spChg chg="add mod">
-          <ac:chgData name="Manish Sharma" userId="b799adb9ba789c8f" providerId="LiveId" clId="{D10C37F9-2D08-4B3E-9F98-9E9E5C636EAE}" dt="2022-06-10T11:18:04.606" v="367" actId="1037"/>
-          <ac:spMkLst>
-            <pc:docMk/>
-            <pc:sldMk cId="1279698673" sldId="432"/>
-            <ac:spMk id="9" creationId="{16EE4326-D430-F774-C357-BD2F42CDD269}"/>
-          </ac:spMkLst>
-        </pc:spChg>
-        <pc:spChg chg="add mod">
-          <ac:chgData name="Manish Sharma" userId="b799adb9ba789c8f" providerId="LiveId" clId="{D10C37F9-2D08-4B3E-9F98-9E9E5C636EAE}" dt="2022-06-10T11:18:04.606" v="367" actId="1037"/>
-          <ac:spMkLst>
-            <pc:docMk/>
-            <pc:sldMk cId="1279698673" sldId="432"/>
-            <ac:spMk id="11" creationId="{1D5ED55F-9D2B-B5C9-92C3-8DB8B2327C42}"/>
-          </ac:spMkLst>
-        </pc:spChg>
-        <pc:spChg chg="add mod">
-          <ac:chgData name="Manish Sharma" userId="b799adb9ba789c8f" providerId="LiveId" clId="{D10C37F9-2D08-4B3E-9F98-9E9E5C636EAE}" dt="2022-06-10T11:18:04.606" v="367" actId="1037"/>
-          <ac:spMkLst>
-            <pc:docMk/>
-            <pc:sldMk cId="1279698673" sldId="432"/>
-            <ac:spMk id="13" creationId="{01EDE3AC-41F1-4787-0C1B-D56FF64FE5E7}"/>
-          </ac:spMkLst>
-        </pc:spChg>
-        <pc:spChg chg="add mod">
-          <ac:chgData name="Manish Sharma" userId="b799adb9ba789c8f" providerId="LiveId" clId="{D10C37F9-2D08-4B3E-9F98-9E9E5C636EAE}" dt="2022-06-10T11:18:04.606" v="367" actId="1037"/>
-          <ac:spMkLst>
-            <pc:docMk/>
-            <pc:sldMk cId="1279698673" sldId="432"/>
-            <ac:spMk id="14" creationId="{6FE04A0B-FE1D-E1C8-A7AB-C38FBAF7A26F}"/>
-          </ac:spMkLst>
-        </pc:spChg>
-        <pc:spChg chg="add mod">
-          <ac:chgData name="Manish Sharma" userId="b799adb9ba789c8f" providerId="LiveId" clId="{D10C37F9-2D08-4B3E-9F98-9E9E5C636EAE}" dt="2022-06-10T11:18:04.606" v="367" actId="1037"/>
-          <ac:spMkLst>
-            <pc:docMk/>
-            <pc:sldMk cId="1279698673" sldId="432"/>
-            <ac:spMk id="16" creationId="{292C4557-55BF-9851-B499-4874B5563A13}"/>
-          </ac:spMkLst>
-        </pc:spChg>
-        <pc:spChg chg="add mod">
-          <ac:chgData name="Manish Sharma" userId="b799adb9ba789c8f" providerId="LiveId" clId="{D10C37F9-2D08-4B3E-9F98-9E9E5C636EAE}" dt="2022-06-10T11:18:40.201" v="369" actId="14100"/>
-          <ac:spMkLst>
-            <pc:docMk/>
-            <pc:sldMk cId="1279698673" sldId="432"/>
-            <ac:spMk id="17" creationId="{0BF4A39F-C91F-9A03-F0EF-8F56DF29478B}"/>
-          </ac:spMkLst>
-        </pc:spChg>
-        <pc:spChg chg="add del mod">
-          <ac:chgData name="Manish Sharma" userId="b799adb9ba789c8f" providerId="LiveId" clId="{D10C37F9-2D08-4B3E-9F98-9E9E5C636EAE}" dt="2022-06-10T11:18:34.412" v="368" actId="478"/>
-          <ac:spMkLst>
-            <pc:docMk/>
-            <pc:sldMk cId="1279698673" sldId="432"/>
-            <ac:spMk id="18" creationId="{BCDDB52E-418F-0EAF-0DB9-93BBB7FDFEC0}"/>
-          </ac:spMkLst>
-        </pc:spChg>
-        <pc:cxnChg chg="add mod">
-          <ac:chgData name="Manish Sharma" userId="b799adb9ba789c8f" providerId="LiveId" clId="{D10C37F9-2D08-4B3E-9F98-9E9E5C636EAE}" dt="2022-06-10T11:18:04.606" v="367" actId="1037"/>
-          <ac:cxnSpMkLst>
-            <pc:docMk/>
-            <pc:sldMk cId="1279698673" sldId="432"/>
-            <ac:cxnSpMk id="8" creationId="{AEEA1D08-135F-2212-62DF-703A5F3637B0}"/>
-          </ac:cxnSpMkLst>
-        </pc:cxnChg>
-        <pc:cxnChg chg="add mod">
-          <ac:chgData name="Manish Sharma" userId="b799adb9ba789c8f" providerId="LiveId" clId="{D10C37F9-2D08-4B3E-9F98-9E9E5C636EAE}" dt="2022-06-10T11:18:04.606" v="367" actId="1037"/>
-          <ac:cxnSpMkLst>
-            <pc:docMk/>
-            <pc:sldMk cId="1279698673" sldId="432"/>
-            <ac:cxnSpMk id="10" creationId="{58729AA9-D37F-26C2-B634-64E84123A764}"/>
-          </ac:cxnSpMkLst>
-        </pc:cxnChg>
-        <pc:cxnChg chg="add mod">
-          <ac:chgData name="Manish Sharma" userId="b799adb9ba789c8f" providerId="LiveId" clId="{D10C37F9-2D08-4B3E-9F98-9E9E5C636EAE}" dt="2022-06-10T11:18:04.606" v="367" actId="1037"/>
-          <ac:cxnSpMkLst>
-            <pc:docMk/>
-            <pc:sldMk cId="1279698673" sldId="432"/>
-            <ac:cxnSpMk id="12" creationId="{1F39ED11-9FCD-0E9C-AB64-82B3784DC569}"/>
-          </ac:cxnSpMkLst>
-        </pc:cxnChg>
-        <pc:cxnChg chg="add mod">
-          <ac:chgData name="Manish Sharma" userId="b799adb9ba789c8f" providerId="LiveId" clId="{D10C37F9-2D08-4B3E-9F98-9E9E5C636EAE}" dt="2022-06-10T11:18:04.606" v="367" actId="1037"/>
-          <ac:cxnSpMkLst>
-            <pc:docMk/>
-            <pc:sldMk cId="1279698673" sldId="432"/>
-            <ac:cxnSpMk id="15" creationId="{8C33C046-9808-AEA5-BA47-2BC0E236638B}"/>
-          </ac:cxnSpMkLst>
-        </pc:cxnChg>
-      </pc:sldChg>
-      <pc:sldChg chg="modSp new mod">
-        <pc:chgData name="Manish Sharma" userId="b799adb9ba789c8f" providerId="LiveId" clId="{D10C37F9-2D08-4B3E-9F98-9E9E5C636EAE}" dt="2022-06-10T11:21:27.340" v="534" actId="20577"/>
-        <pc:sldMkLst>
-          <pc:docMk/>
-          <pc:sldMk cId="3075248080" sldId="433"/>
-        </pc:sldMkLst>
-        <pc:spChg chg="mod">
-          <ac:chgData name="Manish Sharma" userId="b799adb9ba789c8f" providerId="LiveId" clId="{D10C37F9-2D08-4B3E-9F98-9E9E5C636EAE}" dt="2022-06-10T11:19:31.151" v="380" actId="20577"/>
-          <ac:spMkLst>
-            <pc:docMk/>
-            <pc:sldMk cId="3075248080" sldId="433"/>
-            <ac:spMk id="2" creationId="{AFDDF969-D520-CF94-0631-D98E9E67B022}"/>
-          </ac:spMkLst>
-        </pc:spChg>
-        <pc:spChg chg="mod">
-          <ac:chgData name="Manish Sharma" userId="b799adb9ba789c8f" providerId="LiveId" clId="{D10C37F9-2D08-4B3E-9F98-9E9E5C636EAE}" dt="2022-06-10T11:21:27.340" v="534" actId="20577"/>
-          <ac:spMkLst>
-            <pc:docMk/>
-            <pc:sldMk cId="3075248080" sldId="433"/>
-            <ac:spMk id="3" creationId="{73CC495C-13B4-7025-22D6-8482CB3C3140}"/>
-          </ac:spMkLst>
-        </pc:spChg>
-      </pc:sldChg>
-      <pc:sldChg chg="addSp delSp modSp new del mod">
-        <pc:chgData name="Manish Sharma" userId="b799adb9ba789c8f" providerId="LiveId" clId="{D10C37F9-2D08-4B3E-9F98-9E9E5C636EAE}" dt="2022-06-10T11:27:04.318" v="695" actId="2696"/>
-        <pc:sldMkLst>
-          <pc:docMk/>
-          <pc:sldMk cId="3253209716" sldId="434"/>
-        </pc:sldMkLst>
-        <pc:spChg chg="del">
-          <ac:chgData name="Manish Sharma" userId="b799adb9ba789c8f" providerId="LiveId" clId="{D10C37F9-2D08-4B3E-9F98-9E9E5C636EAE}" dt="2022-06-10T11:22:36.295" v="536" actId="478"/>
-          <ac:spMkLst>
-            <pc:docMk/>
-            <pc:sldMk cId="3253209716" sldId="434"/>
-            <ac:spMk id="2" creationId="{0E15146D-278B-120F-7586-01480EA6D6D3}"/>
-          </ac:spMkLst>
-        </pc:spChg>
-        <pc:spChg chg="del">
-          <ac:chgData name="Manish Sharma" userId="b799adb9ba789c8f" providerId="LiveId" clId="{D10C37F9-2D08-4B3E-9F98-9E9E5C636EAE}" dt="2022-06-10T11:22:36.295" v="536" actId="478"/>
-          <ac:spMkLst>
-            <pc:docMk/>
-            <pc:sldMk cId="3253209716" sldId="434"/>
-            <ac:spMk id="3" creationId="{CBE896F5-5A23-F7F2-885A-409E6F12C129}"/>
-          </ac:spMkLst>
-        </pc:spChg>
-        <pc:spChg chg="add mod">
-          <ac:chgData name="Manish Sharma" userId="b799adb9ba789c8f" providerId="LiveId" clId="{D10C37F9-2D08-4B3E-9F98-9E9E5C636EAE}" dt="2022-06-10T11:26:47.753" v="694" actId="1076"/>
-          <ac:spMkLst>
-            <pc:docMk/>
-            <pc:sldMk cId="3253209716" sldId="434"/>
-            <ac:spMk id="4" creationId="{D8B177C4-D6F7-3A89-DE92-80B97B9658E8}"/>
-          </ac:spMkLst>
-        </pc:spChg>
-        <pc:spChg chg="add mod">
-          <ac:chgData name="Manish Sharma" userId="b799adb9ba789c8f" providerId="LiveId" clId="{D10C37F9-2D08-4B3E-9F98-9E9E5C636EAE}" dt="2022-06-10T11:23:52.876" v="609" actId="3064"/>
-          <ac:spMkLst>
-            <pc:docMk/>
-            <pc:sldMk cId="3253209716" sldId="434"/>
-            <ac:spMk id="5" creationId="{45402748-73E8-12EF-E524-55E2E3744E0B}"/>
-          </ac:spMkLst>
-        </pc:spChg>
-        <pc:spChg chg="add mod">
-          <ac:chgData name="Manish Sharma" userId="b799adb9ba789c8f" providerId="LiveId" clId="{D10C37F9-2D08-4B3E-9F98-9E9E5C636EAE}" dt="2022-06-10T11:25:08.730" v="670" actId="20577"/>
-          <ac:spMkLst>
-            <pc:docMk/>
-            <pc:sldMk cId="3253209716" sldId="434"/>
-            <ac:spMk id="6" creationId="{0DDAB08E-D5C0-633A-43CC-EA36920560A5}"/>
-          </ac:spMkLst>
-        </pc:spChg>
-        <pc:spChg chg="add del mod">
-          <ac:chgData name="Manish Sharma" userId="b799adb9ba789c8f" providerId="LiveId" clId="{D10C37F9-2D08-4B3E-9F98-9E9E5C636EAE}" dt="2022-06-10T11:25:23.010" v="672" actId="478"/>
-          <ac:spMkLst>
-            <pc:docMk/>
-            <pc:sldMk cId="3253209716" sldId="434"/>
-            <ac:spMk id="7" creationId="{7FDA9A5E-75D9-372E-59A3-79C81185058E}"/>
-          </ac:spMkLst>
-        </pc:spChg>
-        <pc:spChg chg="add mod">
-          <ac:chgData name="Manish Sharma" userId="b799adb9ba789c8f" providerId="LiveId" clId="{D10C37F9-2D08-4B3E-9F98-9E9E5C636EAE}" dt="2022-06-10T11:25:36.028" v="693" actId="20577"/>
-          <ac:spMkLst>
-            <pc:docMk/>
-            <pc:sldMk cId="3253209716" sldId="434"/>
-            <ac:spMk id="8" creationId="{B7F3F78C-6466-879A-6C9B-3E19953CDE5B}"/>
-          </ac:spMkLst>
-        </pc:spChg>
-      </pc:sldChg>
-    </pc:docChg>
-  </pc:docChgLst>
-  <pc:docChgLst>
     <pc:chgData name="Manish Sharma" userId="b799adb9ba789c8f" providerId="LiveId" clId="{2BF1AFDE-0EC3-4D20-9ECF-8552883B8CAC}"/>
     <pc:docChg chg="undo custSel addSld modSld">
-      <pc:chgData name="Manish Sharma" userId="b799adb9ba789c8f" providerId="LiveId" clId="{2BF1AFDE-0EC3-4D20-9ECF-8552883B8CAC}" dt="2022-07-09T08:15:55.920" v="83"/>
+      <pc:chgData name="Manish Sharma" userId="b799adb9ba789c8f" providerId="LiveId" clId="{2BF1AFDE-0EC3-4D20-9ECF-8552883B8CAC}" dt="2022-07-09T11:02:41.877" v="87" actId="20577"/>
       <pc:docMkLst>
         <pc:docMk/>
       </pc:docMkLst>
@@ -24380,30 +24390,67 @@
         </pc:sldMkLst>
       </pc:sldChg>
       <pc:sldChg chg="add">
-        <pc:chgData name="Manish Sharma" userId="b799adb9ba789c8f" providerId="LiveId" clId="{2BF1AFDE-0EC3-4D20-9ECF-8552883B8CAC}" dt="2022-07-09T07:35:11.839" v="79"/>
-        <pc:sldMkLst>
-          <pc:docMk/>
-          <pc:sldMk cId="3722122107" sldId="280"/>
+        <pc:chgData name="Manish Sharma" userId="b799adb9ba789c8f" providerId="LiveId" clId="{2BF1AFDE-0EC3-4D20-9ECF-8552883B8CAC}" dt="2022-07-09T11:02:20.504" v="85"/>
+        <pc:sldMkLst>
+          <pc:docMk/>
+          <pc:sldMk cId="1476634141" sldId="277"/>
         </pc:sldMkLst>
       </pc:sldChg>
       <pc:sldChg chg="add">
         <pc:chgData name="Manish Sharma" userId="b799adb9ba789c8f" providerId="LiveId" clId="{2BF1AFDE-0EC3-4D20-9ECF-8552883B8CAC}" dt="2022-07-09T07:35:11.839" v="79"/>
         <pc:sldMkLst>
           <pc:docMk/>
-          <pc:sldMk cId="1870224024" sldId="281"/>
+          <pc:sldMk cId="3722122107" sldId="280"/>
         </pc:sldMkLst>
       </pc:sldChg>
       <pc:sldChg chg="add">
         <pc:chgData name="Manish Sharma" userId="b799adb9ba789c8f" providerId="LiveId" clId="{2BF1AFDE-0EC3-4D20-9ECF-8552883B8CAC}" dt="2022-07-09T07:35:11.839" v="79"/>
         <pc:sldMkLst>
           <pc:docMk/>
-          <pc:sldMk cId="4234741750" sldId="290"/>
-        </pc:sldMkLst>
+          <pc:sldMk cId="1870224024" sldId="281"/>
+        </pc:sldMkLst>
+      </pc:sldChg>
+      <pc:sldChg chg="add">
+        <pc:chgData name="Manish Sharma" userId="b799adb9ba789c8f" providerId="LiveId" clId="{2BF1AFDE-0EC3-4D20-9ECF-8552883B8CAC}" dt="2022-07-09T11:02:20.504" v="85"/>
+        <pc:sldMkLst>
+          <pc:docMk/>
+          <pc:sldMk cId="4016984177" sldId="288"/>
+        </pc:sldMkLst>
+      </pc:sldChg>
+      <pc:sldChg chg="addSp delSp add mod setBg delDesignElem">
+        <pc:chgData name="Manish Sharma" userId="b799adb9ba789c8f" providerId="LiveId" clId="{2BF1AFDE-0EC3-4D20-9ECF-8552883B8CAC}" dt="2022-07-09T11:02:34.249" v="86" actId="26606"/>
+        <pc:sldMkLst>
+          <pc:docMk/>
+          <pc:sldMk cId="4019827636" sldId="289"/>
+        </pc:sldMkLst>
+        <pc:spChg chg="del">
+          <ac:chgData name="Manish Sharma" userId="b799adb9ba789c8f" providerId="LiveId" clId="{2BF1AFDE-0EC3-4D20-9ECF-8552883B8CAC}" dt="2022-07-09T11:02:20.504" v="85"/>
+          <ac:spMkLst>
+            <pc:docMk/>
+            <pc:sldMk cId="4019827636" sldId="289"/>
+            <ac:spMk id="8" creationId="{D4771268-CB57-404A-9271-370EB28F6090}"/>
+          </ac:spMkLst>
+        </pc:spChg>
+        <pc:spChg chg="add">
+          <ac:chgData name="Manish Sharma" userId="b799adb9ba789c8f" providerId="LiveId" clId="{2BF1AFDE-0EC3-4D20-9ECF-8552883B8CAC}" dt="2022-07-09T11:02:34.249" v="86" actId="26606"/>
+          <ac:spMkLst>
+            <pc:docMk/>
+            <pc:sldMk cId="4019827636" sldId="289"/>
+            <ac:spMk id="10" creationId="{D4771268-CB57-404A-9271-370EB28F6090}"/>
+          </ac:spMkLst>
+        </pc:spChg>
       </pc:sldChg>
       <pc:sldChg chg="add">
         <pc:chgData name="Manish Sharma" userId="b799adb9ba789c8f" providerId="LiveId" clId="{2BF1AFDE-0EC3-4D20-9ECF-8552883B8CAC}" dt="2022-07-09T07:35:11.839" v="79"/>
         <pc:sldMkLst>
           <pc:docMk/>
+          <pc:sldMk cId="4234741750" sldId="290"/>
+        </pc:sldMkLst>
+      </pc:sldChg>
+      <pc:sldChg chg="add">
+        <pc:chgData name="Manish Sharma" userId="b799adb9ba789c8f" providerId="LiveId" clId="{2BF1AFDE-0EC3-4D20-9ECF-8552883B8CAC}" dt="2022-07-09T07:35:11.839" v="79"/>
+        <pc:sldMkLst>
+          <pc:docMk/>
           <pc:sldMk cId="3252480271" sldId="291"/>
         </pc:sldMkLst>
       </pc:sldChg>
@@ -24414,6 +24461,27 @@
           <pc:sldMk cId="3578439419" sldId="310"/>
         </pc:sldMkLst>
       </pc:sldChg>
+      <pc:sldChg chg="add">
+        <pc:chgData name="Manish Sharma" userId="b799adb9ba789c8f" providerId="LiveId" clId="{2BF1AFDE-0EC3-4D20-9ECF-8552883B8CAC}" dt="2022-07-09T11:02:20.504" v="85"/>
+        <pc:sldMkLst>
+          <pc:docMk/>
+          <pc:sldMk cId="2483723510" sldId="311"/>
+        </pc:sldMkLst>
+      </pc:sldChg>
+      <pc:sldChg chg="add">
+        <pc:chgData name="Manish Sharma" userId="b799adb9ba789c8f" providerId="LiveId" clId="{2BF1AFDE-0EC3-4D20-9ECF-8552883B8CAC}" dt="2022-07-09T11:02:20.504" v="85"/>
+        <pc:sldMkLst>
+          <pc:docMk/>
+          <pc:sldMk cId="2383157330" sldId="312"/>
+        </pc:sldMkLst>
+      </pc:sldChg>
+      <pc:sldChg chg="add">
+        <pc:chgData name="Manish Sharma" userId="b799adb9ba789c8f" providerId="LiveId" clId="{2BF1AFDE-0EC3-4D20-9ECF-8552883B8CAC}" dt="2022-07-09T11:02:20.504" v="85"/>
+        <pc:sldMkLst>
+          <pc:docMk/>
+          <pc:sldMk cId="1771078964" sldId="314"/>
+        </pc:sldMkLst>
+      </pc:sldChg>
       <pc:sldChg chg="modSp add mod">
         <pc:chgData name="Manish Sharma" userId="b799adb9ba789c8f" providerId="LiveId" clId="{2BF1AFDE-0EC3-4D20-9ECF-8552883B8CAC}" dt="2022-07-09T07:44:18.032" v="82" actId="20577"/>
         <pc:sldMkLst>
@@ -24429,6 +24497,13 @@
           </ac:spMkLst>
         </pc:spChg>
       </pc:sldChg>
+      <pc:sldChg chg="add">
+        <pc:chgData name="Manish Sharma" userId="b799adb9ba789c8f" providerId="LiveId" clId="{2BF1AFDE-0EC3-4D20-9ECF-8552883B8CAC}" dt="2022-07-09T11:02:20.504" v="85"/>
+        <pc:sldMkLst>
+          <pc:docMk/>
+          <pc:sldMk cId="1542734719" sldId="316"/>
+        </pc:sldMkLst>
+      </pc:sldChg>
       <pc:sldChg chg="addSp delSp modSp new mod">
         <pc:chgData name="Manish Sharma" userId="b799adb9ba789c8f" providerId="LiveId" clId="{2BF1AFDE-0EC3-4D20-9ECF-8552883B8CAC}" dt="2022-07-09T04:20:44.419" v="13" actId="1076"/>
         <pc:sldMkLst>
@@ -24862,6 +24937,35 @@
           <pc:docMk/>
           <pc:sldMk cId="4180571744" sldId="345"/>
         </pc:sldMkLst>
+      </pc:sldChg>
+      <pc:sldChg chg="add">
+        <pc:chgData name="Manish Sharma" userId="b799adb9ba789c8f" providerId="LiveId" clId="{2BF1AFDE-0EC3-4D20-9ECF-8552883B8CAC}" dt="2022-07-09T11:02:20.504" v="85"/>
+        <pc:sldMkLst>
+          <pc:docMk/>
+          <pc:sldMk cId="995173291" sldId="346"/>
+        </pc:sldMkLst>
+      </pc:sldChg>
+      <pc:sldChg chg="add">
+        <pc:chgData name="Manish Sharma" userId="b799adb9ba789c8f" providerId="LiveId" clId="{2BF1AFDE-0EC3-4D20-9ECF-8552883B8CAC}" dt="2022-07-09T11:02:20.504" v="85"/>
+        <pc:sldMkLst>
+          <pc:docMk/>
+          <pc:sldMk cId="2033417303" sldId="347"/>
+        </pc:sldMkLst>
+      </pc:sldChg>
+      <pc:sldChg chg="modSp add mod">
+        <pc:chgData name="Manish Sharma" userId="b799adb9ba789c8f" providerId="LiveId" clId="{2BF1AFDE-0EC3-4D20-9ECF-8552883B8CAC}" dt="2022-07-09T11:02:41.877" v="87" actId="20577"/>
+        <pc:sldMkLst>
+          <pc:docMk/>
+          <pc:sldMk cId="3813401604" sldId="348"/>
+        </pc:sldMkLst>
+        <pc:spChg chg="mod">
+          <ac:chgData name="Manish Sharma" userId="b799adb9ba789c8f" providerId="LiveId" clId="{2BF1AFDE-0EC3-4D20-9ECF-8552883B8CAC}" dt="2022-07-09T11:02:41.877" v="87" actId="20577"/>
+          <ac:spMkLst>
+            <pc:docMk/>
+            <pc:sldMk cId="3813401604" sldId="348"/>
+            <ac:spMk id="3" creationId="{5D85F295-DC90-6AAF-F01D-5F34C3200302}"/>
+          </ac:spMkLst>
+        </pc:spChg>
       </pc:sldChg>
     </pc:docChg>
   </pc:docChgLst>
@@ -38129,6 +38233,2013 @@
 <file path=ppt/slides/slide22.xml><?xml version="1.0" encoding="utf-8"?>
 <p:sld xmlns:a="http://schemas.openxmlformats.org/drawingml/2006/main" xmlns:r="http://schemas.openxmlformats.org/officeDocument/2006/relationships" xmlns:p="http://schemas.openxmlformats.org/presentationml/2006/main">
   <p:cSld>
+    <p:spTree>
+      <p:nvGrpSpPr>
+        <p:cNvPr id="1" name=""/>
+        <p:cNvGrpSpPr/>
+        <p:nvPr/>
+      </p:nvGrpSpPr>
+      <p:grpSpPr>
+        <a:xfrm>
+          <a:off x="0" y="0"/>
+          <a:ext cx="0" cy="0"/>
+          <a:chOff x="0" y="0"/>
+          <a:chExt cx="0" cy="0"/>
+        </a:xfrm>
+      </p:grpSpPr>
+      <p:sp>
+        <p:nvSpPr>
+          <p:cNvPr id="2" name="Title 1">
+            <a:extLst>
+              <a:ext uri="{FF2B5EF4-FFF2-40B4-BE49-F238E27FC236}">
+                <a16:creationId xmlns:a16="http://schemas.microsoft.com/office/drawing/2014/main" id="{8A5299C5-74E3-41F7-96F8-B7419E7D8A00}"/>
+              </a:ext>
+            </a:extLst>
+          </p:cNvPr>
+          <p:cNvSpPr>
+            <a:spLocks noGrp="1"/>
+          </p:cNvSpPr>
+          <p:nvPr>
+            <p:ph type="title"/>
+          </p:nvPr>
+        </p:nvSpPr>
+        <p:spPr/>
+        <p:txBody>
+          <a:bodyPr/>
+          <a:lstStyle/>
+          <a:p>
+            <a:r>
+              <a:rPr lang="en-US" dirty="0"/>
+              <a:t>Function Parameters</a:t>
+            </a:r>
+          </a:p>
+        </p:txBody>
+      </p:sp>
+      <p:sp>
+        <p:nvSpPr>
+          <p:cNvPr id="3" name="Content Placeholder 2">
+            <a:extLst>
+              <a:ext uri="{FF2B5EF4-FFF2-40B4-BE49-F238E27FC236}">
+                <a16:creationId xmlns:a16="http://schemas.microsoft.com/office/drawing/2014/main" id="{334821B1-48DB-4E69-8B5F-A37C77BD4F9D}"/>
+              </a:ext>
+            </a:extLst>
+          </p:cNvPr>
+          <p:cNvSpPr>
+            <a:spLocks noGrp="1"/>
+          </p:cNvSpPr>
+          <p:nvPr>
+            <p:ph idx="1"/>
+          </p:nvPr>
+        </p:nvSpPr>
+        <p:spPr/>
+        <p:txBody>
+          <a:bodyPr/>
+          <a:lstStyle/>
+          <a:p>
+            <a:r>
+              <a:rPr lang="en-US" dirty="0"/>
+              <a:t>Function Parameters are required, and you cannot pass extra arguments to a function</a:t>
+            </a:r>
+          </a:p>
+          <a:p>
+            <a:r>
+              <a:rPr lang="en-US" dirty="0"/>
+              <a:t>Function Parameters are also type safe, if you don't use any type explicitly</a:t>
+            </a:r>
+          </a:p>
+          <a:p>
+            <a:r>
+              <a:rPr lang="en-US" dirty="0"/>
+              <a:t>Adding an optional parameter is super simple, just add ? to the end of the argument name. </a:t>
+            </a:r>
+          </a:p>
+          <a:p>
+            <a:r>
+              <a:rPr lang="en-US" dirty="0"/>
+              <a:t>For default argument suffix it with an equal sign and default value (TS compiler will automatically deduce the type for default argument based on provided value).</a:t>
+            </a:r>
+          </a:p>
+        </p:txBody>
+      </p:sp>
+    </p:spTree>
+    <p:extLst>
+      <p:ext uri="{BB962C8B-B14F-4D97-AF65-F5344CB8AC3E}">
+        <p14:creationId xmlns:p14="http://schemas.microsoft.com/office/powerpoint/2010/main" val="2483723510"/>
+      </p:ext>
+    </p:extLst>
+  </p:cSld>
+  <p:clrMapOvr>
+    <a:masterClrMapping/>
+  </p:clrMapOvr>
+</p:sld>
+</file>
+
+<file path=ppt/slides/slide23.xml><?xml version="1.0" encoding="utf-8"?>
+<p:sld xmlns:a="http://schemas.openxmlformats.org/drawingml/2006/main" xmlns:r="http://schemas.openxmlformats.org/officeDocument/2006/relationships" xmlns:p="http://schemas.openxmlformats.org/presentationml/2006/main">
+  <p:cSld>
+    <p:spTree>
+      <p:nvGrpSpPr>
+        <p:cNvPr id="1" name=""/>
+        <p:cNvGrpSpPr/>
+        <p:nvPr/>
+      </p:nvGrpSpPr>
+      <p:grpSpPr>
+        <a:xfrm>
+          <a:off x="0" y="0"/>
+          <a:ext cx="0" cy="0"/>
+          <a:chOff x="0" y="0"/>
+          <a:chExt cx="0" cy="0"/>
+        </a:xfrm>
+      </p:grpSpPr>
+      <p:sp>
+        <p:nvSpPr>
+          <p:cNvPr id="2" name="Title 1">
+            <a:extLst>
+              <a:ext uri="{FF2B5EF4-FFF2-40B4-BE49-F238E27FC236}">
+                <a16:creationId xmlns:a16="http://schemas.microsoft.com/office/drawing/2014/main" id="{4451B93C-7C12-487A-B8CE-2B6DA013FDC3}"/>
+              </a:ext>
+            </a:extLst>
+          </p:cNvPr>
+          <p:cNvSpPr>
+            <a:spLocks noGrp="1"/>
+          </p:cNvSpPr>
+          <p:nvPr>
+            <p:ph type="title"/>
+          </p:nvPr>
+        </p:nvSpPr>
+        <p:spPr/>
+        <p:txBody>
+          <a:bodyPr/>
+          <a:lstStyle/>
+          <a:p>
+            <a:r>
+              <a:rPr lang="en-US" dirty="0"/>
+              <a:t>Rest Parameter (…</a:t>
+            </a:r>
+            <a:r>
+              <a:rPr lang="en-US" dirty="0" err="1"/>
+              <a:t>args</a:t>
+            </a:r>
+            <a:r>
+              <a:rPr lang="en-US" dirty="0"/>
+              <a:t>)</a:t>
+            </a:r>
+          </a:p>
+        </p:txBody>
+      </p:sp>
+      <p:sp>
+        <p:nvSpPr>
+          <p:cNvPr id="3" name="Content Placeholder 2">
+            <a:extLst>
+              <a:ext uri="{FF2B5EF4-FFF2-40B4-BE49-F238E27FC236}">
+                <a16:creationId xmlns:a16="http://schemas.microsoft.com/office/drawing/2014/main" id="{95457826-064F-4F95-91DD-A33D6987621B}"/>
+              </a:ext>
+            </a:extLst>
+          </p:cNvPr>
+          <p:cNvSpPr>
+            <a:spLocks noGrp="1"/>
+          </p:cNvSpPr>
+          <p:nvPr>
+            <p:ph idx="1"/>
+          </p:nvPr>
+        </p:nvSpPr>
+        <p:spPr/>
+        <p:txBody>
+          <a:bodyPr/>
+          <a:lstStyle/>
+          <a:p>
+            <a:r>
+              <a:rPr lang="en-US" dirty="0"/>
+              <a:t>A rest parameter allows you a function to accept zero or more arguments of the specified type. </a:t>
+            </a:r>
+          </a:p>
+          <a:p>
+            <a:r>
+              <a:rPr lang="en-US" dirty="0"/>
+              <a:t>In TypeScript, rest parameters follow these rules:</a:t>
+            </a:r>
+          </a:p>
+          <a:p>
+            <a:pPr lvl="1"/>
+            <a:r>
+              <a:rPr lang="en-US" dirty="0"/>
+              <a:t>A function has only one rest parameter.</a:t>
+            </a:r>
+          </a:p>
+          <a:p>
+            <a:pPr lvl="1"/>
+            <a:r>
+              <a:rPr lang="en-US" dirty="0"/>
+              <a:t>The rest parameter appears last in the parameter list.</a:t>
+            </a:r>
+          </a:p>
+          <a:p>
+            <a:pPr lvl="1"/>
+            <a:r>
+              <a:rPr lang="en-US" dirty="0"/>
+              <a:t>The type of the rest parameter is an array type.</a:t>
+            </a:r>
+          </a:p>
+          <a:p>
+            <a:r>
+              <a:rPr lang="en-US" dirty="0"/>
+              <a:t>To declare a rest parameter, you prefix the parameter name with three dots and use the array type as the type annotation:</a:t>
+            </a:r>
+          </a:p>
+        </p:txBody>
+      </p:sp>
+    </p:spTree>
+    <p:extLst>
+      <p:ext uri="{BB962C8B-B14F-4D97-AF65-F5344CB8AC3E}">
+        <p14:creationId xmlns:p14="http://schemas.microsoft.com/office/powerpoint/2010/main" val="2383157330"/>
+      </p:ext>
+    </p:extLst>
+  </p:cSld>
+  <p:clrMapOvr>
+    <a:masterClrMapping/>
+  </p:clrMapOvr>
+</p:sld>
+</file>
+
+<file path=ppt/slides/slide24.xml><?xml version="1.0" encoding="utf-8"?>
+<p:sld xmlns:a="http://schemas.openxmlformats.org/drawingml/2006/main" xmlns:r="http://schemas.openxmlformats.org/officeDocument/2006/relationships" xmlns:p="http://schemas.openxmlformats.org/presentationml/2006/main">
+  <p:cSld>
+    <p:spTree>
+      <p:nvGrpSpPr>
+        <p:cNvPr id="1" name=""/>
+        <p:cNvGrpSpPr/>
+        <p:nvPr/>
+      </p:nvGrpSpPr>
+      <p:grpSpPr>
+        <a:xfrm>
+          <a:off x="0" y="0"/>
+          <a:ext cx="0" cy="0"/>
+          <a:chOff x="0" y="0"/>
+          <a:chExt cx="0" cy="0"/>
+        </a:xfrm>
+      </p:grpSpPr>
+      <p:sp>
+        <p:nvSpPr>
+          <p:cNvPr id="2" name="Title 1">
+            <a:extLst>
+              <a:ext uri="{FF2B5EF4-FFF2-40B4-BE49-F238E27FC236}">
+                <a16:creationId xmlns:a16="http://schemas.microsoft.com/office/drawing/2014/main" id="{46719794-18CE-4462-B09E-E438AAC8FCB1}"/>
+              </a:ext>
+            </a:extLst>
+          </p:cNvPr>
+          <p:cNvSpPr>
+            <a:spLocks noGrp="1"/>
+          </p:cNvSpPr>
+          <p:nvPr>
+            <p:ph type="title"/>
+          </p:nvPr>
+        </p:nvSpPr>
+        <p:spPr/>
+        <p:txBody>
+          <a:bodyPr/>
+          <a:lstStyle/>
+          <a:p>
+            <a:r>
+              <a:rPr lang="en-IN" dirty="0"/>
+              <a:t>Lambda Expression</a:t>
+            </a:r>
+          </a:p>
+        </p:txBody>
+      </p:sp>
+      <p:sp>
+        <p:nvSpPr>
+          <p:cNvPr id="3" name="Content Placeholder 2">
+            <a:extLst>
+              <a:ext uri="{FF2B5EF4-FFF2-40B4-BE49-F238E27FC236}">
+                <a16:creationId xmlns:a16="http://schemas.microsoft.com/office/drawing/2014/main" id="{466C83FC-9530-4B0A-A899-A0524DC96B65}"/>
+              </a:ext>
+            </a:extLst>
+          </p:cNvPr>
+          <p:cNvSpPr>
+            <a:spLocks noGrp="1"/>
+          </p:cNvSpPr>
+          <p:nvPr>
+            <p:ph idx="1"/>
+          </p:nvPr>
+        </p:nvSpPr>
+        <p:spPr/>
+        <p:txBody>
+          <a:bodyPr/>
+          <a:lstStyle/>
+          <a:p>
+            <a:r>
+              <a:rPr lang="en-US" dirty="0"/>
+              <a:t>Implicit return</a:t>
+            </a:r>
+          </a:p>
+          <a:p>
+            <a:r>
+              <a:rPr lang="en-US" dirty="0"/>
+              <a:t>No braces for single expression</a:t>
+            </a:r>
+          </a:p>
+          <a:p>
+            <a:r>
+              <a:rPr lang="en-US" dirty="0"/>
+              <a:t>Part of ES6 termed as Arrow Functions</a:t>
+            </a:r>
+          </a:p>
+          <a:p>
+            <a:r>
+              <a:rPr lang="en-US" dirty="0"/>
+              <a:t>Lexically scoped this</a:t>
+            </a:r>
+          </a:p>
+          <a:p>
+            <a:r>
+              <a:rPr lang="en-US" dirty="0"/>
+              <a:t>You don't need to keep typing function</a:t>
+            </a:r>
+          </a:p>
+          <a:p>
+            <a:r>
+              <a:rPr lang="en-US" dirty="0"/>
+              <a:t>It lexically captures the meaning of arguments</a:t>
+            </a:r>
+            <a:endParaRPr lang="en-IN" dirty="0"/>
+          </a:p>
+        </p:txBody>
+      </p:sp>
+    </p:spTree>
+    <p:extLst>
+      <p:ext uri="{BB962C8B-B14F-4D97-AF65-F5344CB8AC3E}">
+        <p14:creationId xmlns:p14="http://schemas.microsoft.com/office/powerpoint/2010/main" val="4016984177"/>
+      </p:ext>
+    </p:extLst>
+  </p:cSld>
+  <p:clrMapOvr>
+    <a:masterClrMapping/>
+  </p:clrMapOvr>
+</p:sld>
+</file>
+
+<file path=ppt/slides/slide25.xml><?xml version="1.0" encoding="utf-8"?>
+<p:sld xmlns:a="http://schemas.openxmlformats.org/drawingml/2006/main" xmlns:r="http://schemas.openxmlformats.org/officeDocument/2006/relationships" xmlns:p="http://schemas.openxmlformats.org/presentationml/2006/main">
+  <p:cSld>
+    <p:bg>
+      <p:bgPr>
+        <a:solidFill>
+          <a:schemeClr val="bg1"/>
+        </a:solidFill>
+        <a:effectLst/>
+      </p:bgPr>
+    </p:bg>
+    <p:spTree>
+      <p:nvGrpSpPr>
+        <p:cNvPr id="1" name=""/>
+        <p:cNvGrpSpPr/>
+        <p:nvPr/>
+      </p:nvGrpSpPr>
+      <p:grpSpPr>
+        <a:xfrm>
+          <a:off x="0" y="0"/>
+          <a:ext cx="0" cy="0"/>
+          <a:chOff x="0" y="0"/>
+          <a:chExt cx="0" cy="0"/>
+        </a:xfrm>
+      </p:grpSpPr>
+      <p:sp>
+        <p:nvSpPr>
+          <p:cNvPr id="10" name="Down Arrow 7">
+            <a:extLst>
+              <a:ext uri="{FF2B5EF4-FFF2-40B4-BE49-F238E27FC236}">
+                <a16:creationId xmlns:a16="http://schemas.microsoft.com/office/drawing/2014/main" id="{D4771268-CB57-404A-9271-370EB28F6090}"/>
+              </a:ext>
+              <a:ext uri="{C183D7F6-B498-43B3-948B-1728B52AA6E4}">
+                <adec:decorative xmlns:adec="http://schemas.microsoft.com/office/drawing/2017/decorative" val="1"/>
+              </a:ext>
+            </a:extLst>
+          </p:cNvPr>
+          <p:cNvSpPr>
+            <a:spLocks noGrp="1" noRot="1" noChangeAspect="1" noMove="1" noResize="1" noEditPoints="1" noAdjustHandles="1" noChangeArrowheads="1" noChangeShapeType="1" noTextEdit="1"/>
+          </p:cNvSpPr>
+          <p:nvPr>
+            <p:extLst>
+              <p:ext uri="{386F3935-93C4-4BCD-93E2-E3B085C9AB24}">
+                <p16:designElem xmlns:p16="http://schemas.microsoft.com/office/powerpoint/2015/main" val="1"/>
+              </p:ext>
+            </p:extLst>
+          </p:nvPr>
+        </p:nvSpPr>
+        <p:spPr>
+          <a:xfrm rot="16200000">
+            <a:off x="800100" y="1491343"/>
+            <a:ext cx="3333749" cy="3499103"/>
+          </a:xfrm>
+          <a:prstGeom prst="downArrow">
+            <a:avLst>
+              <a:gd name="adj1" fmla="val 100000"/>
+              <a:gd name="adj2" fmla="val 15788"/>
+            </a:avLst>
+          </a:prstGeom>
+          <a:solidFill>
+            <a:srgbClr val="404040"/>
+          </a:solidFill>
+          <a:ln w="53975">
+            <a:noFill/>
+          </a:ln>
+        </p:spPr>
+        <p:style>
+          <a:lnRef idx="2">
+            <a:schemeClr val="accent1">
+              <a:shade val="50000"/>
+            </a:schemeClr>
+          </a:lnRef>
+          <a:fillRef idx="1">
+            <a:schemeClr val="accent1"/>
+          </a:fillRef>
+          <a:effectRef idx="0">
+            <a:schemeClr val="accent1"/>
+          </a:effectRef>
+          <a:fontRef idx="minor">
+            <a:schemeClr val="lt1"/>
+          </a:fontRef>
+        </p:style>
+        <p:txBody>
+          <a:bodyPr rtlCol="0" anchor="ctr"/>
+          <a:lstStyle/>
+          <a:p>
+            <a:pPr algn="ctr"/>
+            <a:endParaRPr lang="en-US"/>
+          </a:p>
+        </p:txBody>
+      </p:sp>
+      <p:sp>
+        <p:nvSpPr>
+          <p:cNvPr id="2" name="Title 1">
+            <a:extLst>
+              <a:ext uri="{FF2B5EF4-FFF2-40B4-BE49-F238E27FC236}">
+                <a16:creationId xmlns:a16="http://schemas.microsoft.com/office/drawing/2014/main" id="{04E48072-2990-4CFF-AC0A-ECFAAECC91FA}"/>
+              </a:ext>
+            </a:extLst>
+          </p:cNvPr>
+          <p:cNvSpPr>
+            <a:spLocks noGrp="1"/>
+          </p:cNvSpPr>
+          <p:nvPr>
+            <p:ph type="title"/>
+          </p:nvPr>
+        </p:nvSpPr>
+        <p:spPr>
+          <a:xfrm>
+            <a:off x="1028700" y="1967266"/>
+            <a:ext cx="2628900" cy="2547257"/>
+          </a:xfrm>
+          <a:prstGeom prst="ellipse">
+            <a:avLst/>
+          </a:prstGeom>
+          <a:noFill/>
+        </p:spPr>
+        <p:txBody>
+          <a:bodyPr vert="horz" lIns="91440" tIns="45720" rIns="91440" bIns="45720" rtlCol="0" anchor="ctr">
+            <a:normAutofit/>
+          </a:bodyPr>
+          <a:lstStyle/>
+          <a:p>
+            <a:pPr algn="ctr"/>
+            <a:r>
+              <a:rPr lang="en-US" sz="3600" kern="1200">
+                <a:solidFill>
+                  <a:srgbClr val="FFFFFF"/>
+                </a:solidFill>
+                <a:latin typeface="+mj-lt"/>
+                <a:ea typeface="+mj-ea"/>
+                <a:cs typeface="+mj-cs"/>
+              </a:rPr>
+              <a:t>Lambda Example</a:t>
+            </a:r>
+          </a:p>
+        </p:txBody>
+      </p:sp>
+      <p:pic>
+        <p:nvPicPr>
+          <p:cNvPr id="4" name="object 9" descr="Graphical user interface, text, application&#10;&#10;Description automatically generated">
+            <a:extLst>
+              <a:ext uri="{FF2B5EF4-FFF2-40B4-BE49-F238E27FC236}">
+                <a16:creationId xmlns:a16="http://schemas.microsoft.com/office/drawing/2014/main" id="{627BC424-20E9-4A11-AA66-7589F3BCC5FD}"/>
+              </a:ext>
+            </a:extLst>
+          </p:cNvPr>
+          <p:cNvPicPr>
+            <a:picLocks noGrp="1"/>
+          </p:cNvPicPr>
+          <p:nvPr>
+            <p:ph idx="1"/>
+          </p:nvPr>
+        </p:nvPicPr>
+        <p:blipFill>
+          <a:blip r:embed="rId2" cstate="print"/>
+          <a:stretch>
+            <a:fillRect/>
+          </a:stretch>
+        </p:blipFill>
+        <p:spPr>
+          <a:xfrm>
+            <a:off x="4777316" y="1849569"/>
+            <a:ext cx="6780700" cy="3156532"/>
+          </a:xfrm>
+          <a:prstGeom prst="rect">
+            <a:avLst/>
+          </a:prstGeom>
+        </p:spPr>
+      </p:pic>
+    </p:spTree>
+    <p:extLst>
+      <p:ext uri="{BB962C8B-B14F-4D97-AF65-F5344CB8AC3E}">
+        <p14:creationId xmlns:p14="http://schemas.microsoft.com/office/powerpoint/2010/main" val="4019827636"/>
+      </p:ext>
+    </p:extLst>
+  </p:cSld>
+  <p:clrMapOvr>
+    <a:masterClrMapping/>
+  </p:clrMapOvr>
+</p:sld>
+</file>
+
+<file path=ppt/slides/slide26.xml><?xml version="1.0" encoding="utf-8"?>
+<p:sld xmlns:a="http://schemas.openxmlformats.org/drawingml/2006/main" xmlns:r="http://schemas.openxmlformats.org/officeDocument/2006/relationships" xmlns:p="http://schemas.openxmlformats.org/presentationml/2006/main">
+  <p:cSld>
+    <p:spTree>
+      <p:nvGrpSpPr>
+        <p:cNvPr id="1" name=""/>
+        <p:cNvGrpSpPr/>
+        <p:nvPr/>
+      </p:nvGrpSpPr>
+      <p:grpSpPr>
+        <a:xfrm>
+          <a:off x="0" y="0"/>
+          <a:ext cx="0" cy="0"/>
+          <a:chOff x="0" y="0"/>
+          <a:chExt cx="0" cy="0"/>
+        </a:xfrm>
+      </p:grpSpPr>
+      <p:sp>
+        <p:nvSpPr>
+          <p:cNvPr id="2" name="Title 1">
+            <a:extLst>
+              <a:ext uri="{FF2B5EF4-FFF2-40B4-BE49-F238E27FC236}">
+                <a16:creationId xmlns:a16="http://schemas.microsoft.com/office/drawing/2014/main" id="{6E3CB26E-B8B8-2489-62EA-7B5787D14416}"/>
+              </a:ext>
+            </a:extLst>
+          </p:cNvPr>
+          <p:cNvSpPr>
+            <a:spLocks noGrp="1"/>
+          </p:cNvSpPr>
+          <p:nvPr>
+            <p:ph type="title"/>
+          </p:nvPr>
+        </p:nvSpPr>
+        <p:spPr/>
+        <p:txBody>
+          <a:bodyPr/>
+          <a:lstStyle/>
+          <a:p>
+            <a:r>
+              <a:rPr lang="en-IN" dirty="0"/>
+              <a:t>Shallow Copy</a:t>
+            </a:r>
+            <a:endParaRPr lang="en-US" dirty="0"/>
+          </a:p>
+        </p:txBody>
+      </p:sp>
+      <p:sp>
+        <p:nvSpPr>
+          <p:cNvPr id="4" name="Rectangle 3">
+            <a:extLst>
+              <a:ext uri="{FF2B5EF4-FFF2-40B4-BE49-F238E27FC236}">
+                <a16:creationId xmlns:a16="http://schemas.microsoft.com/office/drawing/2014/main" id="{CF1523F5-D5C5-1B68-4D65-A89118FC887C}"/>
+              </a:ext>
+            </a:extLst>
+          </p:cNvPr>
+          <p:cNvSpPr/>
+          <p:nvPr/>
+        </p:nvSpPr>
+        <p:spPr>
+          <a:xfrm>
+            <a:off x="1151465" y="2836333"/>
+            <a:ext cx="2006601" cy="1325563"/>
+          </a:xfrm>
+          <a:prstGeom prst="rect">
+            <a:avLst/>
+          </a:prstGeom>
+        </p:spPr>
+        <p:style>
+          <a:lnRef idx="2">
+            <a:schemeClr val="accent1">
+              <a:shade val="50000"/>
+            </a:schemeClr>
+          </a:lnRef>
+          <a:fillRef idx="1">
+            <a:schemeClr val="accent1"/>
+          </a:fillRef>
+          <a:effectRef idx="0">
+            <a:schemeClr val="accent1"/>
+          </a:effectRef>
+          <a:fontRef idx="minor">
+            <a:schemeClr val="lt1"/>
+          </a:fontRef>
+        </p:style>
+        <p:txBody>
+          <a:bodyPr rtlCol="0" anchor="ctr"/>
+          <a:lstStyle/>
+          <a:p>
+            <a:pPr algn="ctr"/>
+            <a:r>
+              <a:rPr lang="en-IN" dirty="0"/>
+              <a:t>id: 1</a:t>
+            </a:r>
+          </a:p>
+          <a:p>
+            <a:pPr algn="ctr"/>
+            <a:r>
+              <a:rPr lang="en-US" dirty="0" err="1"/>
+              <a:t>ename</a:t>
+            </a:r>
+            <a:r>
+              <a:rPr lang="en-US" dirty="0"/>
+              <a:t>: “Manish”</a:t>
+            </a:r>
+          </a:p>
+          <a:p>
+            <a:pPr algn="ctr"/>
+            <a:r>
+              <a:rPr lang="en-US" dirty="0"/>
+              <a:t>address: </a:t>
+            </a:r>
+          </a:p>
+        </p:txBody>
+      </p:sp>
+      <p:sp>
+        <p:nvSpPr>
+          <p:cNvPr id="5" name="TextBox 4">
+            <a:extLst>
+              <a:ext uri="{FF2B5EF4-FFF2-40B4-BE49-F238E27FC236}">
+                <a16:creationId xmlns:a16="http://schemas.microsoft.com/office/drawing/2014/main" id="{F3EAC2A5-5DD7-8A68-3071-423413731203}"/>
+              </a:ext>
+            </a:extLst>
+          </p:cNvPr>
+          <p:cNvSpPr txBox="1"/>
+          <p:nvPr/>
+        </p:nvSpPr>
+        <p:spPr>
+          <a:xfrm>
+            <a:off x="3052858" y="2310936"/>
+            <a:ext cx="723275" cy="369332"/>
+          </a:xfrm>
+          <a:prstGeom prst="rect">
+            <a:avLst/>
+          </a:prstGeom>
+          <a:noFill/>
+        </p:spPr>
+        <p:txBody>
+          <a:bodyPr wrap="none" rtlCol="0">
+            <a:spAutoFit/>
+          </a:bodyPr>
+          <a:lstStyle/>
+          <a:p>
+            <a:r>
+              <a:rPr lang="en-IN" dirty="0"/>
+              <a:t>emp1</a:t>
+            </a:r>
+            <a:endParaRPr lang="en-US" dirty="0"/>
+          </a:p>
+        </p:txBody>
+      </p:sp>
+      <p:sp>
+        <p:nvSpPr>
+          <p:cNvPr id="6" name="Rectangle 5">
+            <a:extLst>
+              <a:ext uri="{FF2B5EF4-FFF2-40B4-BE49-F238E27FC236}">
+                <a16:creationId xmlns:a16="http://schemas.microsoft.com/office/drawing/2014/main" id="{FE370991-80C8-59E0-0A74-C7284E7F2846}"/>
+              </a:ext>
+            </a:extLst>
+          </p:cNvPr>
+          <p:cNvSpPr/>
+          <p:nvPr/>
+        </p:nvSpPr>
+        <p:spPr>
+          <a:xfrm>
+            <a:off x="4334932" y="4287799"/>
+            <a:ext cx="1583267" cy="973666"/>
+          </a:xfrm>
+          <a:prstGeom prst="rect">
+            <a:avLst/>
+          </a:prstGeom>
+        </p:spPr>
+        <p:style>
+          <a:lnRef idx="2">
+            <a:schemeClr val="accent1">
+              <a:shade val="50000"/>
+            </a:schemeClr>
+          </a:lnRef>
+          <a:fillRef idx="1">
+            <a:schemeClr val="accent1"/>
+          </a:fillRef>
+          <a:effectRef idx="0">
+            <a:schemeClr val="accent1"/>
+          </a:effectRef>
+          <a:fontRef idx="minor">
+            <a:schemeClr val="lt1"/>
+          </a:fontRef>
+        </p:style>
+        <p:txBody>
+          <a:bodyPr rtlCol="0" anchor="ctr"/>
+          <a:lstStyle/>
+          <a:p>
+            <a:pPr algn="ctr"/>
+            <a:r>
+              <a:rPr lang="en-IN" dirty="0"/>
+              <a:t>city: “Mumbai”</a:t>
+            </a:r>
+            <a:endParaRPr lang="en-US" dirty="0"/>
+          </a:p>
+        </p:txBody>
+      </p:sp>
+      <p:cxnSp>
+        <p:nvCxnSpPr>
+          <p:cNvPr id="8" name="Straight Arrow Connector 7">
+            <a:extLst>
+              <a:ext uri="{FF2B5EF4-FFF2-40B4-BE49-F238E27FC236}">
+                <a16:creationId xmlns:a16="http://schemas.microsoft.com/office/drawing/2014/main" id="{DDC21E2A-7DFD-4581-63AD-A2190FC50DCC}"/>
+              </a:ext>
+            </a:extLst>
+          </p:cNvPr>
+          <p:cNvCxnSpPr>
+            <a:cxnSpLocks/>
+            <a:endCxn id="6" idx="1"/>
+          </p:cNvCxnSpPr>
+          <p:nvPr/>
+        </p:nvCxnSpPr>
+        <p:spPr>
+          <a:xfrm>
+            <a:off x="2556933" y="3776133"/>
+            <a:ext cx="1777999" cy="998499"/>
+          </a:xfrm>
+          <a:prstGeom prst="straightConnector1">
+            <a:avLst/>
+          </a:prstGeom>
+          <a:ln>
+            <a:tailEnd type="triangle"/>
+          </a:ln>
+        </p:spPr>
+        <p:style>
+          <a:lnRef idx="1">
+            <a:schemeClr val="accent4"/>
+          </a:lnRef>
+          <a:fillRef idx="0">
+            <a:schemeClr val="accent4"/>
+          </a:fillRef>
+          <a:effectRef idx="0">
+            <a:schemeClr val="accent4"/>
+          </a:effectRef>
+          <a:fontRef idx="minor">
+            <a:schemeClr val="tx1"/>
+          </a:fontRef>
+        </p:style>
+      </p:cxnSp>
+      <p:sp>
+        <p:nvSpPr>
+          <p:cNvPr id="9" name="Rectangle 8">
+            <a:extLst>
+              <a:ext uri="{FF2B5EF4-FFF2-40B4-BE49-F238E27FC236}">
+                <a16:creationId xmlns:a16="http://schemas.microsoft.com/office/drawing/2014/main" id="{78C818FE-D2F2-A08B-D8DA-2734B5AD1F23}"/>
+              </a:ext>
+            </a:extLst>
+          </p:cNvPr>
+          <p:cNvSpPr/>
+          <p:nvPr/>
+        </p:nvSpPr>
+        <p:spPr>
+          <a:xfrm>
+            <a:off x="7027335" y="2680268"/>
+            <a:ext cx="2006601" cy="1325563"/>
+          </a:xfrm>
+          <a:prstGeom prst="rect">
+            <a:avLst/>
+          </a:prstGeom>
+        </p:spPr>
+        <p:style>
+          <a:lnRef idx="2">
+            <a:schemeClr val="accent1">
+              <a:shade val="50000"/>
+            </a:schemeClr>
+          </a:lnRef>
+          <a:fillRef idx="1">
+            <a:schemeClr val="accent1"/>
+          </a:fillRef>
+          <a:effectRef idx="0">
+            <a:schemeClr val="accent1"/>
+          </a:effectRef>
+          <a:fontRef idx="minor">
+            <a:schemeClr val="lt1"/>
+          </a:fontRef>
+        </p:style>
+        <p:txBody>
+          <a:bodyPr rtlCol="0" anchor="ctr"/>
+          <a:lstStyle/>
+          <a:p>
+            <a:pPr algn="ctr"/>
+            <a:r>
+              <a:rPr lang="en-IN" dirty="0"/>
+              <a:t>id: 1</a:t>
+            </a:r>
+          </a:p>
+          <a:p>
+            <a:pPr algn="ctr"/>
+            <a:r>
+              <a:rPr lang="en-US" dirty="0" err="1"/>
+              <a:t>ename</a:t>
+            </a:r>
+            <a:r>
+              <a:rPr lang="en-US" dirty="0"/>
+              <a:t>: “Manish”</a:t>
+            </a:r>
+          </a:p>
+          <a:p>
+            <a:pPr algn="ctr"/>
+            <a:r>
+              <a:rPr lang="en-US" dirty="0"/>
+              <a:t>address: </a:t>
+            </a:r>
+          </a:p>
+        </p:txBody>
+      </p:sp>
+      <p:sp>
+        <p:nvSpPr>
+          <p:cNvPr id="10" name="TextBox 9">
+            <a:extLst>
+              <a:ext uri="{FF2B5EF4-FFF2-40B4-BE49-F238E27FC236}">
+                <a16:creationId xmlns:a16="http://schemas.microsoft.com/office/drawing/2014/main" id="{D77CB813-EA73-0CE6-11DF-CFBC910833FD}"/>
+              </a:ext>
+            </a:extLst>
+          </p:cNvPr>
+          <p:cNvSpPr txBox="1"/>
+          <p:nvPr/>
+        </p:nvSpPr>
+        <p:spPr>
+          <a:xfrm>
+            <a:off x="8928728" y="2154871"/>
+            <a:ext cx="723275" cy="369332"/>
+          </a:xfrm>
+          <a:prstGeom prst="rect">
+            <a:avLst/>
+          </a:prstGeom>
+          <a:noFill/>
+        </p:spPr>
+        <p:txBody>
+          <a:bodyPr wrap="none" rtlCol="0">
+            <a:spAutoFit/>
+          </a:bodyPr>
+          <a:lstStyle/>
+          <a:p>
+            <a:r>
+              <a:rPr lang="en-IN" dirty="0"/>
+              <a:t>emp2</a:t>
+            </a:r>
+            <a:endParaRPr lang="en-US" dirty="0"/>
+          </a:p>
+        </p:txBody>
+      </p:sp>
+      <p:cxnSp>
+        <p:nvCxnSpPr>
+          <p:cNvPr id="12" name="Straight Arrow Connector 11">
+            <a:extLst>
+              <a:ext uri="{FF2B5EF4-FFF2-40B4-BE49-F238E27FC236}">
+                <a16:creationId xmlns:a16="http://schemas.microsoft.com/office/drawing/2014/main" id="{6CB2219A-D9F7-82B1-F5CA-329DBA27B123}"/>
+              </a:ext>
+            </a:extLst>
+          </p:cNvPr>
+          <p:cNvCxnSpPr>
+            <a:cxnSpLocks/>
+            <a:endCxn id="6" idx="3"/>
+          </p:cNvCxnSpPr>
+          <p:nvPr/>
+        </p:nvCxnSpPr>
+        <p:spPr>
+          <a:xfrm flipH="1">
+            <a:off x="5918199" y="3737750"/>
+            <a:ext cx="1659468" cy="1036882"/>
+          </a:xfrm>
+          <a:prstGeom prst="straightConnector1">
+            <a:avLst/>
+          </a:prstGeom>
+          <a:ln>
+            <a:tailEnd type="triangle"/>
+          </a:ln>
+        </p:spPr>
+        <p:style>
+          <a:lnRef idx="1">
+            <a:schemeClr val="accent4"/>
+          </a:lnRef>
+          <a:fillRef idx="0">
+            <a:schemeClr val="accent4"/>
+          </a:fillRef>
+          <a:effectRef idx="0">
+            <a:schemeClr val="accent4"/>
+          </a:effectRef>
+          <a:fontRef idx="minor">
+            <a:schemeClr val="tx1"/>
+          </a:fontRef>
+        </p:style>
+      </p:cxnSp>
+    </p:spTree>
+    <p:extLst>
+      <p:ext uri="{BB962C8B-B14F-4D97-AF65-F5344CB8AC3E}">
+        <p14:creationId xmlns:p14="http://schemas.microsoft.com/office/powerpoint/2010/main" val="995173291"/>
+      </p:ext>
+    </p:extLst>
+  </p:cSld>
+  <p:clrMapOvr>
+    <a:masterClrMapping/>
+  </p:clrMapOvr>
+</p:sld>
+</file>
+
+<file path=ppt/slides/slide27.xml><?xml version="1.0" encoding="utf-8"?>
+<p:sld xmlns:a="http://schemas.openxmlformats.org/drawingml/2006/main" xmlns:r="http://schemas.openxmlformats.org/officeDocument/2006/relationships" xmlns:p="http://schemas.openxmlformats.org/presentationml/2006/main">
+  <p:cSld>
+    <p:spTree>
+      <p:nvGrpSpPr>
+        <p:cNvPr id="1" name=""/>
+        <p:cNvGrpSpPr/>
+        <p:nvPr/>
+      </p:nvGrpSpPr>
+      <p:grpSpPr>
+        <a:xfrm>
+          <a:off x="0" y="0"/>
+          <a:ext cx="0" cy="0"/>
+          <a:chOff x="0" y="0"/>
+          <a:chExt cx="0" cy="0"/>
+        </a:xfrm>
+      </p:grpSpPr>
+      <p:sp>
+        <p:nvSpPr>
+          <p:cNvPr id="2" name="Title 1">
+            <a:extLst>
+              <a:ext uri="{FF2B5EF4-FFF2-40B4-BE49-F238E27FC236}">
+                <a16:creationId xmlns:a16="http://schemas.microsoft.com/office/drawing/2014/main" id="{6E3CB26E-B8B8-2489-62EA-7B5787D14416}"/>
+              </a:ext>
+            </a:extLst>
+          </p:cNvPr>
+          <p:cNvSpPr>
+            <a:spLocks noGrp="1"/>
+          </p:cNvSpPr>
+          <p:nvPr>
+            <p:ph type="title"/>
+          </p:nvPr>
+        </p:nvSpPr>
+        <p:spPr/>
+        <p:txBody>
+          <a:bodyPr/>
+          <a:lstStyle/>
+          <a:p>
+            <a:r>
+              <a:rPr lang="en-IN" dirty="0"/>
+              <a:t>Deep Copy</a:t>
+            </a:r>
+            <a:endParaRPr lang="en-US" dirty="0"/>
+          </a:p>
+        </p:txBody>
+      </p:sp>
+      <p:sp>
+        <p:nvSpPr>
+          <p:cNvPr id="4" name="Rectangle 3">
+            <a:extLst>
+              <a:ext uri="{FF2B5EF4-FFF2-40B4-BE49-F238E27FC236}">
+                <a16:creationId xmlns:a16="http://schemas.microsoft.com/office/drawing/2014/main" id="{CF1523F5-D5C5-1B68-4D65-A89118FC887C}"/>
+              </a:ext>
+            </a:extLst>
+          </p:cNvPr>
+          <p:cNvSpPr/>
+          <p:nvPr/>
+        </p:nvSpPr>
+        <p:spPr>
+          <a:xfrm>
+            <a:off x="1151465" y="2836333"/>
+            <a:ext cx="2006601" cy="1325563"/>
+          </a:xfrm>
+          <a:prstGeom prst="rect">
+            <a:avLst/>
+          </a:prstGeom>
+        </p:spPr>
+        <p:style>
+          <a:lnRef idx="2">
+            <a:schemeClr val="accent1">
+              <a:shade val="50000"/>
+            </a:schemeClr>
+          </a:lnRef>
+          <a:fillRef idx="1">
+            <a:schemeClr val="accent1"/>
+          </a:fillRef>
+          <a:effectRef idx="0">
+            <a:schemeClr val="accent1"/>
+          </a:effectRef>
+          <a:fontRef idx="minor">
+            <a:schemeClr val="lt1"/>
+          </a:fontRef>
+        </p:style>
+        <p:txBody>
+          <a:bodyPr rtlCol="0" anchor="ctr"/>
+          <a:lstStyle/>
+          <a:p>
+            <a:pPr algn="ctr"/>
+            <a:r>
+              <a:rPr lang="en-IN" dirty="0"/>
+              <a:t>id: 1</a:t>
+            </a:r>
+          </a:p>
+          <a:p>
+            <a:pPr algn="ctr"/>
+            <a:r>
+              <a:rPr lang="en-US" dirty="0" err="1"/>
+              <a:t>ename</a:t>
+            </a:r>
+            <a:r>
+              <a:rPr lang="en-US" dirty="0"/>
+              <a:t>: “Manish”</a:t>
+            </a:r>
+          </a:p>
+          <a:p>
+            <a:pPr algn="ctr"/>
+            <a:r>
+              <a:rPr lang="en-US" dirty="0"/>
+              <a:t>address: </a:t>
+            </a:r>
+          </a:p>
+        </p:txBody>
+      </p:sp>
+      <p:sp>
+        <p:nvSpPr>
+          <p:cNvPr id="5" name="TextBox 4">
+            <a:extLst>
+              <a:ext uri="{FF2B5EF4-FFF2-40B4-BE49-F238E27FC236}">
+                <a16:creationId xmlns:a16="http://schemas.microsoft.com/office/drawing/2014/main" id="{F3EAC2A5-5DD7-8A68-3071-423413731203}"/>
+              </a:ext>
+            </a:extLst>
+          </p:cNvPr>
+          <p:cNvSpPr txBox="1"/>
+          <p:nvPr/>
+        </p:nvSpPr>
+        <p:spPr>
+          <a:xfrm>
+            <a:off x="3052858" y="2310936"/>
+            <a:ext cx="723275" cy="369332"/>
+          </a:xfrm>
+          <a:prstGeom prst="rect">
+            <a:avLst/>
+          </a:prstGeom>
+          <a:noFill/>
+        </p:spPr>
+        <p:txBody>
+          <a:bodyPr wrap="none" rtlCol="0">
+            <a:spAutoFit/>
+          </a:bodyPr>
+          <a:lstStyle/>
+          <a:p>
+            <a:r>
+              <a:rPr lang="en-IN" dirty="0"/>
+              <a:t>emp1</a:t>
+            </a:r>
+            <a:endParaRPr lang="en-US" dirty="0"/>
+          </a:p>
+        </p:txBody>
+      </p:sp>
+      <p:sp>
+        <p:nvSpPr>
+          <p:cNvPr id="6" name="Rectangle 5">
+            <a:extLst>
+              <a:ext uri="{FF2B5EF4-FFF2-40B4-BE49-F238E27FC236}">
+                <a16:creationId xmlns:a16="http://schemas.microsoft.com/office/drawing/2014/main" id="{FE370991-80C8-59E0-0A74-C7284E7F2846}"/>
+              </a:ext>
+            </a:extLst>
+          </p:cNvPr>
+          <p:cNvSpPr/>
+          <p:nvPr/>
+        </p:nvSpPr>
+        <p:spPr>
+          <a:xfrm>
+            <a:off x="4021669" y="4138043"/>
+            <a:ext cx="1583267" cy="973666"/>
+          </a:xfrm>
+          <a:prstGeom prst="rect">
+            <a:avLst/>
+          </a:prstGeom>
+        </p:spPr>
+        <p:style>
+          <a:lnRef idx="2">
+            <a:schemeClr val="accent1">
+              <a:shade val="50000"/>
+            </a:schemeClr>
+          </a:lnRef>
+          <a:fillRef idx="1">
+            <a:schemeClr val="accent1"/>
+          </a:fillRef>
+          <a:effectRef idx="0">
+            <a:schemeClr val="accent1"/>
+          </a:effectRef>
+          <a:fontRef idx="minor">
+            <a:schemeClr val="lt1"/>
+          </a:fontRef>
+        </p:style>
+        <p:txBody>
+          <a:bodyPr rtlCol="0" anchor="ctr"/>
+          <a:lstStyle/>
+          <a:p>
+            <a:pPr algn="ctr"/>
+            <a:r>
+              <a:rPr lang="en-IN" dirty="0"/>
+              <a:t>city: “Mumbai”</a:t>
+            </a:r>
+            <a:endParaRPr lang="en-US" dirty="0"/>
+          </a:p>
+        </p:txBody>
+      </p:sp>
+      <p:cxnSp>
+        <p:nvCxnSpPr>
+          <p:cNvPr id="8" name="Straight Arrow Connector 7">
+            <a:extLst>
+              <a:ext uri="{FF2B5EF4-FFF2-40B4-BE49-F238E27FC236}">
+                <a16:creationId xmlns:a16="http://schemas.microsoft.com/office/drawing/2014/main" id="{DDC21E2A-7DFD-4581-63AD-A2190FC50DCC}"/>
+              </a:ext>
+            </a:extLst>
+          </p:cNvPr>
+          <p:cNvCxnSpPr>
+            <a:cxnSpLocks/>
+            <a:endCxn id="6" idx="1"/>
+          </p:cNvCxnSpPr>
+          <p:nvPr/>
+        </p:nvCxnSpPr>
+        <p:spPr>
+          <a:xfrm>
+            <a:off x="2624669" y="3825913"/>
+            <a:ext cx="1397000" cy="798963"/>
+          </a:xfrm>
+          <a:prstGeom prst="straightConnector1">
+            <a:avLst/>
+          </a:prstGeom>
+          <a:ln>
+            <a:tailEnd type="triangle"/>
+          </a:ln>
+        </p:spPr>
+        <p:style>
+          <a:lnRef idx="1">
+            <a:schemeClr val="accent4"/>
+          </a:lnRef>
+          <a:fillRef idx="0">
+            <a:schemeClr val="accent4"/>
+          </a:fillRef>
+          <a:effectRef idx="0">
+            <a:schemeClr val="accent4"/>
+          </a:effectRef>
+          <a:fontRef idx="minor">
+            <a:schemeClr val="tx1"/>
+          </a:fontRef>
+        </p:style>
+      </p:cxnSp>
+      <p:sp>
+        <p:nvSpPr>
+          <p:cNvPr id="9" name="Rectangle 8">
+            <a:extLst>
+              <a:ext uri="{FF2B5EF4-FFF2-40B4-BE49-F238E27FC236}">
+                <a16:creationId xmlns:a16="http://schemas.microsoft.com/office/drawing/2014/main" id="{78C818FE-D2F2-A08B-D8DA-2734B5AD1F23}"/>
+              </a:ext>
+            </a:extLst>
+          </p:cNvPr>
+          <p:cNvSpPr/>
+          <p:nvPr/>
+        </p:nvSpPr>
+        <p:spPr>
+          <a:xfrm>
+            <a:off x="7027335" y="2680268"/>
+            <a:ext cx="2006601" cy="1325563"/>
+          </a:xfrm>
+          <a:prstGeom prst="rect">
+            <a:avLst/>
+          </a:prstGeom>
+        </p:spPr>
+        <p:style>
+          <a:lnRef idx="2">
+            <a:schemeClr val="accent1">
+              <a:shade val="50000"/>
+            </a:schemeClr>
+          </a:lnRef>
+          <a:fillRef idx="1">
+            <a:schemeClr val="accent1"/>
+          </a:fillRef>
+          <a:effectRef idx="0">
+            <a:schemeClr val="accent1"/>
+          </a:effectRef>
+          <a:fontRef idx="minor">
+            <a:schemeClr val="lt1"/>
+          </a:fontRef>
+        </p:style>
+        <p:txBody>
+          <a:bodyPr rtlCol="0" anchor="ctr"/>
+          <a:lstStyle/>
+          <a:p>
+            <a:pPr algn="ctr"/>
+            <a:r>
+              <a:rPr lang="en-IN" dirty="0"/>
+              <a:t>id: 1</a:t>
+            </a:r>
+          </a:p>
+          <a:p>
+            <a:pPr algn="ctr"/>
+            <a:r>
+              <a:rPr lang="en-US" dirty="0" err="1"/>
+              <a:t>ename</a:t>
+            </a:r>
+            <a:r>
+              <a:rPr lang="en-US" dirty="0"/>
+              <a:t>: “Manish”</a:t>
+            </a:r>
+          </a:p>
+          <a:p>
+            <a:pPr algn="ctr"/>
+            <a:r>
+              <a:rPr lang="en-US" dirty="0"/>
+              <a:t>address: </a:t>
+            </a:r>
+          </a:p>
+        </p:txBody>
+      </p:sp>
+      <p:sp>
+        <p:nvSpPr>
+          <p:cNvPr id="10" name="TextBox 9">
+            <a:extLst>
+              <a:ext uri="{FF2B5EF4-FFF2-40B4-BE49-F238E27FC236}">
+                <a16:creationId xmlns:a16="http://schemas.microsoft.com/office/drawing/2014/main" id="{D77CB813-EA73-0CE6-11DF-CFBC910833FD}"/>
+              </a:ext>
+            </a:extLst>
+          </p:cNvPr>
+          <p:cNvSpPr txBox="1"/>
+          <p:nvPr/>
+        </p:nvSpPr>
+        <p:spPr>
+          <a:xfrm>
+            <a:off x="8928728" y="2154871"/>
+            <a:ext cx="723275" cy="369332"/>
+          </a:xfrm>
+          <a:prstGeom prst="rect">
+            <a:avLst/>
+          </a:prstGeom>
+          <a:noFill/>
+        </p:spPr>
+        <p:txBody>
+          <a:bodyPr wrap="none" rtlCol="0">
+            <a:spAutoFit/>
+          </a:bodyPr>
+          <a:lstStyle/>
+          <a:p>
+            <a:r>
+              <a:rPr lang="en-IN" dirty="0"/>
+              <a:t>emp2</a:t>
+            </a:r>
+            <a:endParaRPr lang="en-US" dirty="0"/>
+          </a:p>
+        </p:txBody>
+      </p:sp>
+      <p:sp>
+        <p:nvSpPr>
+          <p:cNvPr id="11" name="Rectangle 10">
+            <a:extLst>
+              <a:ext uri="{FF2B5EF4-FFF2-40B4-BE49-F238E27FC236}">
+                <a16:creationId xmlns:a16="http://schemas.microsoft.com/office/drawing/2014/main" id="{94A26182-F4BF-87D5-BDE7-53022209F96D}"/>
+              </a:ext>
+            </a:extLst>
+          </p:cNvPr>
+          <p:cNvSpPr/>
+          <p:nvPr/>
+        </p:nvSpPr>
+        <p:spPr>
+          <a:xfrm>
+            <a:off x="9770533" y="4317961"/>
+            <a:ext cx="1583267" cy="973666"/>
+          </a:xfrm>
+          <a:prstGeom prst="rect">
+            <a:avLst/>
+          </a:prstGeom>
+        </p:spPr>
+        <p:style>
+          <a:lnRef idx="2">
+            <a:schemeClr val="accent1">
+              <a:shade val="50000"/>
+            </a:schemeClr>
+          </a:lnRef>
+          <a:fillRef idx="1">
+            <a:schemeClr val="accent1"/>
+          </a:fillRef>
+          <a:effectRef idx="0">
+            <a:schemeClr val="accent1"/>
+          </a:effectRef>
+          <a:fontRef idx="minor">
+            <a:schemeClr val="lt1"/>
+          </a:fontRef>
+        </p:style>
+        <p:txBody>
+          <a:bodyPr rtlCol="0" anchor="ctr"/>
+          <a:lstStyle/>
+          <a:p>
+            <a:pPr algn="ctr"/>
+            <a:r>
+              <a:rPr lang="en-IN" dirty="0"/>
+              <a:t>city: “Pune”</a:t>
+            </a:r>
+            <a:endParaRPr lang="en-US" dirty="0"/>
+          </a:p>
+        </p:txBody>
+      </p:sp>
+      <p:cxnSp>
+        <p:nvCxnSpPr>
+          <p:cNvPr id="7" name="Straight Arrow Connector 6">
+            <a:extLst>
+              <a:ext uri="{FF2B5EF4-FFF2-40B4-BE49-F238E27FC236}">
+                <a16:creationId xmlns:a16="http://schemas.microsoft.com/office/drawing/2014/main" id="{F05FD5EC-F3C5-F028-D6CF-4262AD109BDA}"/>
+              </a:ext>
+            </a:extLst>
+          </p:cNvPr>
+          <p:cNvCxnSpPr>
+            <a:endCxn id="11" idx="1"/>
+          </p:cNvCxnSpPr>
+          <p:nvPr/>
+        </p:nvCxnSpPr>
+        <p:spPr>
+          <a:xfrm>
+            <a:off x="8475133" y="3632200"/>
+            <a:ext cx="1295400" cy="1172594"/>
+          </a:xfrm>
+          <a:prstGeom prst="straightConnector1">
+            <a:avLst/>
+          </a:prstGeom>
+          <a:ln>
+            <a:tailEnd type="triangle"/>
+          </a:ln>
+        </p:spPr>
+        <p:style>
+          <a:lnRef idx="1">
+            <a:schemeClr val="accent4"/>
+          </a:lnRef>
+          <a:fillRef idx="0">
+            <a:schemeClr val="accent4"/>
+          </a:fillRef>
+          <a:effectRef idx="0">
+            <a:schemeClr val="accent4"/>
+          </a:effectRef>
+          <a:fontRef idx="minor">
+            <a:schemeClr val="tx1"/>
+          </a:fontRef>
+        </p:style>
+      </p:cxnSp>
+    </p:spTree>
+    <p:extLst>
+      <p:ext uri="{BB962C8B-B14F-4D97-AF65-F5344CB8AC3E}">
+        <p14:creationId xmlns:p14="http://schemas.microsoft.com/office/powerpoint/2010/main" val="2033417303"/>
+      </p:ext>
+    </p:extLst>
+  </p:cSld>
+  <p:clrMapOvr>
+    <a:masterClrMapping/>
+  </p:clrMapOvr>
+</p:sld>
+</file>
+
+<file path=ppt/slides/slide28.xml><?xml version="1.0" encoding="utf-8"?>
+<p:sld xmlns:a="http://schemas.openxmlformats.org/drawingml/2006/main" xmlns:r="http://schemas.openxmlformats.org/officeDocument/2006/relationships" xmlns:p="http://schemas.openxmlformats.org/presentationml/2006/main">
+  <p:cSld>
+    <p:spTree>
+      <p:nvGrpSpPr>
+        <p:cNvPr id="1" name=""/>
+        <p:cNvGrpSpPr/>
+        <p:nvPr/>
+      </p:nvGrpSpPr>
+      <p:grpSpPr>
+        <a:xfrm>
+          <a:off x="0" y="0"/>
+          <a:ext cx="0" cy="0"/>
+          <a:chOff x="0" y="0"/>
+          <a:chExt cx="0" cy="0"/>
+        </a:xfrm>
+      </p:grpSpPr>
+      <p:sp>
+        <p:nvSpPr>
+          <p:cNvPr id="2" name="Title 1">
+            <a:extLst>
+              <a:ext uri="{FF2B5EF4-FFF2-40B4-BE49-F238E27FC236}">
+                <a16:creationId xmlns:a16="http://schemas.microsoft.com/office/drawing/2014/main" id="{BDBEB226-59B8-4296-8706-31197ADE7FC6}"/>
+              </a:ext>
+            </a:extLst>
+          </p:cNvPr>
+          <p:cNvSpPr>
+            <a:spLocks noGrp="1"/>
+          </p:cNvSpPr>
+          <p:nvPr>
+            <p:ph type="title"/>
+          </p:nvPr>
+        </p:nvSpPr>
+        <p:spPr>
+          <a:xfrm>
+            <a:off x="838200" y="365125"/>
+            <a:ext cx="10515600" cy="1325563"/>
+          </a:xfrm>
+        </p:spPr>
+        <p:txBody>
+          <a:bodyPr/>
+          <a:lstStyle/>
+          <a:p>
+            <a:r>
+              <a:rPr lang="en-US" dirty="0"/>
+              <a:t>Arrays</a:t>
+            </a:r>
+          </a:p>
+        </p:txBody>
+      </p:sp>
+      <p:sp>
+        <p:nvSpPr>
+          <p:cNvPr id="3" name="Content Placeholder 2">
+            <a:extLst>
+              <a:ext uri="{FF2B5EF4-FFF2-40B4-BE49-F238E27FC236}">
+                <a16:creationId xmlns:a16="http://schemas.microsoft.com/office/drawing/2014/main" id="{746447D7-19FC-49F8-BBED-B77D4C57F993}"/>
+              </a:ext>
+            </a:extLst>
+          </p:cNvPr>
+          <p:cNvSpPr>
+            <a:spLocks noGrp="1"/>
+          </p:cNvSpPr>
+          <p:nvPr>
+            <p:ph idx="1"/>
+          </p:nvPr>
+        </p:nvSpPr>
+        <p:spPr>
+          <a:xfrm>
+            <a:off x="838200" y="1825625"/>
+            <a:ext cx="10515600" cy="4351338"/>
+          </a:xfrm>
+        </p:spPr>
+        <p:txBody>
+          <a:bodyPr>
+            <a:normAutofit lnSpcReduction="10000"/>
+          </a:bodyPr>
+          <a:lstStyle/>
+          <a:p>
+            <a:r>
+              <a:rPr lang="en-US" dirty="0"/>
+              <a:t>The use of variables to store values poses the following limitations −</a:t>
+            </a:r>
+          </a:p>
+          <a:p>
+            <a:pPr lvl="1"/>
+            <a:r>
+              <a:rPr lang="en-US" dirty="0"/>
+              <a:t>Variables are scalar in nature. In other words, a variable declaration can only contain a single at a time. This means that to store n values in a program n variable declarations will be needed. Hence, the use of variables is not feasible when one needs to store a larger collection of values.</a:t>
+            </a:r>
+          </a:p>
+          <a:p>
+            <a:pPr lvl="1"/>
+            <a:r>
+              <a:rPr lang="en-US" dirty="0"/>
+              <a:t>Variables in a program are allocated memory in random order, thereby making it difficult to retrieve/read the values in the order of their declaration.</a:t>
+            </a:r>
+          </a:p>
+          <a:p>
+            <a:r>
+              <a:rPr lang="en-US" dirty="0"/>
+              <a:t>TypeScript introduces the concept of arrays to tackle the same. </a:t>
+            </a:r>
+          </a:p>
+          <a:p>
+            <a:r>
+              <a:rPr lang="en-US" dirty="0"/>
+              <a:t>An array is a homogenous collection of values. </a:t>
+            </a:r>
+          </a:p>
+          <a:p>
+            <a:r>
+              <a:rPr lang="en-US" dirty="0"/>
+              <a:t>An array is a collection of values of the same data type. </a:t>
+            </a:r>
+          </a:p>
+          <a:p>
+            <a:r>
+              <a:rPr lang="en-US" dirty="0"/>
+              <a:t>It is a user defined type.</a:t>
+            </a:r>
+          </a:p>
+        </p:txBody>
+      </p:sp>
+    </p:spTree>
+    <p:extLst>
+      <p:ext uri="{BB962C8B-B14F-4D97-AF65-F5344CB8AC3E}">
+        <p14:creationId xmlns:p14="http://schemas.microsoft.com/office/powerpoint/2010/main" val="1542734719"/>
+      </p:ext>
+    </p:extLst>
+  </p:cSld>
+  <p:clrMapOvr>
+    <a:masterClrMapping/>
+  </p:clrMapOvr>
+</p:sld>
+</file>
+
+<file path=ppt/slides/slide29.xml><?xml version="1.0" encoding="utf-8"?>
+<p:sld xmlns:a="http://schemas.openxmlformats.org/drawingml/2006/main" xmlns:r="http://schemas.openxmlformats.org/officeDocument/2006/relationships" xmlns:p="http://schemas.openxmlformats.org/presentationml/2006/main">
+  <p:cSld>
+    <p:spTree>
+      <p:nvGrpSpPr>
+        <p:cNvPr id="1" name=""/>
+        <p:cNvGrpSpPr/>
+        <p:nvPr/>
+      </p:nvGrpSpPr>
+      <p:grpSpPr>
+        <a:xfrm>
+          <a:off x="0" y="0"/>
+          <a:ext cx="0" cy="0"/>
+          <a:chOff x="0" y="0"/>
+          <a:chExt cx="0" cy="0"/>
+        </a:xfrm>
+      </p:grpSpPr>
+      <p:sp>
+        <p:nvSpPr>
+          <p:cNvPr id="2" name="Title 1">
+            <a:extLst>
+              <a:ext uri="{FF2B5EF4-FFF2-40B4-BE49-F238E27FC236}">
+                <a16:creationId xmlns:a16="http://schemas.microsoft.com/office/drawing/2014/main" id="{FC509B23-3E27-487B-B344-6E40837D10D8}"/>
+              </a:ext>
+            </a:extLst>
+          </p:cNvPr>
+          <p:cNvSpPr>
+            <a:spLocks noGrp="1"/>
+          </p:cNvSpPr>
+          <p:nvPr>
+            <p:ph type="title"/>
+          </p:nvPr>
+        </p:nvSpPr>
+        <p:spPr>
+          <a:xfrm>
+            <a:off x="838200" y="365125"/>
+            <a:ext cx="10515600" cy="1325563"/>
+          </a:xfrm>
+        </p:spPr>
+        <p:txBody>
+          <a:bodyPr/>
+          <a:lstStyle/>
+          <a:p>
+            <a:r>
+              <a:rPr lang="en-US" dirty="0"/>
+              <a:t>Features of an Array</a:t>
+            </a:r>
+          </a:p>
+        </p:txBody>
+      </p:sp>
+      <p:sp>
+        <p:nvSpPr>
+          <p:cNvPr id="3" name="Content Placeholder 2">
+            <a:extLst>
+              <a:ext uri="{FF2B5EF4-FFF2-40B4-BE49-F238E27FC236}">
+                <a16:creationId xmlns:a16="http://schemas.microsoft.com/office/drawing/2014/main" id="{849011CF-DE71-4B3A-94EA-A8326356541E}"/>
+              </a:ext>
+            </a:extLst>
+          </p:cNvPr>
+          <p:cNvSpPr>
+            <a:spLocks noGrp="1"/>
+          </p:cNvSpPr>
+          <p:nvPr>
+            <p:ph idx="1"/>
+          </p:nvPr>
+        </p:nvSpPr>
+        <p:spPr>
+          <a:xfrm>
+            <a:off x="838200" y="1825625"/>
+            <a:ext cx="10515600" cy="4351338"/>
+          </a:xfrm>
+        </p:spPr>
+        <p:txBody>
+          <a:bodyPr>
+            <a:normAutofit fontScale="92500" lnSpcReduction="10000"/>
+          </a:bodyPr>
+          <a:lstStyle/>
+          <a:p>
+            <a:r>
+              <a:rPr lang="en-US" dirty="0"/>
+              <a:t>An array declaration allocates sequential memory blocks.</a:t>
+            </a:r>
+          </a:p>
+          <a:p>
+            <a:r>
+              <a:rPr lang="en-US" dirty="0"/>
+              <a:t>Arrays are static. This means that an array once initialized cannot be resized.</a:t>
+            </a:r>
+          </a:p>
+          <a:p>
+            <a:r>
+              <a:rPr lang="en-US" dirty="0"/>
+              <a:t>Each memory block represents an array element.</a:t>
+            </a:r>
+          </a:p>
+          <a:p>
+            <a:r>
+              <a:rPr lang="en-US" dirty="0"/>
+              <a:t>Array elements are identified by a unique integer called as the subscript / index of the element.</a:t>
+            </a:r>
+          </a:p>
+          <a:p>
+            <a:r>
+              <a:rPr lang="en-US" dirty="0"/>
+              <a:t>Like variables, arrays too, should be declared before they are used. Use the var keyword to declare an array.</a:t>
+            </a:r>
+          </a:p>
+          <a:p>
+            <a:r>
+              <a:rPr lang="en-US" dirty="0"/>
+              <a:t>Array initialization refers to populating the array elements.</a:t>
+            </a:r>
+          </a:p>
+          <a:p>
+            <a:r>
+              <a:rPr lang="en-US" dirty="0"/>
+              <a:t>Array element values can be updated or modified but cannot be deleted.</a:t>
+            </a:r>
+          </a:p>
+        </p:txBody>
+      </p:sp>
+    </p:spTree>
+    <p:extLst>
+      <p:ext uri="{BB962C8B-B14F-4D97-AF65-F5344CB8AC3E}">
+        <p14:creationId xmlns:p14="http://schemas.microsoft.com/office/powerpoint/2010/main" val="1771078964"/>
+      </p:ext>
+    </p:extLst>
+  </p:cSld>
+  <p:clrMapOvr>
+    <a:masterClrMapping/>
+  </p:clrMapOvr>
+</p:sld>
+</file>
+
+<file path=ppt/slides/slide3.xml><?xml version="1.0" encoding="utf-8"?>
+<p:sld xmlns:a="http://schemas.openxmlformats.org/drawingml/2006/main" xmlns:r="http://schemas.openxmlformats.org/officeDocument/2006/relationships" xmlns:p="http://schemas.openxmlformats.org/presentationml/2006/main">
+  <p:cSld>
+    <p:spTree>
+      <p:nvGrpSpPr>
+        <p:cNvPr id="1" name=""/>
+        <p:cNvGrpSpPr/>
+        <p:nvPr/>
+      </p:nvGrpSpPr>
+      <p:grpSpPr>
+        <a:xfrm>
+          <a:off x="0" y="0"/>
+          <a:ext cx="0" cy="0"/>
+          <a:chOff x="0" y="0"/>
+          <a:chExt cx="0" cy="0"/>
+        </a:xfrm>
+      </p:grpSpPr>
+      <p:sp>
+        <p:nvSpPr>
+          <p:cNvPr id="2" name="object 2"/>
+          <p:cNvSpPr txBox="1">
+            <a:spLocks noGrp="1"/>
+          </p:cNvSpPr>
+          <p:nvPr>
+            <p:ph type="title"/>
+          </p:nvPr>
+        </p:nvSpPr>
+        <p:spPr>
+          <a:xfrm>
+            <a:off x="6412121" y="321734"/>
+            <a:ext cx="5136412" cy="1135737"/>
+          </a:xfrm>
+          <a:prstGeom prst="rect">
+            <a:avLst/>
+          </a:prstGeom>
+        </p:spPr>
+        <p:txBody>
+          <a:bodyPr vert="horz" lIns="91440" tIns="45720" rIns="91440" bIns="45720" rtlCol="0" anchor="ctr">
+            <a:normAutofit/>
+          </a:bodyPr>
+          <a:lstStyle/>
+          <a:p>
+            <a:pPr marL="12700"/>
+            <a:r>
+              <a:rPr lang="en-US" sz="4800" b="1" spc="90"/>
+              <a:t>Overview</a:t>
+            </a:r>
+            <a:endParaRPr lang="en-US" sz="4800" b="1" dirty="0"/>
+          </a:p>
+        </p:txBody>
+      </p:sp>
+      <p:pic>
+        <p:nvPicPr>
+          <p:cNvPr id="22" name="Picture 21" descr="Computer script on a screen">
+            <a:extLst>
+              <a:ext uri="{FF2B5EF4-FFF2-40B4-BE49-F238E27FC236}">
+                <a16:creationId xmlns:a16="http://schemas.microsoft.com/office/drawing/2014/main" id="{5BF1D1E2-528C-41A8-8533-E082D0E6A7E3}"/>
+              </a:ext>
+            </a:extLst>
+          </p:cNvPr>
+          <p:cNvPicPr>
+            <a:picLocks noChangeAspect="1"/>
+          </p:cNvPicPr>
+          <p:nvPr/>
+        </p:nvPicPr>
+        <p:blipFill rotWithShape="1">
+          <a:blip r:embed="rId2"/>
+          <a:srcRect l="1985" r="41757" b="-1"/>
+          <a:stretch/>
+        </p:blipFill>
+        <p:spPr>
+          <a:xfrm>
+            <a:off x="-2" y="10"/>
+            <a:ext cx="5779884" cy="6857990"/>
+          </a:xfrm>
+          <a:prstGeom prst="rect">
+            <a:avLst/>
+          </a:prstGeom>
+        </p:spPr>
+      </p:pic>
+      <p:graphicFrame>
+        <p:nvGraphicFramePr>
+          <p:cNvPr id="24" name="object 3">
+            <a:extLst>
+              <a:ext uri="{FF2B5EF4-FFF2-40B4-BE49-F238E27FC236}">
+                <a16:creationId xmlns:a16="http://schemas.microsoft.com/office/drawing/2014/main" id="{5A03DF56-DCD2-8738-7286-FABA55509713}"/>
+              </a:ext>
+            </a:extLst>
+          </p:cNvPr>
+          <p:cNvGraphicFramePr/>
+          <p:nvPr/>
+        </p:nvGraphicFramePr>
+        <p:xfrm>
+          <a:off x="6412120" y="1782981"/>
+          <a:ext cx="5635586" cy="4393982"/>
+        </p:xfrm>
+        <a:graphic>
+          <a:graphicData uri="http://schemas.openxmlformats.org/drawingml/2006/diagram">
+            <dgm:relIds xmlns:dgm="http://schemas.openxmlformats.org/drawingml/2006/diagram" xmlns:r="http://schemas.openxmlformats.org/officeDocument/2006/relationships" r:dm="rId3" r:lo="rId4" r:qs="rId5" r:cs="rId6"/>
+          </a:graphicData>
+        </a:graphic>
+      </p:graphicFrame>
+    </p:spTree>
+  </p:cSld>
+  <p:clrMapOvr>
+    <a:masterClrMapping/>
+  </p:clrMapOvr>
+</p:sld>
+</file>
+
+<file path=ppt/slides/slide30.xml><?xml version="1.0" encoding="utf-8"?>
+<p:sld xmlns:a="http://schemas.openxmlformats.org/drawingml/2006/main" xmlns:r="http://schemas.openxmlformats.org/officeDocument/2006/relationships" xmlns:p="http://schemas.openxmlformats.org/presentationml/2006/main">
+  <p:cSld>
+    <p:spTree>
+      <p:nvGrpSpPr>
+        <p:cNvPr id="1" name=""/>
+        <p:cNvGrpSpPr/>
+        <p:nvPr/>
+      </p:nvGrpSpPr>
+      <p:grpSpPr>
+        <a:xfrm>
+          <a:off x="0" y="0"/>
+          <a:ext cx="0" cy="0"/>
+          <a:chOff x="0" y="0"/>
+          <a:chExt cx="0" cy="0"/>
+        </a:xfrm>
+      </p:grpSpPr>
+      <p:sp>
+        <p:nvSpPr>
+          <p:cNvPr id="2" name="Title 1">
+            <a:extLst>
+              <a:ext uri="{FF2B5EF4-FFF2-40B4-BE49-F238E27FC236}">
+                <a16:creationId xmlns:a16="http://schemas.microsoft.com/office/drawing/2014/main" id="{0B44C821-A973-418C-A8CB-FA383C8C5756}"/>
+              </a:ext>
+            </a:extLst>
+          </p:cNvPr>
+          <p:cNvSpPr>
+            <a:spLocks noGrp="1"/>
+          </p:cNvSpPr>
+          <p:nvPr>
+            <p:ph type="title"/>
+          </p:nvPr>
+        </p:nvSpPr>
+        <p:spPr/>
+        <p:txBody>
+          <a:bodyPr/>
+          <a:lstStyle/>
+          <a:p>
+            <a:r>
+              <a:rPr lang="en-IN" dirty="0"/>
+              <a:t>Array</a:t>
+            </a:r>
+          </a:p>
+        </p:txBody>
+      </p:sp>
+      <p:pic>
+        <p:nvPicPr>
+          <p:cNvPr id="5" name="object 9">
+            <a:extLst>
+              <a:ext uri="{FF2B5EF4-FFF2-40B4-BE49-F238E27FC236}">
+                <a16:creationId xmlns:a16="http://schemas.microsoft.com/office/drawing/2014/main" id="{6996CA8E-A4BE-42FB-8F6C-BEC33A038FB8}"/>
+              </a:ext>
+            </a:extLst>
+          </p:cNvPr>
+          <p:cNvPicPr>
+            <a:picLocks noGrp="1"/>
+          </p:cNvPicPr>
+          <p:nvPr>
+            <p:ph idx="1"/>
+          </p:nvPr>
+        </p:nvPicPr>
+        <p:blipFill>
+          <a:blip r:embed="rId2" cstate="print"/>
+          <a:stretch>
+            <a:fillRect/>
+          </a:stretch>
+        </p:blipFill>
+        <p:spPr>
+          <a:xfrm>
+            <a:off x="1905000" y="2782094"/>
+            <a:ext cx="8382000" cy="2438400"/>
+          </a:xfrm>
+          <a:prstGeom prst="rect">
+            <a:avLst/>
+          </a:prstGeom>
+        </p:spPr>
+      </p:pic>
+    </p:spTree>
+    <p:extLst>
+      <p:ext uri="{BB962C8B-B14F-4D97-AF65-F5344CB8AC3E}">
+        <p14:creationId xmlns:p14="http://schemas.microsoft.com/office/powerpoint/2010/main" val="1476634141"/>
+      </p:ext>
+    </p:extLst>
+  </p:cSld>
+  <p:clrMapOvr>
+    <a:masterClrMapping/>
+  </p:clrMapOvr>
+</p:sld>
+</file>
+
+<file path=ppt/slides/slide31.xml><?xml version="1.0" encoding="utf-8"?>
+<p:sld xmlns:a="http://schemas.openxmlformats.org/drawingml/2006/main" xmlns:r="http://schemas.openxmlformats.org/officeDocument/2006/relationships" xmlns:p="http://schemas.openxmlformats.org/presentationml/2006/main">
+  <p:cSld>
+    <p:spTree>
+      <p:nvGrpSpPr>
+        <p:cNvPr id="1" name=""/>
+        <p:cNvGrpSpPr/>
+        <p:nvPr/>
+      </p:nvGrpSpPr>
+      <p:grpSpPr>
+        <a:xfrm>
+          <a:off x="0" y="0"/>
+          <a:ext cx="0" cy="0"/>
+          <a:chOff x="0" y="0"/>
+          <a:chExt cx="0" cy="0"/>
+        </a:xfrm>
+      </p:grpSpPr>
+      <p:sp>
+        <p:nvSpPr>
+          <p:cNvPr id="2" name="Title 1">
+            <a:extLst>
+              <a:ext uri="{FF2B5EF4-FFF2-40B4-BE49-F238E27FC236}">
+                <a16:creationId xmlns:a16="http://schemas.microsoft.com/office/drawing/2014/main" id="{66961DA8-83BA-A6B5-2C08-E6AFA0E71421}"/>
+              </a:ext>
+            </a:extLst>
+          </p:cNvPr>
+          <p:cNvSpPr>
+            <a:spLocks noGrp="1"/>
+          </p:cNvSpPr>
+          <p:nvPr>
+            <p:ph type="title"/>
+          </p:nvPr>
+        </p:nvSpPr>
+        <p:spPr/>
+        <p:txBody>
+          <a:bodyPr/>
+          <a:lstStyle/>
+          <a:p>
+            <a:r>
+              <a:rPr lang="en-IN" dirty="0"/>
+              <a:t>Learn for Day 2</a:t>
+            </a:r>
+          </a:p>
+        </p:txBody>
+      </p:sp>
+      <p:sp>
+        <p:nvSpPr>
+          <p:cNvPr id="3" name="Content Placeholder 2">
+            <a:extLst>
+              <a:ext uri="{FF2B5EF4-FFF2-40B4-BE49-F238E27FC236}">
+                <a16:creationId xmlns:a16="http://schemas.microsoft.com/office/drawing/2014/main" id="{5D85F295-DC90-6AAF-F01D-5F34C3200302}"/>
+              </a:ext>
+            </a:extLst>
+          </p:cNvPr>
+          <p:cNvSpPr>
+            <a:spLocks noGrp="1"/>
+          </p:cNvSpPr>
+          <p:nvPr>
+            <p:ph idx="1"/>
+          </p:nvPr>
+        </p:nvSpPr>
+        <p:spPr/>
+        <p:txBody>
+          <a:bodyPr/>
+          <a:lstStyle/>
+          <a:p>
+            <a:r>
+              <a:rPr lang="en-IN" dirty="0"/>
+              <a:t>What are Modules </a:t>
+            </a:r>
+            <a:r>
+              <a:rPr lang="en-IN"/>
+              <a:t>in JavaScript?</a:t>
+            </a:r>
+            <a:endParaRPr lang="en-IN" dirty="0"/>
+          </a:p>
+          <a:p>
+            <a:pPr lvl="1"/>
+            <a:r>
+              <a:rPr lang="en-IN" dirty="0" err="1"/>
+              <a:t>CommonJS</a:t>
+            </a:r>
+            <a:endParaRPr lang="en-IN" dirty="0"/>
+          </a:p>
+          <a:p>
+            <a:pPr lvl="1"/>
+            <a:r>
+              <a:rPr lang="en-IN" dirty="0"/>
+              <a:t>Require</a:t>
+            </a:r>
+          </a:p>
+          <a:p>
+            <a:pPr lvl="1"/>
+            <a:r>
+              <a:rPr lang="en-IN" dirty="0"/>
+              <a:t>System</a:t>
+            </a:r>
+          </a:p>
+          <a:p>
+            <a:pPr lvl="1"/>
+            <a:r>
+              <a:rPr lang="en-IN" dirty="0"/>
+              <a:t>AMD</a:t>
+            </a:r>
+          </a:p>
+          <a:p>
+            <a:pPr lvl="1"/>
+            <a:r>
+              <a:rPr lang="en-IN" dirty="0"/>
+              <a:t>UMD</a:t>
+            </a:r>
+          </a:p>
+          <a:p>
+            <a:pPr lvl="1"/>
+            <a:r>
+              <a:rPr lang="en-IN" dirty="0" err="1"/>
+              <a:t>ESModule</a:t>
+            </a:r>
+            <a:endParaRPr lang="en-IN" dirty="0"/>
+          </a:p>
+          <a:p>
+            <a:r>
+              <a:rPr lang="en-IN" dirty="0"/>
+              <a:t>Learn about the other compiler options in </a:t>
+            </a:r>
+            <a:r>
+              <a:rPr lang="en-IN" dirty="0" err="1"/>
+              <a:t>tsconfig.json</a:t>
+            </a:r>
+            <a:r>
+              <a:rPr lang="en-IN" dirty="0"/>
+              <a:t> file</a:t>
+            </a:r>
+          </a:p>
+          <a:p>
+            <a:pPr lvl="1"/>
+            <a:r>
+              <a:rPr lang="en-IN" dirty="0">
+                <a:hlinkClick r:id="rId2"/>
+              </a:rPr>
+              <a:t>https://www.typescriptlang.org/tsconfig</a:t>
+            </a:r>
+            <a:endParaRPr lang="en-IN" dirty="0"/>
+          </a:p>
+        </p:txBody>
+      </p:sp>
+    </p:spTree>
+    <p:extLst>
+      <p:ext uri="{BB962C8B-B14F-4D97-AF65-F5344CB8AC3E}">
+        <p14:creationId xmlns:p14="http://schemas.microsoft.com/office/powerpoint/2010/main" val="3813401604"/>
+      </p:ext>
+    </p:extLst>
+  </p:cSld>
+  <p:clrMapOvr>
+    <a:masterClrMapping/>
+  </p:clrMapOvr>
+</p:sld>
+</file>
+
+<file path=ppt/slides/slide32.xml><?xml version="1.0" encoding="utf-8"?>
+<p:sld xmlns:a="http://schemas.openxmlformats.org/drawingml/2006/main" xmlns:r="http://schemas.openxmlformats.org/officeDocument/2006/relationships" xmlns:p="http://schemas.openxmlformats.org/presentationml/2006/main">
+  <p:cSld>
     <p:bg>
       <p:bgPr>
         <a:solidFill>
@@ -38579,116 +40690,6 @@
         <p14:creationId xmlns:p14="http://schemas.microsoft.com/office/powerpoint/2010/main" val="631516676"/>
       </p:ext>
     </p:extLst>
-  </p:cSld>
-  <p:clrMapOvr>
-    <a:masterClrMapping/>
-  </p:clrMapOvr>
-</p:sld>
-</file>
-
-<file path=ppt/slides/slide3.xml><?xml version="1.0" encoding="utf-8"?>
-<p:sld xmlns:a="http://schemas.openxmlformats.org/drawingml/2006/main" xmlns:r="http://schemas.openxmlformats.org/officeDocument/2006/relationships" xmlns:p="http://schemas.openxmlformats.org/presentationml/2006/main">
-  <p:cSld>
-    <p:spTree>
-      <p:nvGrpSpPr>
-        <p:cNvPr id="1" name=""/>
-        <p:cNvGrpSpPr/>
-        <p:nvPr/>
-      </p:nvGrpSpPr>
-      <p:grpSpPr>
-        <a:xfrm>
-          <a:off x="0" y="0"/>
-          <a:ext cx="0" cy="0"/>
-          <a:chOff x="0" y="0"/>
-          <a:chExt cx="0" cy="0"/>
-        </a:xfrm>
-      </p:grpSpPr>
-      <p:sp>
-        <p:nvSpPr>
-          <p:cNvPr id="2" name="object 2"/>
-          <p:cNvSpPr txBox="1">
-            <a:spLocks noGrp="1"/>
-          </p:cNvSpPr>
-          <p:nvPr>
-            <p:ph type="title"/>
-          </p:nvPr>
-        </p:nvSpPr>
-        <p:spPr>
-          <a:xfrm>
-            <a:off x="6412121" y="321734"/>
-            <a:ext cx="5136412" cy="1135737"/>
-          </a:xfrm>
-          <a:prstGeom prst="rect">
-            <a:avLst/>
-          </a:prstGeom>
-        </p:spPr>
-        <p:txBody>
-          <a:bodyPr vert="horz" lIns="91440" tIns="45720" rIns="91440" bIns="45720" rtlCol="0" anchor="ctr">
-            <a:normAutofit/>
-          </a:bodyPr>
-          <a:lstStyle/>
-          <a:p>
-            <a:pPr marL="12700"/>
-            <a:r>
-              <a:rPr lang="en-US" sz="4800" b="1" spc="90"/>
-              <a:t>Overview</a:t>
-            </a:r>
-            <a:endParaRPr lang="en-US" sz="4800" b="1" dirty="0"/>
-          </a:p>
-        </p:txBody>
-      </p:sp>
-      <p:pic>
-        <p:nvPicPr>
-          <p:cNvPr id="22" name="Picture 21" descr="Computer script on a screen">
-            <a:extLst>
-              <a:ext uri="{FF2B5EF4-FFF2-40B4-BE49-F238E27FC236}">
-                <a16:creationId xmlns:a16="http://schemas.microsoft.com/office/drawing/2014/main" id="{5BF1D1E2-528C-41A8-8533-E082D0E6A7E3}"/>
-              </a:ext>
-            </a:extLst>
-          </p:cNvPr>
-          <p:cNvPicPr>
-            <a:picLocks noChangeAspect="1"/>
-          </p:cNvPicPr>
-          <p:nvPr/>
-        </p:nvPicPr>
-        <p:blipFill rotWithShape="1">
-          <a:blip r:embed="rId2"/>
-          <a:srcRect l="1985" r="41757" b="-1"/>
-          <a:stretch/>
-        </p:blipFill>
-        <p:spPr>
-          <a:xfrm>
-            <a:off x="-2" y="10"/>
-            <a:ext cx="5779884" cy="6857990"/>
-          </a:xfrm>
-          <a:prstGeom prst="rect">
-            <a:avLst/>
-          </a:prstGeom>
-        </p:spPr>
-      </p:pic>
-      <p:graphicFrame>
-        <p:nvGraphicFramePr>
-          <p:cNvPr id="24" name="object 3">
-            <a:extLst>
-              <a:ext uri="{FF2B5EF4-FFF2-40B4-BE49-F238E27FC236}">
-                <a16:creationId xmlns:a16="http://schemas.microsoft.com/office/drawing/2014/main" id="{5A03DF56-DCD2-8738-7286-FABA55509713}"/>
-              </a:ext>
-            </a:extLst>
-          </p:cNvPr>
-          <p:cNvGraphicFramePr/>
-          <p:nvPr/>
-        </p:nvGraphicFramePr>
-        <p:xfrm>
-          <a:off x="6412120" y="1782981"/>
-          <a:ext cx="5635586" cy="4393982"/>
-        </p:xfrm>
-        <a:graphic>
-          <a:graphicData uri="http://schemas.openxmlformats.org/drawingml/2006/diagram">
-            <dgm:relIds xmlns:dgm="http://schemas.openxmlformats.org/drawingml/2006/diagram" xmlns:r="http://schemas.openxmlformats.org/officeDocument/2006/relationships" r:dm="rId3" r:lo="rId4" r:qs="rId5" r:cs="rId6"/>
-          </a:graphicData>
-        </a:graphic>
-      </p:graphicFrame>
-    </p:spTree>
   </p:cSld>
   <p:clrMapOvr>
     <a:masterClrMapping/>
